--- a/spring14/slidesS14/propositional-operators.pptx
+++ b/spring14/slidesS14/propositional-operators.pptx
@@ -4,27 +4,32 @@
   <p:sldMasterIdLst>
     <p:sldMasterId id="2147483650" r:id="rId1"/>
     <p:sldMasterId id="2147483651" r:id="rId2"/>
+    <p:sldMasterId id="2147483677" r:id="rId3"/>
   </p:sldMasterIdLst>
   <p:notesMasterIdLst>
-    <p:notesMasterId r:id="rId11"/>
+    <p:notesMasterId r:id="rId16"/>
   </p:notesMasterIdLst>
   <p:handoutMasterIdLst>
-    <p:handoutMasterId r:id="rId12"/>
+    <p:handoutMasterId r:id="rId17"/>
   </p:handoutMasterIdLst>
   <p:sldIdLst>
-    <p:sldId id="392" r:id="rId3"/>
-    <p:sldId id="425" r:id="rId4"/>
-    <p:sldId id="393" r:id="rId5"/>
-    <p:sldId id="395" r:id="rId6"/>
-    <p:sldId id="405" r:id="rId7"/>
-    <p:sldId id="406" r:id="rId8"/>
-    <p:sldId id="407" r:id="rId9"/>
-    <p:sldId id="404" r:id="rId10"/>
+    <p:sldId id="392" r:id="rId4"/>
+    <p:sldId id="425" r:id="rId5"/>
+    <p:sldId id="393" r:id="rId6"/>
+    <p:sldId id="395" r:id="rId7"/>
+    <p:sldId id="405" r:id="rId8"/>
+    <p:sldId id="406" r:id="rId9"/>
+    <p:sldId id="407" r:id="rId10"/>
+    <p:sldId id="404" r:id="rId11"/>
+    <p:sldId id="426" r:id="rId12"/>
+    <p:sldId id="427" r:id="rId13"/>
+    <p:sldId id="428" r:id="rId14"/>
+    <p:sldId id="429" r:id="rId15"/>
   </p:sldIdLst>
   <p:sldSz cx="9144000" cy="6858000" type="screen4x3"/>
   <p:notesSz cx="9601200" cy="7315200"/>
   <p:custDataLst>
-    <p:tags r:id="rId14"/>
+    <p:tags r:id="rId19"/>
   </p:custDataLst>
   <p:defaultTextStyle>
     <a:defPPr>
@@ -914,6 +919,276 @@
 </p:notes>
 </file>
 
+<file path=ppt/notesSlides/notesSlide10.xml><?xml version="1.0" encoding="utf-8"?>
+<p:notes xmlns:a="http://schemas.openxmlformats.org/drawingml/2006/main" xmlns:r="http://schemas.openxmlformats.org/officeDocument/2006/relationships" xmlns:p="http://schemas.openxmlformats.org/presentationml/2006/main">
+  <p:cSld>
+    <p:spTree>
+      <p:nvGrpSpPr>
+        <p:cNvPr id="1" name=""/>
+        <p:cNvGrpSpPr/>
+        <p:nvPr/>
+      </p:nvGrpSpPr>
+      <p:grpSpPr>
+        <a:xfrm>
+          <a:off x="0" y="0"/>
+          <a:ext cx="0" cy="0"/>
+          <a:chOff x="0" y="0"/>
+          <a:chExt cx="0" cy="0"/>
+        </a:xfrm>
+      </p:grpSpPr>
+      <p:sp>
+        <p:nvSpPr>
+          <p:cNvPr id="2" name="Slide Image Placeholder 1"/>
+          <p:cNvSpPr>
+            <a:spLocks noGrp="1" noRot="1" noChangeAspect="1"/>
+          </p:cNvSpPr>
+          <p:nvPr>
+            <p:ph type="sldImg"/>
+          </p:nvPr>
+        </p:nvSpPr>
+        <p:spPr/>
+      </p:sp>
+      <p:sp>
+        <p:nvSpPr>
+          <p:cNvPr id="3" name="Notes Placeholder 2"/>
+          <p:cNvSpPr>
+            <a:spLocks noGrp="1"/>
+          </p:cNvSpPr>
+          <p:nvPr>
+            <p:ph type="body" idx="1"/>
+          </p:nvPr>
+        </p:nvSpPr>
+        <p:spPr/>
+        <p:txBody>
+          <a:bodyPr>
+            <a:normAutofit/>
+          </a:bodyPr>
+          <a:lstStyle/>
+          <a:p>
+            <a:endParaRPr lang="en-US"/>
+          </a:p>
+        </p:txBody>
+      </p:sp>
+      <p:sp>
+        <p:nvSpPr>
+          <p:cNvPr id="4" name="Slide Number Placeholder 3"/>
+          <p:cNvSpPr>
+            <a:spLocks noGrp="1"/>
+          </p:cNvSpPr>
+          <p:nvPr>
+            <p:ph type="sldNum" sz="quarter" idx="10"/>
+          </p:nvPr>
+        </p:nvSpPr>
+        <p:spPr/>
+        <p:txBody>
+          <a:bodyPr/>
+          <a:lstStyle/>
+          <a:p>
+            <a:fld id="{A02B9F3F-3042-489F-AF35-1A733968F079}" type="slidenum">
+              <a:rPr lang="en-US" smtClean="0">
+                <a:solidFill>
+                  <a:prstClr val="black"/>
+                </a:solidFill>
+              </a:rPr>
+              <a:pPr/>
+              <a:t>10</a:t>
+            </a:fld>
+            <a:endParaRPr lang="en-US">
+              <a:solidFill>
+                <a:prstClr val="black"/>
+              </a:solidFill>
+            </a:endParaRPr>
+          </a:p>
+        </p:txBody>
+      </p:sp>
+    </p:spTree>
+  </p:cSld>
+  <p:clrMapOvr>
+    <a:masterClrMapping/>
+  </p:clrMapOvr>
+</p:notes>
+</file>
+
+<file path=ppt/notesSlides/notesSlide11.xml><?xml version="1.0" encoding="utf-8"?>
+<p:notes xmlns:a="http://schemas.openxmlformats.org/drawingml/2006/main" xmlns:r="http://schemas.openxmlformats.org/officeDocument/2006/relationships" xmlns:p="http://schemas.openxmlformats.org/presentationml/2006/main">
+  <p:cSld>
+    <p:spTree>
+      <p:nvGrpSpPr>
+        <p:cNvPr id="1" name=""/>
+        <p:cNvGrpSpPr/>
+        <p:nvPr/>
+      </p:nvGrpSpPr>
+      <p:grpSpPr>
+        <a:xfrm>
+          <a:off x="0" y="0"/>
+          <a:ext cx="0" cy="0"/>
+          <a:chOff x="0" y="0"/>
+          <a:chExt cx="0" cy="0"/>
+        </a:xfrm>
+      </p:grpSpPr>
+      <p:sp>
+        <p:nvSpPr>
+          <p:cNvPr id="2" name="Slide Image Placeholder 1"/>
+          <p:cNvSpPr>
+            <a:spLocks noGrp="1" noRot="1" noChangeAspect="1"/>
+          </p:cNvSpPr>
+          <p:nvPr>
+            <p:ph type="sldImg"/>
+          </p:nvPr>
+        </p:nvSpPr>
+        <p:spPr/>
+      </p:sp>
+      <p:sp>
+        <p:nvSpPr>
+          <p:cNvPr id="3" name="Notes Placeholder 2"/>
+          <p:cNvSpPr>
+            <a:spLocks noGrp="1"/>
+          </p:cNvSpPr>
+          <p:nvPr>
+            <p:ph type="body" idx="1"/>
+          </p:nvPr>
+        </p:nvSpPr>
+        <p:spPr/>
+        <p:txBody>
+          <a:bodyPr>
+            <a:normAutofit/>
+          </a:bodyPr>
+          <a:lstStyle/>
+          <a:p>
+            <a:endParaRPr lang="en-US"/>
+          </a:p>
+        </p:txBody>
+      </p:sp>
+      <p:sp>
+        <p:nvSpPr>
+          <p:cNvPr id="4" name="Slide Number Placeholder 3"/>
+          <p:cNvSpPr>
+            <a:spLocks noGrp="1"/>
+          </p:cNvSpPr>
+          <p:nvPr>
+            <p:ph type="sldNum" sz="quarter" idx="10"/>
+          </p:nvPr>
+        </p:nvSpPr>
+        <p:spPr/>
+        <p:txBody>
+          <a:bodyPr/>
+          <a:lstStyle/>
+          <a:p>
+            <a:fld id="{A02B9F3F-3042-489F-AF35-1A733968F079}" type="slidenum">
+              <a:rPr lang="en-US" smtClean="0">
+                <a:solidFill>
+                  <a:prstClr val="black"/>
+                </a:solidFill>
+              </a:rPr>
+              <a:pPr/>
+              <a:t>11</a:t>
+            </a:fld>
+            <a:endParaRPr lang="en-US">
+              <a:solidFill>
+                <a:prstClr val="black"/>
+              </a:solidFill>
+            </a:endParaRPr>
+          </a:p>
+        </p:txBody>
+      </p:sp>
+    </p:spTree>
+  </p:cSld>
+  <p:clrMapOvr>
+    <a:masterClrMapping/>
+  </p:clrMapOvr>
+</p:notes>
+</file>
+
+<file path=ppt/notesSlides/notesSlide12.xml><?xml version="1.0" encoding="utf-8"?>
+<p:notes xmlns:a="http://schemas.openxmlformats.org/drawingml/2006/main" xmlns:r="http://schemas.openxmlformats.org/officeDocument/2006/relationships" xmlns:p="http://schemas.openxmlformats.org/presentationml/2006/main">
+  <p:cSld>
+    <p:spTree>
+      <p:nvGrpSpPr>
+        <p:cNvPr id="1" name=""/>
+        <p:cNvGrpSpPr/>
+        <p:nvPr/>
+      </p:nvGrpSpPr>
+      <p:grpSpPr>
+        <a:xfrm>
+          <a:off x="0" y="0"/>
+          <a:ext cx="0" cy="0"/>
+          <a:chOff x="0" y="0"/>
+          <a:chExt cx="0" cy="0"/>
+        </a:xfrm>
+      </p:grpSpPr>
+      <p:sp>
+        <p:nvSpPr>
+          <p:cNvPr id="2" name="Slide Image Placeholder 1"/>
+          <p:cNvSpPr>
+            <a:spLocks noGrp="1" noRot="1" noChangeAspect="1"/>
+          </p:cNvSpPr>
+          <p:nvPr>
+            <p:ph type="sldImg"/>
+          </p:nvPr>
+        </p:nvSpPr>
+        <p:spPr/>
+      </p:sp>
+      <p:sp>
+        <p:nvSpPr>
+          <p:cNvPr id="3" name="Notes Placeholder 2"/>
+          <p:cNvSpPr>
+            <a:spLocks noGrp="1"/>
+          </p:cNvSpPr>
+          <p:nvPr>
+            <p:ph type="body" idx="1"/>
+          </p:nvPr>
+        </p:nvSpPr>
+        <p:spPr/>
+        <p:txBody>
+          <a:bodyPr>
+            <a:normAutofit/>
+          </a:bodyPr>
+          <a:lstStyle/>
+          <a:p>
+            <a:endParaRPr lang="en-US"/>
+          </a:p>
+        </p:txBody>
+      </p:sp>
+      <p:sp>
+        <p:nvSpPr>
+          <p:cNvPr id="4" name="Slide Number Placeholder 3"/>
+          <p:cNvSpPr>
+            <a:spLocks noGrp="1"/>
+          </p:cNvSpPr>
+          <p:nvPr>
+            <p:ph type="sldNum" sz="quarter" idx="10"/>
+          </p:nvPr>
+        </p:nvSpPr>
+        <p:spPr/>
+        <p:txBody>
+          <a:bodyPr/>
+          <a:lstStyle/>
+          <a:p>
+            <a:fld id="{A02B9F3F-3042-489F-AF35-1A733968F079}" type="slidenum">
+              <a:rPr lang="en-US" smtClean="0">
+                <a:solidFill>
+                  <a:prstClr val="black"/>
+                </a:solidFill>
+              </a:rPr>
+              <a:pPr/>
+              <a:t>12</a:t>
+            </a:fld>
+            <a:endParaRPr lang="en-US">
+              <a:solidFill>
+                <a:prstClr val="black"/>
+              </a:solidFill>
+            </a:endParaRPr>
+          </a:p>
+        </p:txBody>
+      </p:sp>
+    </p:spTree>
+  </p:cSld>
+  <p:clrMapOvr>
+    <a:masterClrMapping/>
+  </p:clrMapOvr>
+</p:notes>
+</file>
+
 <file path=ppt/notesSlides/notesSlide2.xml><?xml version="1.0" encoding="utf-8"?>
 <p:notes xmlns:a="http://schemas.openxmlformats.org/drawingml/2006/main" xmlns:r="http://schemas.openxmlformats.org/officeDocument/2006/relationships" xmlns:p="http://schemas.openxmlformats.org/presentationml/2006/main">
   <p:cSld>
@@ -1495,6 +1770,96 @@
               <a:t>8</a:t>
             </a:fld>
             <a:endParaRPr lang="en-US"/>
+          </a:p>
+        </p:txBody>
+      </p:sp>
+    </p:spTree>
+  </p:cSld>
+  <p:clrMapOvr>
+    <a:masterClrMapping/>
+  </p:clrMapOvr>
+</p:notes>
+</file>
+
+<file path=ppt/notesSlides/notesSlide9.xml><?xml version="1.0" encoding="utf-8"?>
+<p:notes xmlns:a="http://schemas.openxmlformats.org/drawingml/2006/main" xmlns:r="http://schemas.openxmlformats.org/officeDocument/2006/relationships" xmlns:p="http://schemas.openxmlformats.org/presentationml/2006/main">
+  <p:cSld>
+    <p:spTree>
+      <p:nvGrpSpPr>
+        <p:cNvPr id="1" name=""/>
+        <p:cNvGrpSpPr/>
+        <p:nvPr/>
+      </p:nvGrpSpPr>
+      <p:grpSpPr>
+        <a:xfrm>
+          <a:off x="0" y="0"/>
+          <a:ext cx="0" cy="0"/>
+          <a:chOff x="0" y="0"/>
+          <a:chExt cx="0" cy="0"/>
+        </a:xfrm>
+      </p:grpSpPr>
+      <p:sp>
+        <p:nvSpPr>
+          <p:cNvPr id="2" name="Slide Image Placeholder 1"/>
+          <p:cNvSpPr>
+            <a:spLocks noGrp="1" noRot="1" noChangeAspect="1"/>
+          </p:cNvSpPr>
+          <p:nvPr>
+            <p:ph type="sldImg"/>
+          </p:nvPr>
+        </p:nvSpPr>
+        <p:spPr/>
+      </p:sp>
+      <p:sp>
+        <p:nvSpPr>
+          <p:cNvPr id="3" name="Notes Placeholder 2"/>
+          <p:cNvSpPr>
+            <a:spLocks noGrp="1"/>
+          </p:cNvSpPr>
+          <p:nvPr>
+            <p:ph type="body" idx="1"/>
+          </p:nvPr>
+        </p:nvSpPr>
+        <p:spPr/>
+        <p:txBody>
+          <a:bodyPr>
+            <a:normAutofit/>
+          </a:bodyPr>
+          <a:lstStyle/>
+          <a:p>
+            <a:endParaRPr lang="en-US"/>
+          </a:p>
+        </p:txBody>
+      </p:sp>
+      <p:sp>
+        <p:nvSpPr>
+          <p:cNvPr id="4" name="Slide Number Placeholder 3"/>
+          <p:cNvSpPr>
+            <a:spLocks noGrp="1"/>
+          </p:cNvSpPr>
+          <p:nvPr>
+            <p:ph type="sldNum" sz="quarter" idx="10"/>
+          </p:nvPr>
+        </p:nvSpPr>
+        <p:spPr/>
+        <p:txBody>
+          <a:bodyPr/>
+          <a:lstStyle/>
+          <a:p>
+            <a:fld id="{A02B9F3F-3042-489F-AF35-1A733968F079}" type="slidenum">
+              <a:rPr lang="en-US" smtClean="0">
+                <a:solidFill>
+                  <a:prstClr val="black"/>
+                </a:solidFill>
+              </a:rPr>
+              <a:pPr/>
+              <a:t>9</a:t>
+            </a:fld>
+            <a:endParaRPr lang="en-US">
+              <a:solidFill>
+                <a:prstClr val="black"/>
+              </a:solidFill>
+            </a:endParaRPr>
           </a:p>
         </p:txBody>
       </p:sp>
@@ -1628,8 +1993,8 @@
         </p:nvSpPr>
         <p:spPr>
           <a:xfrm>
-            <a:off x="7216223" y="6553200"/>
-            <a:ext cx="1927781" cy="276999"/>
+            <a:off x="7435108" y="6553200"/>
+            <a:ext cx="1708896" cy="276999"/>
           </a:xfrm>
           <a:ln/>
         </p:spPr>
@@ -1646,7 +2011,11 @@
             </a:pPr>
             <a:r>
               <a:rPr lang="en-US" dirty="0" smtClean="0"/>
-              <a:t>propositional logic I..</a:t>
+              <a:t>propositional ops.</a:t>
+            </a:r>
+            <a:r>
+              <a:rPr lang="en-US" dirty="0" smtClean="0"/>
+              <a:t>.</a:t>
             </a:r>
             <a:fld id="{C3C9801B-391E-452B-A4C3-BC5EC51A0BC7}" type="slidenum">
               <a:rPr lang="en-US" smtClean="0"/>
@@ -1777,7 +2146,7 @@
             </a:pPr>
             <a:r>
               <a:rPr lang="en-US" dirty="0" smtClean="0"/>
-              <a:t>propositional logic I.</a:t>
+              <a:t>propositional ops.</a:t>
             </a:r>
             <a:fld id="{19F24CE2-1F4B-4512-B5C9-C4086662BBB7}" type="slidenum">
               <a:rPr lang="en-US" smtClean="0"/>
@@ -1941,7 +2310,7 @@
             </a:pPr>
             <a:r>
               <a:rPr lang="en-US" dirty="0" smtClean="0"/>
-              <a:t>propositional logic I.</a:t>
+              <a:t>propositional ops.</a:t>
             </a:r>
             <a:fld id="{37824D00-345F-4FD0-936A-71B5AC18468B}" type="slidenum">
               <a:rPr lang="en-US" smtClean="0"/>
@@ -2201,7 +2570,7 @@
             </a:pPr>
             <a:r>
               <a:rPr lang="en-US" dirty="0" smtClean="0"/>
-              <a:t>propositional logic I.</a:t>
+              <a:t>propositional ops.</a:t>
             </a:r>
             <a:fld id="{C4F24D8D-A185-4E60-9514-B135EA8C3BD6}" type="slidenum">
               <a:rPr lang="en-US" smtClean="0"/>
@@ -2600,7 +2969,7 @@
             </a:pPr>
             <a:r>
               <a:rPr lang="en-US" dirty="0" smtClean="0"/>
-              <a:t>propositional logic I.</a:t>
+              <a:t>propositional ops.</a:t>
             </a:r>
             <a:fld id="{CE491DCD-8313-4DB4-A347-0C0100589210}" type="slidenum">
               <a:rPr lang="en-US" smtClean="0"/>
@@ -2694,7 +3063,7 @@
             </a:pPr>
             <a:r>
               <a:rPr lang="en-US" dirty="0" smtClean="0"/>
-              <a:t>propositional logic I.</a:t>
+              <a:t>propositional ops.</a:t>
             </a:r>
             <a:fld id="{C1105D0F-4076-4DA8-8BBA-221619D9A970}" type="slidenum">
               <a:rPr lang="en-US" smtClean="0"/>
@@ -2761,7 +3130,7 @@
             </a:pPr>
             <a:r>
               <a:rPr lang="en-US" dirty="0" smtClean="0"/>
-              <a:t>propositional logic I.</a:t>
+              <a:t>propositional ops.</a:t>
             </a:r>
             <a:fld id="{075B8CF0-67CE-46DB-AD5A-266E8FD0124B}" type="slidenum">
               <a:rPr lang="en-US" smtClean="0"/>
@@ -3010,7 +3379,7 @@
             </a:pPr>
             <a:r>
               <a:rPr lang="en-US" dirty="0" smtClean="0"/>
-              <a:t>propositional logic I.</a:t>
+              <a:t>propositional ops.</a:t>
             </a:r>
             <a:fld id="{E48FC9C2-C352-42EF-B49B-D1C36F9D04B7}" type="slidenum">
               <a:rPr lang="en-US" smtClean="0"/>
@@ -3236,7 +3605,7 @@
             </a:pPr>
             <a:r>
               <a:rPr lang="en-US" dirty="0" smtClean="0"/>
-              <a:t>propositional logic I.</a:t>
+              <a:t>propositional ops.</a:t>
             </a:r>
             <a:fld id="{26BBB068-6957-4CCF-BE52-E72E2DD2B17D}" type="slidenum">
               <a:rPr lang="en-US" smtClean="0"/>
@@ -3378,7 +3747,7 @@
             </a:pPr>
             <a:r>
               <a:rPr lang="en-US" dirty="0" smtClean="0"/>
-              <a:t>propositional logic I.</a:t>
+              <a:t>propositional ops.</a:t>
             </a:r>
             <a:fld id="{B34E39A3-01D6-4C1E-BA2A-C68DA5665D61}" type="slidenum">
               <a:rPr lang="en-US" smtClean="0"/>
@@ -3530,7 +3899,7 @@
             </a:pPr>
             <a:r>
               <a:rPr lang="en-US" dirty="0" smtClean="0"/>
-              <a:t>propositional logic I.</a:t>
+              <a:t>propositional ops.</a:t>
             </a:r>
             <a:fld id="{918B944E-E05E-401F-B34C-339DD98DC38E}" type="slidenum">
               <a:rPr lang="en-US" smtClean="0"/>
@@ -3658,8 +4027,8 @@
         </p:nvSpPr>
         <p:spPr>
           <a:xfrm>
-            <a:off x="7216223" y="6553200"/>
-            <a:ext cx="1927781" cy="276999"/>
+            <a:off x="7435108" y="6553200"/>
+            <a:ext cx="1708896" cy="276999"/>
           </a:xfrm>
           <a:ln/>
         </p:spPr>
@@ -3676,7 +4045,11 @@
             </a:pPr>
             <a:r>
               <a:rPr lang="en-US" dirty="0" smtClean="0"/>
-              <a:t>propositional logic I..</a:t>
+              <a:t>propositional ops.</a:t>
+            </a:r>
+            <a:r>
+              <a:rPr lang="en-US" dirty="0" smtClean="0"/>
+              <a:t>.</a:t>
             </a:r>
             <a:fld id="{A528ADE2-B74F-4D9D-8D04-FB5D781EAB51}" type="slidenum">
               <a:rPr lang="en-US" smtClean="0"/>
@@ -3707,7 +4080,381 @@
 </p:sldLayout>
 </file>
 
-<file path=ppt/slideLayouts/slideLayout3.xml><?xml version="1.0" encoding="utf-8"?>
+<file path=ppt/slideLayouts/slideLayout20.xml><?xml version="1.0" encoding="utf-8"?>
+<p:sldLayout xmlns:a="http://schemas.openxmlformats.org/drawingml/2006/main" xmlns:r="http://schemas.openxmlformats.org/officeDocument/2006/relationships" xmlns:p="http://schemas.openxmlformats.org/presentationml/2006/main" type="title" preserve="1">
+  <p:cSld name="Title Slide">
+    <p:spTree>
+      <p:nvGrpSpPr>
+        <p:cNvPr id="1" name=""/>
+        <p:cNvGrpSpPr/>
+        <p:nvPr/>
+      </p:nvGrpSpPr>
+      <p:grpSpPr>
+        <a:xfrm>
+          <a:off x="0" y="0"/>
+          <a:ext cx="0" cy="0"/>
+          <a:chOff x="0" y="0"/>
+          <a:chExt cx="0" cy="0"/>
+        </a:xfrm>
+      </p:grpSpPr>
+      <p:sp>
+        <p:nvSpPr>
+          <p:cNvPr id="2" name="Title 1"/>
+          <p:cNvSpPr>
+            <a:spLocks noGrp="1"/>
+          </p:cNvSpPr>
+          <p:nvPr>
+            <p:ph type="ctrTitle"/>
+          </p:nvPr>
+        </p:nvSpPr>
+        <p:spPr>
+          <a:xfrm>
+            <a:off x="685800" y="2130425"/>
+            <a:ext cx="7772400" cy="1470025"/>
+          </a:xfrm>
+        </p:spPr>
+        <p:txBody>
+          <a:bodyPr/>
+          <a:lstStyle/>
+          <a:p>
+            <a:r>
+              <a:rPr lang="en-US" smtClean="0"/>
+              <a:t>Click to edit Master title style</a:t>
+            </a:r>
+            <a:endParaRPr lang="en-US"/>
+          </a:p>
+        </p:txBody>
+      </p:sp>
+      <p:sp>
+        <p:nvSpPr>
+          <p:cNvPr id="3" name="Subtitle 2"/>
+          <p:cNvSpPr>
+            <a:spLocks noGrp="1"/>
+          </p:cNvSpPr>
+          <p:nvPr>
+            <p:ph type="subTitle" idx="1"/>
+          </p:nvPr>
+        </p:nvSpPr>
+        <p:spPr>
+          <a:xfrm>
+            <a:off x="1371600" y="3886200"/>
+            <a:ext cx="6400800" cy="1752600"/>
+          </a:xfrm>
+        </p:spPr>
+        <p:txBody>
+          <a:bodyPr/>
+          <a:lstStyle>
+            <a:lvl1pPr marL="0" indent="0" algn="ctr">
+              <a:buNone/>
+              <a:defRPr/>
+            </a:lvl1pPr>
+            <a:lvl2pPr marL="457200" indent="0" algn="ctr">
+              <a:buNone/>
+              <a:defRPr/>
+            </a:lvl2pPr>
+            <a:lvl3pPr marL="914400" indent="0" algn="ctr">
+              <a:buNone/>
+              <a:defRPr/>
+            </a:lvl3pPr>
+            <a:lvl4pPr marL="1371600" indent="0" algn="ctr">
+              <a:buNone/>
+              <a:defRPr/>
+            </a:lvl4pPr>
+            <a:lvl5pPr marL="1828800" indent="0" algn="ctr">
+              <a:buNone/>
+              <a:defRPr/>
+            </a:lvl5pPr>
+            <a:lvl6pPr marL="2286000" indent="0" algn="ctr">
+              <a:buNone/>
+              <a:defRPr/>
+            </a:lvl6pPr>
+            <a:lvl7pPr marL="2743200" indent="0" algn="ctr">
+              <a:buNone/>
+              <a:defRPr/>
+            </a:lvl7pPr>
+            <a:lvl8pPr marL="3200400" indent="0" algn="ctr">
+              <a:buNone/>
+              <a:defRPr/>
+            </a:lvl8pPr>
+            <a:lvl9pPr marL="3657600" indent="0" algn="ctr">
+              <a:buNone/>
+              <a:defRPr/>
+            </a:lvl9pPr>
+          </a:lstStyle>
+          <a:p>
+            <a:r>
+              <a:rPr lang="en-US" smtClean="0"/>
+              <a:t>Click to edit Master subtitle style</a:t>
+            </a:r>
+            <a:endParaRPr lang="en-US"/>
+          </a:p>
+        </p:txBody>
+      </p:sp>
+      <p:sp>
+        <p:nvSpPr>
+          <p:cNvPr id="4" name="Rectangle 11"/>
+          <p:cNvSpPr>
+            <a:spLocks noGrp="1" noChangeArrowheads="1"/>
+          </p:cNvSpPr>
+          <p:nvPr>
+            <p:ph type="sldNum" sz="quarter" idx="10"/>
+          </p:nvPr>
+        </p:nvSpPr>
+        <p:spPr>
+          <a:xfrm>
+            <a:off x="7435108" y="6553200"/>
+            <a:ext cx="1708896" cy="276999"/>
+          </a:xfrm>
+          <a:ln/>
+        </p:spPr>
+        <p:txBody>
+          <a:bodyPr/>
+          <a:lstStyle>
+            <a:lvl1pPr>
+              <a:defRPr/>
+            </a:lvl1pPr>
+          </a:lstStyle>
+          <a:p>
+            <a:pPr>
+              <a:defRPr/>
+            </a:pPr>
+            <a:r>
+              <a:rPr lang="en-US" dirty="0" smtClean="0">
+                <a:solidFill>
+                  <a:srgbClr val="000000"/>
+                </a:solidFill>
+              </a:rPr>
+              <a:t>propositional ops.</a:t>
+            </a:r>
+            <a:r>
+              <a:rPr lang="en-US" dirty="0" smtClean="0">
+                <a:solidFill>
+                  <a:srgbClr val="000000"/>
+                </a:solidFill>
+              </a:rPr>
+              <a:t>.</a:t>
+            </a:r>
+            <a:fld id="{C3C9801B-391E-452B-A4C3-BC5EC51A0BC7}" type="slidenum">
+              <a:rPr lang="en-US" smtClean="0">
+                <a:solidFill>
+                  <a:srgbClr val="000000"/>
+                </a:solidFill>
+              </a:rPr>
+              <a:pPr>
+                <a:defRPr/>
+              </a:pPr>
+              <a:t>‹#›</a:t>
+            </a:fld>
+            <a:endParaRPr lang="en-US" dirty="0">
+              <a:solidFill>
+                <a:srgbClr val="000000"/>
+              </a:solidFill>
+            </a:endParaRPr>
+          </a:p>
+        </p:txBody>
+      </p:sp>
+    </p:spTree>
+    <p:extLst>
+      <p:ext uri="{BB962C8B-B14F-4D97-AF65-F5344CB8AC3E}">
+        <p14:creationId xmlns:p14="http://schemas.microsoft.com/office/powerpoint/2010/main" val="3501717094"/>
+      </p:ext>
+    </p:extLst>
+  </p:cSld>
+  <p:clrMapOvr>
+    <a:masterClrMapping/>
+  </p:clrMapOvr>
+  <p:transition xmlns:p14="http://schemas.microsoft.com/office/powerpoint/2010/main" spd="slow" advClick="0">
+    <p:fade/>
+  </p:transition>
+  <p:timing>
+    <p:tnLst>
+      <p:par>
+        <p:cTn xmlns:p14="http://schemas.microsoft.com/office/powerpoint/2010/main" id="1" dur="indefinite" restart="never" nodeType="tmRoot"/>
+      </p:par>
+    </p:tnLst>
+  </p:timing>
+</p:sldLayout>
+</file>
+
+<file path=ppt/slideLayouts/slideLayout21.xml><?xml version="1.0" encoding="utf-8"?>
+<p:sldLayout xmlns:a="http://schemas.openxmlformats.org/drawingml/2006/main" xmlns:r="http://schemas.openxmlformats.org/officeDocument/2006/relationships" xmlns:p="http://schemas.openxmlformats.org/presentationml/2006/main" type="obj" preserve="1">
+  <p:cSld name="Title and Content">
+    <p:spTree>
+      <p:nvGrpSpPr>
+        <p:cNvPr id="1" name=""/>
+        <p:cNvGrpSpPr/>
+        <p:nvPr/>
+      </p:nvGrpSpPr>
+      <p:grpSpPr>
+        <a:xfrm>
+          <a:off x="0" y="0"/>
+          <a:ext cx="0" cy="0"/>
+          <a:chOff x="0" y="0"/>
+          <a:chExt cx="0" cy="0"/>
+        </a:xfrm>
+      </p:grpSpPr>
+      <p:sp>
+        <p:nvSpPr>
+          <p:cNvPr id="2" name="Title 1"/>
+          <p:cNvSpPr>
+            <a:spLocks noGrp="1"/>
+          </p:cNvSpPr>
+          <p:nvPr>
+            <p:ph type="title"/>
+          </p:nvPr>
+        </p:nvSpPr>
+        <p:spPr/>
+        <p:txBody>
+          <a:bodyPr/>
+          <a:lstStyle/>
+          <a:p>
+            <a:r>
+              <a:rPr lang="en-US" smtClean="0"/>
+              <a:t>Click to edit Master title style</a:t>
+            </a:r>
+            <a:endParaRPr lang="en-US"/>
+          </a:p>
+        </p:txBody>
+      </p:sp>
+      <p:sp>
+        <p:nvSpPr>
+          <p:cNvPr id="3" name="Content Placeholder 2"/>
+          <p:cNvSpPr>
+            <a:spLocks noGrp="1"/>
+          </p:cNvSpPr>
+          <p:nvPr>
+            <p:ph idx="1"/>
+          </p:nvPr>
+        </p:nvSpPr>
+        <p:spPr/>
+        <p:txBody>
+          <a:bodyPr/>
+          <a:lstStyle/>
+          <a:p>
+            <a:pPr lvl="0"/>
+            <a:r>
+              <a:rPr lang="en-US" smtClean="0"/>
+              <a:t>Click to edit Master text styles</a:t>
+            </a:r>
+          </a:p>
+          <a:p>
+            <a:pPr lvl="1"/>
+            <a:r>
+              <a:rPr lang="en-US" smtClean="0"/>
+              <a:t>Second level</a:t>
+            </a:r>
+          </a:p>
+          <a:p>
+            <a:pPr lvl="2"/>
+            <a:r>
+              <a:rPr lang="en-US" smtClean="0"/>
+              <a:t>Third level</a:t>
+            </a:r>
+          </a:p>
+          <a:p>
+            <a:pPr lvl="3"/>
+            <a:r>
+              <a:rPr lang="en-US" smtClean="0"/>
+              <a:t>Fourth level</a:t>
+            </a:r>
+          </a:p>
+          <a:p>
+            <a:pPr lvl="4"/>
+            <a:r>
+              <a:rPr lang="en-US" smtClean="0"/>
+              <a:t>Fifth level</a:t>
+            </a:r>
+            <a:endParaRPr lang="en-US"/>
+          </a:p>
+        </p:txBody>
+      </p:sp>
+      <p:sp>
+        <p:nvSpPr>
+          <p:cNvPr id="4" name="Rectangle 11"/>
+          <p:cNvSpPr>
+            <a:spLocks noGrp="1" noChangeArrowheads="1"/>
+          </p:cNvSpPr>
+          <p:nvPr>
+            <p:ph type="sldNum" sz="quarter" idx="10"/>
+          </p:nvPr>
+        </p:nvSpPr>
+        <p:spPr>
+          <a:xfrm>
+            <a:off x="7435108" y="6553200"/>
+            <a:ext cx="1708896" cy="276999"/>
+          </a:xfrm>
+          <a:ln/>
+        </p:spPr>
+        <p:txBody>
+          <a:bodyPr/>
+          <a:lstStyle>
+            <a:lvl1pPr>
+              <a:defRPr/>
+            </a:lvl1pPr>
+          </a:lstStyle>
+          <a:p>
+            <a:pPr>
+              <a:defRPr/>
+            </a:pPr>
+            <a:r>
+              <a:rPr lang="en-US" dirty="0" smtClean="0">
+                <a:solidFill>
+                  <a:srgbClr val="000000"/>
+                </a:solidFill>
+              </a:rPr>
+              <a:t>propositional ops.</a:t>
+            </a:r>
+            <a:r>
+              <a:rPr lang="en-US" dirty="0" smtClean="0">
+                <a:solidFill>
+                  <a:srgbClr val="000000"/>
+                </a:solidFill>
+              </a:rPr>
+              <a:t>.</a:t>
+            </a:r>
+            <a:fld id="{A528ADE2-B74F-4D9D-8D04-FB5D781EAB51}" type="slidenum">
+              <a:rPr lang="en-US" smtClean="0">
+                <a:solidFill>
+                  <a:srgbClr val="000000"/>
+                </a:solidFill>
+              </a:rPr>
+              <a:pPr>
+                <a:defRPr/>
+              </a:pPr>
+              <a:t>‹#›</a:t>
+            </a:fld>
+            <a:endParaRPr lang="en-US" dirty="0">
+              <a:solidFill>
+                <a:srgbClr val="000000"/>
+              </a:solidFill>
+            </a:endParaRPr>
+          </a:p>
+        </p:txBody>
+      </p:sp>
+    </p:spTree>
+    <p:extLst>
+      <p:ext uri="{BB962C8B-B14F-4D97-AF65-F5344CB8AC3E}">
+        <p14:creationId xmlns:p14="http://schemas.microsoft.com/office/powerpoint/2010/main" val="4134191218"/>
+      </p:ext>
+    </p:extLst>
+  </p:cSld>
+  <p:clrMapOvr>
+    <a:masterClrMapping/>
+  </p:clrMapOvr>
+  <p:transition xmlns:p14="http://schemas.microsoft.com/office/powerpoint/2010/main" spd="slow" advClick="0">
+    <p:fade/>
+  </p:transition>
+  <p:timing>
+    <p:tnLst>
+      <p:par>
+        <p:cTn xmlns:p14="http://schemas.microsoft.com/office/powerpoint/2010/main" id="1" dur="indefinite" restart="never" nodeType="tmRoot"/>
+      </p:par>
+    </p:tnLst>
+  </p:timing>
+</p:sldLayout>
+</file>
+
+<file path=ppt/slideLayouts/slideLayout22.xml><?xml version="1.0" encoding="utf-8"?>
 <p:sldLayout xmlns:a="http://schemas.openxmlformats.org/drawingml/2006/main" xmlns:r="http://schemas.openxmlformats.org/officeDocument/2006/relationships" xmlns:p="http://schemas.openxmlformats.org/presentationml/2006/main" type="secHead" preserve="1">
   <p:cSld name="Section Header">
     <p:spTree>
@@ -3833,8 +4580,8 @@
         </p:nvSpPr>
         <p:spPr>
           <a:xfrm>
-            <a:off x="7216223" y="6553200"/>
-            <a:ext cx="1927781" cy="276999"/>
+            <a:off x="7435108" y="6553200"/>
+            <a:ext cx="1708896" cy="276999"/>
           </a:xfrm>
           <a:ln/>
         </p:spPr>
@@ -3850,8 +4597,1219 @@
               <a:defRPr/>
             </a:pPr>
             <a:r>
+              <a:rPr lang="en-US" dirty="0" smtClean="0">
+                <a:solidFill>
+                  <a:srgbClr val="000000"/>
+                </a:solidFill>
+              </a:rPr>
+              <a:t>propositional ops.</a:t>
+            </a:r>
+            <a:r>
+              <a:rPr lang="en-US" dirty="0" smtClean="0">
+                <a:solidFill>
+                  <a:srgbClr val="000000"/>
+                </a:solidFill>
+              </a:rPr>
+              <a:t>.</a:t>
+            </a:r>
+            <a:fld id="{B3A503E6-B8FE-4B0A-9976-9CA65DFEA87E}" type="slidenum">
+              <a:rPr lang="en-US" smtClean="0">
+                <a:solidFill>
+                  <a:srgbClr val="000000"/>
+                </a:solidFill>
+              </a:rPr>
+              <a:pPr>
+                <a:defRPr/>
+              </a:pPr>
+              <a:t>‹#›</a:t>
+            </a:fld>
+            <a:endParaRPr lang="en-US" dirty="0">
+              <a:solidFill>
+                <a:srgbClr val="000000"/>
+              </a:solidFill>
+            </a:endParaRPr>
+          </a:p>
+        </p:txBody>
+      </p:sp>
+    </p:spTree>
+    <p:extLst>
+      <p:ext uri="{BB962C8B-B14F-4D97-AF65-F5344CB8AC3E}">
+        <p14:creationId xmlns:p14="http://schemas.microsoft.com/office/powerpoint/2010/main" val="249596551"/>
+      </p:ext>
+    </p:extLst>
+  </p:cSld>
+  <p:clrMapOvr>
+    <a:masterClrMapping/>
+  </p:clrMapOvr>
+  <p:transition xmlns:p14="http://schemas.microsoft.com/office/powerpoint/2010/main" spd="slow" advClick="0">
+    <p:fade/>
+  </p:transition>
+  <p:timing>
+    <p:tnLst>
+      <p:par>
+        <p:cTn xmlns:p14="http://schemas.microsoft.com/office/powerpoint/2010/main" id="1" dur="indefinite" restart="never" nodeType="tmRoot"/>
+      </p:par>
+    </p:tnLst>
+  </p:timing>
+</p:sldLayout>
+</file>
+
+<file path=ppt/slideLayouts/slideLayout23.xml><?xml version="1.0" encoding="utf-8"?>
+<p:sldLayout xmlns:a="http://schemas.openxmlformats.org/drawingml/2006/main" xmlns:r="http://schemas.openxmlformats.org/officeDocument/2006/relationships" xmlns:p="http://schemas.openxmlformats.org/presentationml/2006/main" type="titleOnly" preserve="1">
+  <p:cSld name="Title Only">
+    <p:spTree>
+      <p:nvGrpSpPr>
+        <p:cNvPr id="1" name=""/>
+        <p:cNvGrpSpPr/>
+        <p:nvPr/>
+      </p:nvGrpSpPr>
+      <p:grpSpPr>
+        <a:xfrm>
+          <a:off x="0" y="0"/>
+          <a:ext cx="0" cy="0"/>
+          <a:chOff x="0" y="0"/>
+          <a:chExt cx="0" cy="0"/>
+        </a:xfrm>
+      </p:grpSpPr>
+      <p:sp>
+        <p:nvSpPr>
+          <p:cNvPr id="2" name="Title 1"/>
+          <p:cNvSpPr>
+            <a:spLocks noGrp="1"/>
+          </p:cNvSpPr>
+          <p:nvPr>
+            <p:ph type="title"/>
+          </p:nvPr>
+        </p:nvSpPr>
+        <p:spPr/>
+        <p:txBody>
+          <a:bodyPr/>
+          <a:lstStyle>
+            <a:lvl1pPr>
+              <a:defRPr sz="3600"/>
+            </a:lvl1pPr>
+          </a:lstStyle>
+          <a:p>
+            <a:r>
               <a:rPr lang="en-US" dirty="0" smtClean="0"/>
-              <a:t>propositional logic I..</a:t>
+              <a:t>Click to edit Master title style</a:t>
+            </a:r>
+            <a:endParaRPr lang="en-US" dirty="0"/>
+          </a:p>
+        </p:txBody>
+      </p:sp>
+      <p:sp>
+        <p:nvSpPr>
+          <p:cNvPr id="3" name="Rectangle 11"/>
+          <p:cNvSpPr>
+            <a:spLocks noGrp="1" noChangeArrowheads="1"/>
+          </p:cNvSpPr>
+          <p:nvPr>
+            <p:ph type="sldNum" sz="quarter" idx="10"/>
+          </p:nvPr>
+        </p:nvSpPr>
+        <p:spPr>
+          <a:xfrm>
+            <a:off x="7473429" y="6553200"/>
+            <a:ext cx="1670575" cy="276999"/>
+          </a:xfrm>
+          <a:ln/>
+        </p:spPr>
+        <p:txBody>
+          <a:bodyPr/>
+          <a:lstStyle>
+            <a:lvl1pPr>
+              <a:defRPr/>
+            </a:lvl1pPr>
+          </a:lstStyle>
+          <a:p>
+            <a:pPr>
+              <a:defRPr/>
+            </a:pPr>
+            <a:r>
+              <a:rPr lang="en-US" dirty="0" smtClean="0">
+                <a:solidFill>
+                  <a:srgbClr val="000000"/>
+                </a:solidFill>
+              </a:rPr>
+              <a:t>propositional ops.</a:t>
+            </a:r>
+            <a:fld id="{DB6F0ED6-FEF5-4C9C-B1CC-29B47EC66FAA}" type="slidenum">
+              <a:rPr lang="en-US" smtClean="0">
+                <a:solidFill>
+                  <a:srgbClr val="000000"/>
+                </a:solidFill>
+              </a:rPr>
+              <a:pPr>
+                <a:defRPr/>
+              </a:pPr>
+              <a:t>‹#›</a:t>
+            </a:fld>
+            <a:endParaRPr lang="en-US" dirty="0">
+              <a:solidFill>
+                <a:srgbClr val="000000"/>
+              </a:solidFill>
+            </a:endParaRPr>
+          </a:p>
+        </p:txBody>
+      </p:sp>
+    </p:spTree>
+    <p:extLst>
+      <p:ext uri="{BB962C8B-B14F-4D97-AF65-F5344CB8AC3E}">
+        <p14:creationId xmlns:p14="http://schemas.microsoft.com/office/powerpoint/2010/main" val="3616028008"/>
+      </p:ext>
+    </p:extLst>
+  </p:cSld>
+  <p:clrMapOvr>
+    <a:masterClrMapping/>
+  </p:clrMapOvr>
+  <p:transition xmlns:p14="http://schemas.microsoft.com/office/powerpoint/2010/main" spd="slow" advClick="0">
+    <p:fade/>
+  </p:transition>
+</p:sldLayout>
+</file>
+
+<file path=ppt/slideLayouts/slideLayout24.xml><?xml version="1.0" encoding="utf-8"?>
+<p:sldLayout xmlns:a="http://schemas.openxmlformats.org/drawingml/2006/main" xmlns:r="http://schemas.openxmlformats.org/officeDocument/2006/relationships" xmlns:p="http://schemas.openxmlformats.org/presentationml/2006/main" type="blank" preserve="1">
+  <p:cSld name="Blank">
+    <p:spTree>
+      <p:nvGrpSpPr>
+        <p:cNvPr id="1" name=""/>
+        <p:cNvGrpSpPr/>
+        <p:nvPr/>
+      </p:nvGrpSpPr>
+      <p:grpSpPr>
+        <a:xfrm>
+          <a:off x="0" y="0"/>
+          <a:ext cx="0" cy="0"/>
+          <a:chOff x="0" y="0"/>
+          <a:chExt cx="0" cy="0"/>
+        </a:xfrm>
+      </p:grpSpPr>
+      <p:sp>
+        <p:nvSpPr>
+          <p:cNvPr id="2" name="Rectangle 11"/>
+          <p:cNvSpPr>
+            <a:spLocks noGrp="1" noChangeArrowheads="1"/>
+          </p:cNvSpPr>
+          <p:nvPr>
+            <p:ph type="sldNum" sz="quarter" idx="10"/>
+          </p:nvPr>
+        </p:nvSpPr>
+        <p:spPr>
+          <a:xfrm>
+            <a:off x="7435108" y="6553200"/>
+            <a:ext cx="1708896" cy="276999"/>
+          </a:xfrm>
+          <a:ln/>
+        </p:spPr>
+        <p:txBody>
+          <a:bodyPr/>
+          <a:lstStyle>
+            <a:lvl1pPr>
+              <a:defRPr/>
+            </a:lvl1pPr>
+          </a:lstStyle>
+          <a:p>
+            <a:pPr>
+              <a:defRPr/>
+            </a:pPr>
+            <a:r>
+              <a:rPr lang="en-US" dirty="0" smtClean="0">
+                <a:solidFill>
+                  <a:srgbClr val="000000"/>
+                </a:solidFill>
+              </a:rPr>
+              <a:t>propositional ops.</a:t>
+            </a:r>
+            <a:r>
+              <a:rPr lang="en-US" dirty="0" smtClean="0">
+                <a:solidFill>
+                  <a:srgbClr val="000000"/>
+                </a:solidFill>
+              </a:rPr>
+              <a:t>.</a:t>
+            </a:r>
+            <a:fld id="{7D4651B8-09C8-4A4D-BE8E-31B6C97A420D}" type="slidenum">
+              <a:rPr lang="en-US" smtClean="0">
+                <a:solidFill>
+                  <a:srgbClr val="000000"/>
+                </a:solidFill>
+              </a:rPr>
+              <a:pPr>
+                <a:defRPr/>
+              </a:pPr>
+              <a:t>‹#›</a:t>
+            </a:fld>
+            <a:endParaRPr lang="en-US" dirty="0">
+              <a:solidFill>
+                <a:srgbClr val="000000"/>
+              </a:solidFill>
+            </a:endParaRPr>
+          </a:p>
+        </p:txBody>
+      </p:sp>
+    </p:spTree>
+    <p:extLst>
+      <p:ext uri="{BB962C8B-B14F-4D97-AF65-F5344CB8AC3E}">
+        <p14:creationId xmlns:p14="http://schemas.microsoft.com/office/powerpoint/2010/main" val="1669781287"/>
+      </p:ext>
+    </p:extLst>
+  </p:cSld>
+  <p:clrMapOvr>
+    <a:masterClrMapping/>
+  </p:clrMapOvr>
+  <p:transition xmlns:p14="http://schemas.microsoft.com/office/powerpoint/2010/main" spd="slow" advClick="0">
+    <p:fade/>
+  </p:transition>
+  <p:timing>
+    <p:tnLst>
+      <p:par>
+        <p:cTn xmlns:p14="http://schemas.microsoft.com/office/powerpoint/2010/main" id="1" dur="indefinite" restart="never" nodeType="tmRoot"/>
+      </p:par>
+    </p:tnLst>
+  </p:timing>
+</p:sldLayout>
+</file>
+
+<file path=ppt/slideLayouts/slideLayout25.xml><?xml version="1.0" encoding="utf-8"?>
+<p:sldLayout xmlns:a="http://schemas.openxmlformats.org/drawingml/2006/main" xmlns:r="http://schemas.openxmlformats.org/officeDocument/2006/relationships" xmlns:p="http://schemas.openxmlformats.org/presentationml/2006/main" type="picTx" preserve="1">
+  <p:cSld name="Picture with Caption">
+    <p:spTree>
+      <p:nvGrpSpPr>
+        <p:cNvPr id="1" name=""/>
+        <p:cNvGrpSpPr/>
+        <p:nvPr/>
+      </p:nvGrpSpPr>
+      <p:grpSpPr>
+        <a:xfrm>
+          <a:off x="0" y="0"/>
+          <a:ext cx="0" cy="0"/>
+          <a:chOff x="0" y="0"/>
+          <a:chExt cx="0" cy="0"/>
+        </a:xfrm>
+      </p:grpSpPr>
+      <p:sp>
+        <p:nvSpPr>
+          <p:cNvPr id="2" name="Title 1"/>
+          <p:cNvSpPr>
+            <a:spLocks noGrp="1"/>
+          </p:cNvSpPr>
+          <p:nvPr>
+            <p:ph type="title"/>
+          </p:nvPr>
+        </p:nvSpPr>
+        <p:spPr>
+          <a:xfrm>
+            <a:off x="1792288" y="4800600"/>
+            <a:ext cx="5486400" cy="566738"/>
+          </a:xfrm>
+        </p:spPr>
+        <p:txBody>
+          <a:bodyPr anchor="b"/>
+          <a:lstStyle>
+            <a:lvl1pPr algn="l">
+              <a:defRPr sz="2000" b="1"/>
+            </a:lvl1pPr>
+          </a:lstStyle>
+          <a:p>
+            <a:r>
+              <a:rPr lang="en-US" smtClean="0"/>
+              <a:t>Click to edit Master title style</a:t>
+            </a:r>
+            <a:endParaRPr lang="en-US"/>
+          </a:p>
+        </p:txBody>
+      </p:sp>
+      <p:sp>
+        <p:nvSpPr>
+          <p:cNvPr id="3" name="Picture Placeholder 2"/>
+          <p:cNvSpPr>
+            <a:spLocks noGrp="1"/>
+          </p:cNvSpPr>
+          <p:nvPr>
+            <p:ph type="pic" idx="1"/>
+          </p:nvPr>
+        </p:nvSpPr>
+        <p:spPr>
+          <a:xfrm>
+            <a:off x="1792288" y="612775"/>
+            <a:ext cx="5486400" cy="4114800"/>
+          </a:xfrm>
+        </p:spPr>
+        <p:txBody>
+          <a:bodyPr/>
+          <a:lstStyle>
+            <a:lvl1pPr marL="0" indent="0">
+              <a:buNone/>
+              <a:defRPr sz="3200"/>
+            </a:lvl1pPr>
+            <a:lvl2pPr marL="457200" indent="0">
+              <a:buNone/>
+              <a:defRPr sz="2800"/>
+            </a:lvl2pPr>
+            <a:lvl3pPr marL="914400" indent="0">
+              <a:buNone/>
+              <a:defRPr sz="2400"/>
+            </a:lvl3pPr>
+            <a:lvl4pPr marL="1371600" indent="0">
+              <a:buNone/>
+              <a:defRPr sz="2000"/>
+            </a:lvl4pPr>
+            <a:lvl5pPr marL="1828800" indent="0">
+              <a:buNone/>
+              <a:defRPr sz="2000"/>
+            </a:lvl5pPr>
+            <a:lvl6pPr marL="2286000" indent="0">
+              <a:buNone/>
+              <a:defRPr sz="2000"/>
+            </a:lvl6pPr>
+            <a:lvl7pPr marL="2743200" indent="0">
+              <a:buNone/>
+              <a:defRPr sz="2000"/>
+            </a:lvl7pPr>
+            <a:lvl8pPr marL="3200400" indent="0">
+              <a:buNone/>
+              <a:defRPr sz="2000"/>
+            </a:lvl8pPr>
+            <a:lvl9pPr marL="3657600" indent="0">
+              <a:buNone/>
+              <a:defRPr sz="2000"/>
+            </a:lvl9pPr>
+          </a:lstStyle>
+          <a:p>
+            <a:pPr lvl="0"/>
+            <a:endParaRPr lang="en-US" noProof="0" smtClean="0"/>
+          </a:p>
+        </p:txBody>
+      </p:sp>
+      <p:sp>
+        <p:nvSpPr>
+          <p:cNvPr id="4" name="Text Placeholder 3"/>
+          <p:cNvSpPr>
+            <a:spLocks noGrp="1"/>
+          </p:cNvSpPr>
+          <p:nvPr>
+            <p:ph type="body" sz="half" idx="2"/>
+          </p:nvPr>
+        </p:nvSpPr>
+        <p:spPr>
+          <a:xfrm>
+            <a:off x="1792288" y="5367338"/>
+            <a:ext cx="5486400" cy="804862"/>
+          </a:xfrm>
+        </p:spPr>
+        <p:txBody>
+          <a:bodyPr/>
+          <a:lstStyle>
+            <a:lvl1pPr marL="0" indent="0">
+              <a:buNone/>
+              <a:defRPr sz="1400"/>
+            </a:lvl1pPr>
+            <a:lvl2pPr marL="457200" indent="0">
+              <a:buNone/>
+              <a:defRPr sz="1200"/>
+            </a:lvl2pPr>
+            <a:lvl3pPr marL="914400" indent="0">
+              <a:buNone/>
+              <a:defRPr sz="1000"/>
+            </a:lvl3pPr>
+            <a:lvl4pPr marL="1371600" indent="0">
+              <a:buNone/>
+              <a:defRPr sz="900"/>
+            </a:lvl4pPr>
+            <a:lvl5pPr marL="1828800" indent="0">
+              <a:buNone/>
+              <a:defRPr sz="900"/>
+            </a:lvl5pPr>
+            <a:lvl6pPr marL="2286000" indent="0">
+              <a:buNone/>
+              <a:defRPr sz="900"/>
+            </a:lvl6pPr>
+            <a:lvl7pPr marL="2743200" indent="0">
+              <a:buNone/>
+              <a:defRPr sz="900"/>
+            </a:lvl7pPr>
+            <a:lvl8pPr marL="3200400" indent="0">
+              <a:buNone/>
+              <a:defRPr sz="900"/>
+            </a:lvl8pPr>
+            <a:lvl9pPr marL="3657600" indent="0">
+              <a:buNone/>
+              <a:defRPr sz="900"/>
+            </a:lvl9pPr>
+          </a:lstStyle>
+          <a:p>
+            <a:pPr lvl="0"/>
+            <a:r>
+              <a:rPr lang="en-US" smtClean="0"/>
+              <a:t>Click to edit Master text styles</a:t>
+            </a:r>
+          </a:p>
+        </p:txBody>
+      </p:sp>
+      <p:sp>
+        <p:nvSpPr>
+          <p:cNvPr id="5" name="Rectangle 11"/>
+          <p:cNvSpPr>
+            <a:spLocks noGrp="1" noChangeArrowheads="1"/>
+          </p:cNvSpPr>
+          <p:nvPr>
+            <p:ph type="sldNum" sz="quarter" idx="10"/>
+          </p:nvPr>
+        </p:nvSpPr>
+        <p:spPr>
+          <a:xfrm>
+            <a:off x="7435108" y="6553200"/>
+            <a:ext cx="1708896" cy="276999"/>
+          </a:xfrm>
+          <a:ln/>
+        </p:spPr>
+        <p:txBody>
+          <a:bodyPr/>
+          <a:lstStyle>
+            <a:lvl1pPr>
+              <a:defRPr/>
+            </a:lvl1pPr>
+          </a:lstStyle>
+          <a:p>
+            <a:pPr>
+              <a:defRPr/>
+            </a:pPr>
+            <a:r>
+              <a:rPr lang="en-US" dirty="0" smtClean="0">
+                <a:solidFill>
+                  <a:srgbClr val="000000"/>
+                </a:solidFill>
+              </a:rPr>
+              <a:t>propositional ops.</a:t>
+            </a:r>
+            <a:r>
+              <a:rPr lang="en-US" dirty="0" smtClean="0">
+                <a:solidFill>
+                  <a:srgbClr val="000000"/>
+                </a:solidFill>
+              </a:rPr>
+              <a:t>.</a:t>
+            </a:r>
+            <a:fld id="{85BC747C-4E6E-462A-A001-3C1CA56269DD}" type="slidenum">
+              <a:rPr lang="en-US" smtClean="0">
+                <a:solidFill>
+                  <a:srgbClr val="000000"/>
+                </a:solidFill>
+              </a:rPr>
+              <a:pPr>
+                <a:defRPr/>
+              </a:pPr>
+              <a:t>‹#›</a:t>
+            </a:fld>
+            <a:endParaRPr lang="en-US" dirty="0">
+              <a:solidFill>
+                <a:srgbClr val="000000"/>
+              </a:solidFill>
+            </a:endParaRPr>
+          </a:p>
+        </p:txBody>
+      </p:sp>
+    </p:spTree>
+    <p:extLst>
+      <p:ext uri="{BB962C8B-B14F-4D97-AF65-F5344CB8AC3E}">
+        <p14:creationId xmlns:p14="http://schemas.microsoft.com/office/powerpoint/2010/main" val="3789924664"/>
+      </p:ext>
+    </p:extLst>
+  </p:cSld>
+  <p:clrMapOvr>
+    <a:masterClrMapping/>
+  </p:clrMapOvr>
+  <p:transition xmlns:p14="http://schemas.microsoft.com/office/powerpoint/2010/main" spd="slow" advClick="0">
+    <p:fade/>
+  </p:transition>
+</p:sldLayout>
+</file>
+
+<file path=ppt/slideLayouts/slideLayout26.xml><?xml version="1.0" encoding="utf-8"?>
+<p:sldLayout xmlns:a="http://schemas.openxmlformats.org/drawingml/2006/main" xmlns:r="http://schemas.openxmlformats.org/officeDocument/2006/relationships" xmlns:p="http://schemas.openxmlformats.org/presentationml/2006/main" type="txAndObj" preserve="1">
+  <p:cSld name="Title, Text, and Content">
+    <p:spTree>
+      <p:nvGrpSpPr>
+        <p:cNvPr id="1" name=""/>
+        <p:cNvGrpSpPr/>
+        <p:nvPr/>
+      </p:nvGrpSpPr>
+      <p:grpSpPr>
+        <a:xfrm>
+          <a:off x="0" y="0"/>
+          <a:ext cx="0" cy="0"/>
+          <a:chOff x="0" y="0"/>
+          <a:chExt cx="0" cy="0"/>
+        </a:xfrm>
+      </p:grpSpPr>
+      <p:sp>
+        <p:nvSpPr>
+          <p:cNvPr id="2" name="Title 1"/>
+          <p:cNvSpPr>
+            <a:spLocks noGrp="1"/>
+          </p:cNvSpPr>
+          <p:nvPr>
+            <p:ph type="title"/>
+          </p:nvPr>
+        </p:nvSpPr>
+        <p:spPr>
+          <a:xfrm>
+            <a:off x="1447800" y="304800"/>
+            <a:ext cx="7543800" cy="1143000"/>
+          </a:xfrm>
+        </p:spPr>
+        <p:txBody>
+          <a:bodyPr/>
+          <a:lstStyle/>
+          <a:p>
+            <a:r>
+              <a:rPr lang="en-US" smtClean="0"/>
+              <a:t>Click to edit Master title style</a:t>
+            </a:r>
+            <a:endParaRPr lang="en-US"/>
+          </a:p>
+        </p:txBody>
+      </p:sp>
+      <p:sp>
+        <p:nvSpPr>
+          <p:cNvPr id="3" name="Text Placeholder 2"/>
+          <p:cNvSpPr>
+            <a:spLocks noGrp="1"/>
+          </p:cNvSpPr>
+          <p:nvPr>
+            <p:ph type="body" sz="half" idx="1"/>
+          </p:nvPr>
+        </p:nvSpPr>
+        <p:spPr>
+          <a:xfrm>
+            <a:off x="685800" y="2057400"/>
+            <a:ext cx="3810000" cy="4114800"/>
+          </a:xfrm>
+        </p:spPr>
+        <p:txBody>
+          <a:bodyPr/>
+          <a:lstStyle/>
+          <a:p>
+            <a:pPr lvl="0"/>
+            <a:r>
+              <a:rPr lang="en-US" smtClean="0"/>
+              <a:t>Click to edit Master text styles</a:t>
+            </a:r>
+          </a:p>
+          <a:p>
+            <a:pPr lvl="1"/>
+            <a:r>
+              <a:rPr lang="en-US" smtClean="0"/>
+              <a:t>Second level</a:t>
+            </a:r>
+          </a:p>
+          <a:p>
+            <a:pPr lvl="2"/>
+            <a:r>
+              <a:rPr lang="en-US" smtClean="0"/>
+              <a:t>Third level</a:t>
+            </a:r>
+          </a:p>
+          <a:p>
+            <a:pPr lvl="3"/>
+            <a:r>
+              <a:rPr lang="en-US" smtClean="0"/>
+              <a:t>Fourth level</a:t>
+            </a:r>
+          </a:p>
+          <a:p>
+            <a:pPr lvl="4"/>
+            <a:r>
+              <a:rPr lang="en-US" smtClean="0"/>
+              <a:t>Fifth level</a:t>
+            </a:r>
+            <a:endParaRPr lang="en-US"/>
+          </a:p>
+        </p:txBody>
+      </p:sp>
+      <p:sp>
+        <p:nvSpPr>
+          <p:cNvPr id="4" name="Content Placeholder 3"/>
+          <p:cNvSpPr>
+            <a:spLocks noGrp="1"/>
+          </p:cNvSpPr>
+          <p:nvPr>
+            <p:ph sz="half" idx="2"/>
+          </p:nvPr>
+        </p:nvSpPr>
+        <p:spPr>
+          <a:xfrm>
+            <a:off x="4648200" y="2057400"/>
+            <a:ext cx="3810000" cy="4114800"/>
+          </a:xfrm>
+        </p:spPr>
+        <p:txBody>
+          <a:bodyPr/>
+          <a:lstStyle/>
+          <a:p>
+            <a:pPr lvl="0"/>
+            <a:r>
+              <a:rPr lang="en-US" smtClean="0"/>
+              <a:t>Click to edit Master text styles</a:t>
+            </a:r>
+          </a:p>
+          <a:p>
+            <a:pPr lvl="1"/>
+            <a:r>
+              <a:rPr lang="en-US" smtClean="0"/>
+              <a:t>Second level</a:t>
+            </a:r>
+          </a:p>
+          <a:p>
+            <a:pPr lvl="2"/>
+            <a:r>
+              <a:rPr lang="en-US" smtClean="0"/>
+              <a:t>Third level</a:t>
+            </a:r>
+          </a:p>
+          <a:p>
+            <a:pPr lvl="3"/>
+            <a:r>
+              <a:rPr lang="en-US" smtClean="0"/>
+              <a:t>Fourth level</a:t>
+            </a:r>
+          </a:p>
+          <a:p>
+            <a:pPr lvl="4"/>
+            <a:r>
+              <a:rPr lang="en-US" smtClean="0"/>
+              <a:t>Fifth level</a:t>
+            </a:r>
+            <a:endParaRPr lang="en-US"/>
+          </a:p>
+        </p:txBody>
+      </p:sp>
+      <p:sp>
+        <p:nvSpPr>
+          <p:cNvPr id="5" name="Rectangle 11"/>
+          <p:cNvSpPr>
+            <a:spLocks noGrp="1" noChangeArrowheads="1"/>
+          </p:cNvSpPr>
+          <p:nvPr>
+            <p:ph type="sldNum" sz="quarter" idx="10"/>
+          </p:nvPr>
+        </p:nvSpPr>
+        <p:spPr>
+          <a:xfrm>
+            <a:off x="7435108" y="6553200"/>
+            <a:ext cx="1708896" cy="276999"/>
+          </a:xfrm>
+          <a:ln/>
+        </p:spPr>
+        <p:txBody>
+          <a:bodyPr/>
+          <a:lstStyle>
+            <a:lvl1pPr>
+              <a:defRPr/>
+            </a:lvl1pPr>
+          </a:lstStyle>
+          <a:p>
+            <a:pPr>
+              <a:defRPr/>
+            </a:pPr>
+            <a:r>
+              <a:rPr lang="en-US" dirty="0" smtClean="0">
+                <a:solidFill>
+                  <a:srgbClr val="000000"/>
+                </a:solidFill>
+              </a:rPr>
+              <a:t>propositional ops.</a:t>
+            </a:r>
+            <a:r>
+              <a:rPr lang="en-US" dirty="0" smtClean="0">
+                <a:solidFill>
+                  <a:srgbClr val="000000"/>
+                </a:solidFill>
+              </a:rPr>
+              <a:t>.</a:t>
+            </a:r>
+            <a:fld id="{B7856ECB-7BA5-4EA4-A170-7A96316AE30B}" type="slidenum">
+              <a:rPr lang="en-US" smtClean="0">
+                <a:solidFill>
+                  <a:srgbClr val="000000"/>
+                </a:solidFill>
+              </a:rPr>
+              <a:pPr>
+                <a:defRPr/>
+              </a:pPr>
+              <a:t>‹#›</a:t>
+            </a:fld>
+            <a:endParaRPr lang="en-US" dirty="0">
+              <a:solidFill>
+                <a:srgbClr val="000000"/>
+              </a:solidFill>
+            </a:endParaRPr>
+          </a:p>
+        </p:txBody>
+      </p:sp>
+    </p:spTree>
+    <p:extLst>
+      <p:ext uri="{BB962C8B-B14F-4D97-AF65-F5344CB8AC3E}">
+        <p14:creationId xmlns:p14="http://schemas.microsoft.com/office/powerpoint/2010/main" val="709612777"/>
+      </p:ext>
+    </p:extLst>
+  </p:cSld>
+  <p:clrMapOvr>
+    <a:masterClrMapping/>
+  </p:clrMapOvr>
+  <p:transition xmlns:p14="http://schemas.microsoft.com/office/powerpoint/2010/main" spd="slow" advClick="0">
+    <p:fade/>
+  </p:transition>
+</p:sldLayout>
+</file>
+
+<file path=ppt/slideLayouts/slideLayout27.xml><?xml version="1.0" encoding="utf-8"?>
+<p:sldLayout xmlns:a="http://schemas.openxmlformats.org/drawingml/2006/main" xmlns:r="http://schemas.openxmlformats.org/officeDocument/2006/relationships" xmlns:p="http://schemas.openxmlformats.org/presentationml/2006/main" type="txAndTwoObj" preserve="1">
+  <p:cSld name="Title, Text, and 2 Content">
+    <p:spTree>
+      <p:nvGrpSpPr>
+        <p:cNvPr id="1" name=""/>
+        <p:cNvGrpSpPr/>
+        <p:nvPr/>
+      </p:nvGrpSpPr>
+      <p:grpSpPr>
+        <a:xfrm>
+          <a:off x="0" y="0"/>
+          <a:ext cx="0" cy="0"/>
+          <a:chOff x="0" y="0"/>
+          <a:chExt cx="0" cy="0"/>
+        </a:xfrm>
+      </p:grpSpPr>
+      <p:sp>
+        <p:nvSpPr>
+          <p:cNvPr id="2" name="Title 1"/>
+          <p:cNvSpPr>
+            <a:spLocks noGrp="1"/>
+          </p:cNvSpPr>
+          <p:nvPr>
+            <p:ph type="title"/>
+          </p:nvPr>
+        </p:nvSpPr>
+        <p:spPr>
+          <a:xfrm>
+            <a:off x="1447800" y="304800"/>
+            <a:ext cx="7543800" cy="1143000"/>
+          </a:xfrm>
+        </p:spPr>
+        <p:txBody>
+          <a:bodyPr/>
+          <a:lstStyle/>
+          <a:p>
+            <a:r>
+              <a:rPr lang="en-US" smtClean="0"/>
+              <a:t>Click to edit Master title style</a:t>
+            </a:r>
+            <a:endParaRPr lang="en-US"/>
+          </a:p>
+        </p:txBody>
+      </p:sp>
+      <p:sp>
+        <p:nvSpPr>
+          <p:cNvPr id="3" name="Text Placeholder 2"/>
+          <p:cNvSpPr>
+            <a:spLocks noGrp="1"/>
+          </p:cNvSpPr>
+          <p:nvPr>
+            <p:ph type="body" sz="half" idx="1"/>
+          </p:nvPr>
+        </p:nvSpPr>
+        <p:spPr>
+          <a:xfrm>
+            <a:off x="685800" y="2057400"/>
+            <a:ext cx="3810000" cy="4114800"/>
+          </a:xfrm>
+        </p:spPr>
+        <p:txBody>
+          <a:bodyPr/>
+          <a:lstStyle>
+            <a:lvl1pPr>
+              <a:defRPr sz="3200"/>
+            </a:lvl1pPr>
+            <a:lvl2pPr>
+              <a:defRPr sz="2800"/>
+            </a:lvl2pPr>
+            <a:lvl3pPr>
+              <a:defRPr sz="2800"/>
+            </a:lvl3pPr>
+            <a:lvl4pPr>
+              <a:defRPr sz="2400"/>
+            </a:lvl4pPr>
+            <a:lvl5pPr>
+              <a:defRPr sz="2400"/>
+            </a:lvl5pPr>
+          </a:lstStyle>
+          <a:p>
+            <a:pPr lvl="0"/>
+            <a:r>
+              <a:rPr lang="en-US" dirty="0" smtClean="0"/>
+              <a:t>Click to edit Master text styles</a:t>
+            </a:r>
+          </a:p>
+          <a:p>
+            <a:pPr lvl="1"/>
+            <a:r>
+              <a:rPr lang="en-US" dirty="0" smtClean="0"/>
+              <a:t>Second level</a:t>
+            </a:r>
+          </a:p>
+          <a:p>
+            <a:pPr lvl="2"/>
+            <a:r>
+              <a:rPr lang="en-US" dirty="0" smtClean="0"/>
+              <a:t>Third level</a:t>
+            </a:r>
+          </a:p>
+          <a:p>
+            <a:pPr lvl="3"/>
+            <a:r>
+              <a:rPr lang="en-US" dirty="0" smtClean="0"/>
+              <a:t>Fourth level</a:t>
+            </a:r>
+          </a:p>
+          <a:p>
+            <a:pPr lvl="4"/>
+            <a:r>
+              <a:rPr lang="en-US" dirty="0" smtClean="0"/>
+              <a:t>Fifth level</a:t>
+            </a:r>
+            <a:endParaRPr lang="en-US" dirty="0"/>
+          </a:p>
+        </p:txBody>
+      </p:sp>
+      <p:sp>
+        <p:nvSpPr>
+          <p:cNvPr id="4" name="Content Placeholder 3"/>
+          <p:cNvSpPr>
+            <a:spLocks noGrp="1"/>
+          </p:cNvSpPr>
+          <p:nvPr>
+            <p:ph sz="quarter" idx="2"/>
+          </p:nvPr>
+        </p:nvSpPr>
+        <p:spPr>
+          <a:xfrm>
+            <a:off x="4648200" y="2057400"/>
+            <a:ext cx="3810000" cy="1981200"/>
+          </a:xfrm>
+        </p:spPr>
+        <p:txBody>
+          <a:bodyPr/>
+          <a:lstStyle>
+            <a:lvl1pPr>
+              <a:defRPr sz="2000"/>
+            </a:lvl1pPr>
+            <a:lvl2pPr>
+              <a:defRPr sz="1800"/>
+            </a:lvl2pPr>
+            <a:lvl3pPr>
+              <a:defRPr sz="1800"/>
+            </a:lvl3pPr>
+            <a:lvl4pPr>
+              <a:defRPr sz="1600"/>
+            </a:lvl4pPr>
+            <a:lvl5pPr>
+              <a:defRPr sz="1600"/>
+            </a:lvl5pPr>
+          </a:lstStyle>
+          <a:p>
+            <a:pPr lvl="0"/>
+            <a:r>
+              <a:rPr lang="en-US" dirty="0" smtClean="0"/>
+              <a:t>Click to edit Master text styles</a:t>
+            </a:r>
+          </a:p>
+          <a:p>
+            <a:pPr lvl="1"/>
+            <a:r>
+              <a:rPr lang="en-US" dirty="0" smtClean="0"/>
+              <a:t>Second level</a:t>
+            </a:r>
+          </a:p>
+          <a:p>
+            <a:pPr lvl="2"/>
+            <a:r>
+              <a:rPr lang="en-US" dirty="0" smtClean="0"/>
+              <a:t>Third level</a:t>
+            </a:r>
+          </a:p>
+          <a:p>
+            <a:pPr lvl="3"/>
+            <a:r>
+              <a:rPr lang="en-US" dirty="0" smtClean="0"/>
+              <a:t>Fourth level</a:t>
+            </a:r>
+          </a:p>
+          <a:p>
+            <a:pPr lvl="4"/>
+            <a:r>
+              <a:rPr lang="en-US" dirty="0" smtClean="0"/>
+              <a:t>Fifth level</a:t>
+            </a:r>
+            <a:endParaRPr lang="en-US" dirty="0"/>
+          </a:p>
+        </p:txBody>
+      </p:sp>
+      <p:sp>
+        <p:nvSpPr>
+          <p:cNvPr id="5" name="Content Placeholder 4"/>
+          <p:cNvSpPr>
+            <a:spLocks noGrp="1"/>
+          </p:cNvSpPr>
+          <p:nvPr>
+            <p:ph sz="quarter" idx="3"/>
+          </p:nvPr>
+        </p:nvSpPr>
+        <p:spPr>
+          <a:xfrm>
+            <a:off x="4648200" y="4191000"/>
+            <a:ext cx="3810000" cy="1981200"/>
+          </a:xfrm>
+        </p:spPr>
+        <p:txBody>
+          <a:bodyPr/>
+          <a:lstStyle>
+            <a:lvl1pPr>
+              <a:buNone/>
+              <a:defRPr/>
+            </a:lvl1pPr>
+            <a:lvl2pPr>
+              <a:buNone/>
+              <a:defRPr/>
+            </a:lvl2pPr>
+            <a:lvl5pPr>
+              <a:buNone/>
+              <a:defRPr/>
+            </a:lvl5pPr>
+          </a:lstStyle>
+          <a:p>
+            <a:pPr lvl="0"/>
+            <a:endParaRPr lang="en-US" dirty="0" smtClean="0"/>
+          </a:p>
+        </p:txBody>
+      </p:sp>
+      <p:sp>
+        <p:nvSpPr>
+          <p:cNvPr id="6" name="Rectangle 11"/>
+          <p:cNvSpPr>
+            <a:spLocks noGrp="1" noChangeArrowheads="1"/>
+          </p:cNvSpPr>
+          <p:nvPr>
+            <p:ph type="sldNum" sz="quarter" idx="10"/>
+          </p:nvPr>
+        </p:nvSpPr>
+        <p:spPr>
+          <a:ln/>
+        </p:spPr>
+        <p:txBody>
+          <a:bodyPr/>
+          <a:lstStyle>
+            <a:lvl1pPr>
+              <a:defRPr/>
+            </a:lvl1pPr>
+          </a:lstStyle>
+          <a:p>
+            <a:pPr>
+              <a:defRPr/>
+            </a:pPr>
+            <a:r>
+              <a:rPr lang="en-US" dirty="0" smtClean="0">
+                <a:solidFill>
+                  <a:srgbClr val="000000"/>
+                </a:solidFill>
+              </a:rPr>
+              <a:t>propositional ops.</a:t>
+            </a:r>
+            <a:fld id="{883BA68D-4400-4AD9-848C-65748A4D0824}" type="slidenum">
+              <a:rPr lang="en-US" smtClean="0">
+                <a:solidFill>
+                  <a:srgbClr val="000000"/>
+                </a:solidFill>
+              </a:rPr>
+              <a:pPr>
+                <a:defRPr/>
+              </a:pPr>
+              <a:t>‹#›</a:t>
+            </a:fld>
+            <a:endParaRPr lang="en-US" dirty="0">
+              <a:solidFill>
+                <a:srgbClr val="000000"/>
+              </a:solidFill>
+            </a:endParaRPr>
+          </a:p>
+        </p:txBody>
+      </p:sp>
+    </p:spTree>
+    <p:extLst>
+      <p:ext uri="{BB962C8B-B14F-4D97-AF65-F5344CB8AC3E}">
+        <p14:creationId xmlns:p14="http://schemas.microsoft.com/office/powerpoint/2010/main" val="2278181830"/>
+      </p:ext>
+    </p:extLst>
+  </p:cSld>
+  <p:clrMapOvr>
+    <a:masterClrMapping/>
+  </p:clrMapOvr>
+  <p:transition xmlns:p14="http://schemas.microsoft.com/office/powerpoint/2010/main" spd="slow" advClick="0">
+    <p:fade/>
+  </p:transition>
+</p:sldLayout>
+</file>
+
+<file path=ppt/slideLayouts/slideLayout3.xml><?xml version="1.0" encoding="utf-8"?>
+<p:sldLayout xmlns:a="http://schemas.openxmlformats.org/drawingml/2006/main" xmlns:r="http://schemas.openxmlformats.org/officeDocument/2006/relationships" xmlns:p="http://schemas.openxmlformats.org/presentationml/2006/main" type="secHead" preserve="1">
+  <p:cSld name="Section Header">
+    <p:spTree>
+      <p:nvGrpSpPr>
+        <p:cNvPr id="1" name=""/>
+        <p:cNvGrpSpPr/>
+        <p:nvPr/>
+      </p:nvGrpSpPr>
+      <p:grpSpPr>
+        <a:xfrm>
+          <a:off x="0" y="0"/>
+          <a:ext cx="0" cy="0"/>
+          <a:chOff x="0" y="0"/>
+          <a:chExt cx="0" cy="0"/>
+        </a:xfrm>
+      </p:grpSpPr>
+      <p:sp>
+        <p:nvSpPr>
+          <p:cNvPr id="2" name="Title 1"/>
+          <p:cNvSpPr>
+            <a:spLocks noGrp="1"/>
+          </p:cNvSpPr>
+          <p:nvPr>
+            <p:ph type="title"/>
+          </p:nvPr>
+        </p:nvSpPr>
+        <p:spPr>
+          <a:xfrm>
+            <a:off x="722313" y="4406900"/>
+            <a:ext cx="7772400" cy="1362075"/>
+          </a:xfrm>
+        </p:spPr>
+        <p:txBody>
+          <a:bodyPr anchor="t"/>
+          <a:lstStyle>
+            <a:lvl1pPr algn="l">
+              <a:defRPr sz="4000" b="1" cap="all"/>
+            </a:lvl1pPr>
+          </a:lstStyle>
+          <a:p>
+            <a:r>
+              <a:rPr lang="en-US" smtClean="0"/>
+              <a:t>Click to edit Master title style</a:t>
+            </a:r>
+            <a:endParaRPr lang="en-US"/>
+          </a:p>
+        </p:txBody>
+      </p:sp>
+      <p:sp>
+        <p:nvSpPr>
+          <p:cNvPr id="3" name="Text Placeholder 2"/>
+          <p:cNvSpPr>
+            <a:spLocks noGrp="1"/>
+          </p:cNvSpPr>
+          <p:nvPr>
+            <p:ph type="body" idx="1"/>
+          </p:nvPr>
+        </p:nvSpPr>
+        <p:spPr>
+          <a:xfrm>
+            <a:off x="722313" y="2906713"/>
+            <a:ext cx="7772400" cy="1500187"/>
+          </a:xfrm>
+        </p:spPr>
+        <p:txBody>
+          <a:bodyPr anchor="b"/>
+          <a:lstStyle>
+            <a:lvl1pPr marL="0" indent="0">
+              <a:buNone/>
+              <a:defRPr sz="2000"/>
+            </a:lvl1pPr>
+            <a:lvl2pPr marL="457200" indent="0">
+              <a:buNone/>
+              <a:defRPr sz="1800"/>
+            </a:lvl2pPr>
+            <a:lvl3pPr marL="914400" indent="0">
+              <a:buNone/>
+              <a:defRPr sz="1600"/>
+            </a:lvl3pPr>
+            <a:lvl4pPr marL="1371600" indent="0">
+              <a:buNone/>
+              <a:defRPr sz="1400"/>
+            </a:lvl4pPr>
+            <a:lvl5pPr marL="1828800" indent="0">
+              <a:buNone/>
+              <a:defRPr sz="1400"/>
+            </a:lvl5pPr>
+            <a:lvl6pPr marL="2286000" indent="0">
+              <a:buNone/>
+              <a:defRPr sz="1400"/>
+            </a:lvl6pPr>
+            <a:lvl7pPr marL="2743200" indent="0">
+              <a:buNone/>
+              <a:defRPr sz="1400"/>
+            </a:lvl7pPr>
+            <a:lvl8pPr marL="3200400" indent="0">
+              <a:buNone/>
+              <a:defRPr sz="1400"/>
+            </a:lvl8pPr>
+            <a:lvl9pPr marL="3657600" indent="0">
+              <a:buNone/>
+              <a:defRPr sz="1400"/>
+            </a:lvl9pPr>
+          </a:lstStyle>
+          <a:p>
+            <a:pPr lvl="0"/>
+            <a:r>
+              <a:rPr lang="en-US" smtClean="0"/>
+              <a:t>Click to edit Master text styles</a:t>
+            </a:r>
+          </a:p>
+        </p:txBody>
+      </p:sp>
+      <p:sp>
+        <p:nvSpPr>
+          <p:cNvPr id="4" name="Rectangle 11"/>
+          <p:cNvSpPr>
+            <a:spLocks noGrp="1" noChangeArrowheads="1"/>
+          </p:cNvSpPr>
+          <p:nvPr>
+            <p:ph type="sldNum" sz="quarter" idx="10"/>
+          </p:nvPr>
+        </p:nvSpPr>
+        <p:spPr>
+          <a:xfrm>
+            <a:off x="7435108" y="6553200"/>
+            <a:ext cx="1708896" cy="276999"/>
+          </a:xfrm>
+          <a:ln/>
+        </p:spPr>
+        <p:txBody>
+          <a:bodyPr/>
+          <a:lstStyle>
+            <a:lvl1pPr>
+              <a:defRPr/>
+            </a:lvl1pPr>
+          </a:lstStyle>
+          <a:p>
+            <a:pPr>
+              <a:defRPr/>
+            </a:pPr>
+            <a:r>
+              <a:rPr lang="en-US" dirty="0" smtClean="0"/>
+              <a:t>propositional ops.</a:t>
+            </a:r>
+            <a:r>
+              <a:rPr lang="en-US" dirty="0" smtClean="0"/>
+              <a:t>.</a:t>
             </a:r>
             <a:fld id="{B3A503E6-B8FE-4B0A-9976-9CA65DFEA87E}" type="slidenum">
               <a:rPr lang="en-US" smtClean="0"/>
@@ -3938,8 +5896,8 @@
         </p:nvSpPr>
         <p:spPr>
           <a:xfrm>
-            <a:off x="7216223" y="6553200"/>
-            <a:ext cx="1927781" cy="276999"/>
+            <a:off x="7435108" y="6553200"/>
+            <a:ext cx="1708896" cy="276999"/>
           </a:xfrm>
           <a:ln/>
         </p:spPr>
@@ -3956,7 +5914,11 @@
             </a:pPr>
             <a:r>
               <a:rPr lang="en-US" dirty="0" smtClean="0"/>
-              <a:t>propositional logic I..</a:t>
+              <a:t>propositional ops.</a:t>
+            </a:r>
+            <a:r>
+              <a:rPr lang="en-US" dirty="0" smtClean="0"/>
+              <a:t>.</a:t>
             </a:r>
             <a:fld id="{DB6F0ED6-FEF5-4C9C-B1CC-29B47EC66FAA}" type="slidenum">
               <a:rPr lang="en-US" smtClean="0"/>
@@ -4009,8 +5971,8 @@
         </p:nvSpPr>
         <p:spPr>
           <a:xfrm>
-            <a:off x="7216223" y="6553200"/>
-            <a:ext cx="1927781" cy="276999"/>
+            <a:off x="7435108" y="6553200"/>
+            <a:ext cx="1708896" cy="276999"/>
           </a:xfrm>
           <a:ln/>
         </p:spPr>
@@ -4027,7 +5989,11 @@
             </a:pPr>
             <a:r>
               <a:rPr lang="en-US" dirty="0" smtClean="0"/>
-              <a:t>propositional logic I..</a:t>
+              <a:t>propositional ops.</a:t>
+            </a:r>
+            <a:r>
+              <a:rPr lang="en-US" dirty="0" smtClean="0"/>
+              <a:t>.</a:t>
             </a:r>
             <a:fld id="{7D4651B8-09C8-4A4D-BE8E-31B6C97A420D}" type="slidenum">
               <a:rPr lang="en-US" smtClean="0"/>
@@ -4246,8 +6212,8 @@
         </p:nvSpPr>
         <p:spPr>
           <a:xfrm>
-            <a:off x="7216223" y="6553200"/>
-            <a:ext cx="1927781" cy="276999"/>
+            <a:off x="7435108" y="6553200"/>
+            <a:ext cx="1708896" cy="276999"/>
           </a:xfrm>
           <a:ln/>
         </p:spPr>
@@ -4264,7 +6230,11 @@
             </a:pPr>
             <a:r>
               <a:rPr lang="en-US" dirty="0" smtClean="0"/>
-              <a:t>propositional logic I..</a:t>
+              <a:t>propositional ops.</a:t>
+            </a:r>
+            <a:r>
+              <a:rPr lang="en-US" dirty="0" smtClean="0"/>
+              <a:t>.</a:t>
             </a:r>
             <a:fld id="{85BC747C-4E6E-462A-A001-3C1CA56269DD}" type="slidenum">
               <a:rPr lang="en-US" smtClean="0"/>
@@ -4459,8 +6429,8 @@
         </p:nvSpPr>
         <p:spPr>
           <a:xfrm>
-            <a:off x="7216223" y="6553200"/>
-            <a:ext cx="1927781" cy="276999"/>
+            <a:off x="7435108" y="6553200"/>
+            <a:ext cx="1708896" cy="276999"/>
           </a:xfrm>
           <a:ln/>
         </p:spPr>
@@ -4477,7 +6447,11 @@
             </a:pPr>
             <a:r>
               <a:rPr lang="en-US" dirty="0" smtClean="0"/>
-              <a:t>propositional logic I..</a:t>
+              <a:t>propositional ops.</a:t>
+            </a:r>
+            <a:r>
+              <a:rPr lang="en-US" dirty="0" smtClean="0"/>
+              <a:t>.</a:t>
             </a:r>
             <a:fld id="{B7856ECB-7BA5-4EA4-A170-7A96316AE30B}" type="slidenum">
               <a:rPr lang="en-US" smtClean="0"/>
@@ -4741,6 +6715,10 @@
           </p:nvPr>
         </p:nvSpPr>
         <p:spPr>
+          <a:xfrm>
+            <a:off x="7473429" y="6553200"/>
+            <a:ext cx="1670575" cy="276999"/>
+          </a:xfrm>
           <a:ln/>
         </p:spPr>
         <p:txBody>
@@ -4756,7 +6734,7 @@
             </a:pPr>
             <a:r>
               <a:rPr lang="en-US" dirty="0" smtClean="0"/>
-              <a:t>propositional logic I.</a:t>
+              <a:t>propositional ops.</a:t>
             </a:r>
             <a:fld id="{883BA68D-4400-4AD9-848C-65748A4D0824}" type="slidenum">
               <a:rPr lang="en-US" smtClean="0"/>
@@ -4916,7 +6894,7 @@
             </a:pPr>
             <a:r>
               <a:rPr lang="en-US" dirty="0" smtClean="0"/>
-              <a:t>propositional logic I.</a:t>
+              <a:t>propositional ops.</a:t>
             </a:r>
             <a:fld id="{671A9335-2B28-465B-823D-6F18B2E54319}" type="slidenum">
               <a:rPr lang="en-US" smtClean="0"/>
@@ -5055,8 +7033,8 @@
         </p:nvSpPr>
         <p:spPr bwMode="auto">
           <a:xfrm>
-            <a:off x="7254544" y="6553200"/>
-            <a:ext cx="1889460" cy="276999"/>
+            <a:off x="7343361" y="6553200"/>
+            <a:ext cx="1800643" cy="276999"/>
           </a:xfrm>
           <a:prstGeom prst="rect">
             <a:avLst/>
@@ -5090,7 +7068,11 @@
             </a:pPr>
             <a:r>
               <a:rPr lang="en-US" dirty="0" smtClean="0"/>
-              <a:t>propositional logic I.</a:t>
+              <a:t>propositional ops </a:t>
+            </a:r>
+            <a:r>
+              <a:rPr lang="en-US" dirty="0" smtClean="0"/>
+              <a:t>I.</a:t>
             </a:r>
             <a:fld id="{EBFB97A3-F52F-4FD6-B1AC-522A20C95467}" type="slidenum">
               <a:rPr lang="en-US" smtClean="0"/>
@@ -5173,13 +7155,7 @@
               <a:rPr lang="en-US" sz="1100" baseline="0" dirty="0" smtClean="0">
                 <a:latin typeface="Comic Sans MS" pitchFamily="66" charset="0"/>
               </a:rPr>
-              <a:t>February </a:t>
-            </a:r>
-            <a:r>
-              <a:rPr lang="en-US" sz="1100" baseline="0" dirty="0" smtClean="0">
-                <a:latin typeface="Comic Sans MS" pitchFamily="66" charset="0"/>
-              </a:rPr>
-              <a:t>12</a:t>
+              <a:t>February 12</a:t>
             </a:r>
             <a:r>
               <a:rPr lang="en-US" sz="1100" dirty="0" smtClean="0">
@@ -5756,8 +7732,8 @@
         </p:nvSpPr>
         <p:spPr bwMode="auto">
           <a:xfrm>
-            <a:off x="7493413" y="6553200"/>
-            <a:ext cx="1650587" cy="276999"/>
+            <a:off x="7677057" y="6553200"/>
+            <a:ext cx="1466943" cy="276999"/>
           </a:xfrm>
           <a:prstGeom prst="rect">
             <a:avLst/>
@@ -5789,7 +7765,7 @@
             </a:pPr>
             <a:r>
               <a:rPr lang="en-US" dirty="0" smtClean="0"/>
-              <a:t>propositional logic I.</a:t>
+              <a:t>propositional ops.</a:t>
             </a:r>
             <a:fld id="{2CE11749-3435-4A3E-A162-33970963D098}" type="slidenum">
               <a:rPr lang="en-US" smtClean="0"/>
@@ -6344,6 +8320,721 @@
 </p:sldMaster>
 </file>
 
+<file path=ppt/slideMasters/slideMaster3.xml><?xml version="1.0" encoding="utf-8"?>
+<p:sldMaster xmlns:a="http://schemas.openxmlformats.org/drawingml/2006/main" xmlns:r="http://schemas.openxmlformats.org/officeDocument/2006/relationships" xmlns:p="http://schemas.openxmlformats.org/presentationml/2006/main" preserve="1">
+  <p:cSld>
+    <p:bg>
+      <p:bgPr>
+        <a:solidFill>
+          <a:schemeClr val="accent1"/>
+        </a:solidFill>
+        <a:effectLst/>
+      </p:bgPr>
+    </p:bg>
+    <p:spTree>
+      <p:nvGrpSpPr>
+        <p:cNvPr id="1" name=""/>
+        <p:cNvGrpSpPr/>
+        <p:nvPr/>
+      </p:nvGrpSpPr>
+      <p:grpSpPr>
+        <a:xfrm>
+          <a:off x="0" y="0"/>
+          <a:ext cx="0" cy="0"/>
+          <a:chOff x="0" y="0"/>
+          <a:chExt cx="0" cy="0"/>
+        </a:xfrm>
+      </p:grpSpPr>
+      <p:sp>
+        <p:nvSpPr>
+          <p:cNvPr id="10242" name="Rectangle 2"/>
+          <p:cNvSpPr>
+            <a:spLocks noGrp="1" noChangeArrowheads="1"/>
+          </p:cNvSpPr>
+          <p:nvPr>
+            <p:ph type="title"/>
+          </p:nvPr>
+        </p:nvSpPr>
+        <p:spPr bwMode="auto">
+          <a:xfrm>
+            <a:off x="1447800" y="304800"/>
+            <a:ext cx="7543800" cy="1143000"/>
+          </a:xfrm>
+          <a:prstGeom prst="rect">
+            <a:avLst/>
+          </a:prstGeom>
+          <a:noFill/>
+          <a:ln w="9525">
+            <a:noFill/>
+            <a:miter lim="800000"/>
+            <a:headEnd/>
+            <a:tailEnd/>
+          </a:ln>
+        </p:spPr>
+        <p:txBody>
+          <a:bodyPr vert="horz" wrap="square" lIns="91440" tIns="45720" rIns="91440" bIns="45720" numCol="1" anchor="ctr" anchorCtr="0" compatLnSpc="1">
+            <a:prstTxWarp prst="textNoShape">
+              <a:avLst/>
+            </a:prstTxWarp>
+          </a:bodyPr>
+          <a:lstStyle/>
+          <a:p>
+            <a:pPr lvl="0"/>
+            <a:endParaRPr lang="en-US" dirty="0" smtClean="0"/>
+          </a:p>
+        </p:txBody>
+      </p:sp>
+      <p:sp>
+        <p:nvSpPr>
+          <p:cNvPr id="10243" name="Rectangle 3"/>
+          <p:cNvSpPr>
+            <a:spLocks noGrp="1" noChangeArrowheads="1"/>
+          </p:cNvSpPr>
+          <p:nvPr>
+            <p:ph type="body" idx="1"/>
+          </p:nvPr>
+        </p:nvSpPr>
+        <p:spPr bwMode="auto">
+          <a:xfrm>
+            <a:off x="685800" y="2057400"/>
+            <a:ext cx="7772400" cy="4114800"/>
+          </a:xfrm>
+          <a:prstGeom prst="rect">
+            <a:avLst/>
+          </a:prstGeom>
+          <a:noFill/>
+          <a:ln w="9525">
+            <a:noFill/>
+            <a:miter lim="800000"/>
+            <a:headEnd/>
+            <a:tailEnd/>
+          </a:ln>
+        </p:spPr>
+        <p:txBody>
+          <a:bodyPr vert="horz" wrap="square" lIns="91440" tIns="45720" rIns="91440" bIns="45720" numCol="1" anchor="t" anchorCtr="0" compatLnSpc="1">
+            <a:prstTxWarp prst="textNoShape">
+              <a:avLst/>
+            </a:prstTxWarp>
+          </a:bodyPr>
+          <a:lstStyle/>
+          <a:p>
+            <a:pPr lvl="0"/>
+            <a:endParaRPr lang="en-US" dirty="0" smtClean="0"/>
+          </a:p>
+        </p:txBody>
+      </p:sp>
+      <p:sp>
+        <p:nvSpPr>
+          <p:cNvPr id="12299" name="Rectangle 11"/>
+          <p:cNvSpPr>
+            <a:spLocks noGrp="1" noChangeArrowheads="1"/>
+          </p:cNvSpPr>
+          <p:nvPr>
+            <p:ph type="sldNum" sz="quarter" idx="4"/>
+          </p:nvPr>
+        </p:nvSpPr>
+        <p:spPr bwMode="auto">
+          <a:xfrm>
+            <a:off x="7473429" y="6553200"/>
+            <a:ext cx="1670575" cy="276999"/>
+          </a:xfrm>
+          <a:prstGeom prst="rect">
+            <a:avLst/>
+          </a:prstGeom>
+          <a:noFill/>
+          <a:ln w="9525">
+            <a:noFill/>
+            <a:miter lim="800000"/>
+            <a:headEnd/>
+            <a:tailEnd/>
+          </a:ln>
+          <a:effectLst/>
+        </p:spPr>
+        <p:txBody>
+          <a:bodyPr vert="horz" wrap="none" lIns="91440" tIns="45720" rIns="91440" bIns="45720" numCol="1" anchor="t" anchorCtr="0" compatLnSpc="1">
+            <a:prstTxWarp prst="textNoShape">
+              <a:avLst/>
+            </a:prstTxWarp>
+            <a:spAutoFit/>
+          </a:bodyPr>
+          <a:lstStyle>
+            <a:lvl1pPr algn="r">
+              <a:defRPr sz="1200">
+                <a:latin typeface="Comic Sans MS" pitchFamily="66" charset="0"/>
+              </a:defRPr>
+            </a:lvl1pPr>
+          </a:lstStyle>
+          <a:p>
+            <a:pPr>
+              <a:defRPr/>
+            </a:pPr>
+            <a:r>
+              <a:rPr lang="en-US" dirty="0" smtClean="0">
+                <a:solidFill>
+                  <a:srgbClr val="000000"/>
+                </a:solidFill>
+              </a:rPr>
+              <a:t>propositional ops.</a:t>
+            </a:r>
+            <a:fld id="{EBFB97A3-F52F-4FD6-B1AC-522A20C95467}" type="slidenum">
+              <a:rPr lang="en-US" smtClean="0">
+                <a:solidFill>
+                  <a:srgbClr val="000000"/>
+                </a:solidFill>
+              </a:rPr>
+              <a:pPr>
+                <a:defRPr/>
+              </a:pPr>
+              <a:t>‹#›</a:t>
+            </a:fld>
+            <a:endParaRPr lang="en-US" dirty="0">
+              <a:solidFill>
+                <a:srgbClr val="000000"/>
+              </a:solidFill>
+            </a:endParaRPr>
+          </a:p>
+        </p:txBody>
+      </p:sp>
+      <p:pic>
+        <p:nvPicPr>
+          <p:cNvPr id="10245" name="Picture 12" descr="board"/>
+          <p:cNvPicPr>
+            <a:picLocks noChangeAspect="1" noChangeArrowheads="1"/>
+          </p:cNvPicPr>
+          <p:nvPr userDrawn="1"/>
+        </p:nvPicPr>
+        <p:blipFill>
+          <a:blip r:embed="rId10"/>
+          <a:srcRect/>
+          <a:stretch>
+            <a:fillRect/>
+          </a:stretch>
+        </p:blipFill>
+        <p:spPr bwMode="auto">
+          <a:xfrm>
+            <a:off x="152400" y="304800"/>
+            <a:ext cx="1143000" cy="1135063"/>
+          </a:xfrm>
+          <a:prstGeom prst="rect">
+            <a:avLst/>
+          </a:prstGeom>
+          <a:noFill/>
+          <a:ln w="9525">
+            <a:noFill/>
+            <a:miter lim="800000"/>
+            <a:headEnd/>
+            <a:tailEnd/>
+          </a:ln>
+        </p:spPr>
+      </p:pic>
+      <p:sp>
+        <p:nvSpPr>
+          <p:cNvPr id="12301" name="Rectangle 13"/>
+          <p:cNvSpPr>
+            <a:spLocks noChangeArrowheads="1"/>
+          </p:cNvSpPr>
+          <p:nvPr userDrawn="1"/>
+        </p:nvSpPr>
+        <p:spPr bwMode="auto">
+          <a:xfrm>
+            <a:off x="4125913" y="6570994"/>
+            <a:ext cx="1380544" cy="261610"/>
+          </a:xfrm>
+          <a:prstGeom prst="rect">
+            <a:avLst/>
+          </a:prstGeom>
+          <a:noFill/>
+          <a:ln w="9525">
+            <a:noFill/>
+            <a:miter lim="800000"/>
+            <a:headEnd/>
+            <a:tailEnd type="none" w="lg" len="lg"/>
+          </a:ln>
+          <a:effectLst/>
+        </p:spPr>
+        <p:txBody>
+          <a:bodyPr wrap="none">
+            <a:spAutoFit/>
+          </a:bodyPr>
+          <a:lstStyle/>
+          <a:p>
+            <a:pPr algn="l">
+              <a:defRPr/>
+            </a:pPr>
+            <a:r>
+              <a:rPr lang="en-US" sz="1100" smtClean="0">
+                <a:solidFill>
+                  <a:srgbClr val="000000"/>
+                </a:solidFill>
+                <a:latin typeface="Comic Sans MS" pitchFamily="66" charset="0"/>
+              </a:rPr>
+              <a:t>February 12, 2014</a:t>
+            </a:r>
+            <a:endParaRPr lang="en-US" sz="1100" dirty="0">
+              <a:solidFill>
+                <a:srgbClr val="000000"/>
+              </a:solidFill>
+              <a:latin typeface="Comic Sans MS" pitchFamily="66" charset="0"/>
+            </a:endParaRPr>
+          </a:p>
+        </p:txBody>
+      </p:sp>
+      <p:pic>
+        <p:nvPicPr>
+          <p:cNvPr id="8" name="Picture 7" descr="license.img"/>
+          <p:cNvPicPr>
+            <a:picLocks/>
+          </p:cNvPicPr>
+          <p:nvPr userDrawn="1"/>
+        </p:nvPicPr>
+        <p:blipFill>
+          <a:blip r:embed="rId11" cstate="print"/>
+          <a:stretch>
+            <a:fillRect/>
+          </a:stretch>
+        </p:blipFill>
+        <p:spPr>
+          <a:xfrm>
+            <a:off x="38415" y="6553200"/>
+            <a:ext cx="875985" cy="290315"/>
+          </a:xfrm>
+          <a:prstGeom prst="rect">
+            <a:avLst/>
+          </a:prstGeom>
+        </p:spPr>
+      </p:pic>
+      <p:sp>
+        <p:nvSpPr>
+          <p:cNvPr id="9" name="TextBox 8"/>
+          <p:cNvSpPr txBox="1"/>
+          <p:nvPr userDrawn="1"/>
+        </p:nvSpPr>
+        <p:spPr>
+          <a:xfrm>
+            <a:off x="987900" y="6611779"/>
+            <a:ext cx="1122423" cy="246221"/>
+          </a:xfrm>
+          <a:prstGeom prst="rect">
+            <a:avLst/>
+          </a:prstGeom>
+          <a:noFill/>
+        </p:spPr>
+        <p:txBody>
+          <a:bodyPr wrap="none" rtlCol="0">
+            <a:spAutoFit/>
+          </a:bodyPr>
+          <a:lstStyle/>
+          <a:p>
+            <a:r>
+              <a:rPr lang="en-US" sz="1000" dirty="0" smtClean="0">
+                <a:solidFill>
+                  <a:srgbClr val="000000"/>
+                </a:solidFill>
+                <a:latin typeface="Comic Sans MS" pitchFamily="66" charset="0"/>
+              </a:rPr>
+              <a:t>Albert R Meyer</a:t>
+            </a:r>
+          </a:p>
+        </p:txBody>
+      </p:sp>
+    </p:spTree>
+    <p:extLst>
+      <p:ext uri="{BB962C8B-B14F-4D97-AF65-F5344CB8AC3E}">
+        <p14:creationId xmlns:p14="http://schemas.microsoft.com/office/powerpoint/2010/main" val="844140773"/>
+      </p:ext>
+    </p:extLst>
+  </p:cSld>
+  <p:clrMap bg1="lt1" tx1="dk1" bg2="lt2" tx2="dk2" accent1="accent1" accent2="accent2" accent3="accent3" accent4="accent4" accent5="accent5" accent6="accent6" hlink="hlink" folHlink="folHlink"/>
+  <p:sldLayoutIdLst>
+    <p:sldLayoutId id="2147483678" r:id="rId1"/>
+    <p:sldLayoutId id="2147483679" r:id="rId2"/>
+    <p:sldLayoutId id="2147483680" r:id="rId3"/>
+    <p:sldLayoutId id="2147483681" r:id="rId4"/>
+    <p:sldLayoutId id="2147483682" r:id="rId5"/>
+    <p:sldLayoutId id="2147483683" r:id="rId6"/>
+    <p:sldLayoutId id="2147483684" r:id="rId7"/>
+    <p:sldLayoutId id="2147483685" r:id="rId8"/>
+  </p:sldLayoutIdLst>
+  <p:transition xmlns:p14="http://schemas.microsoft.com/office/powerpoint/2010/main" spd="slow" advClick="0">
+    <p:fade/>
+  </p:transition>
+  <p:timing>
+    <p:tnLst>
+      <p:par>
+        <p:cTn xmlns:p14="http://schemas.microsoft.com/office/powerpoint/2010/main" id="1" dur="indefinite" restart="never" nodeType="tmRoot"/>
+      </p:par>
+    </p:tnLst>
+  </p:timing>
+  <p:hf hdr="0" ftr="0" dt="0"/>
+  <p:txStyles>
+    <p:titleStyle>
+      <a:lvl1pPr algn="l" rtl="0" eaLnBrk="0" fontAlgn="base" hangingPunct="0">
+        <a:spcBef>
+          <a:spcPct val="0"/>
+        </a:spcBef>
+        <a:spcAft>
+          <a:spcPct val="0"/>
+        </a:spcAft>
+        <a:defRPr sz="4400" b="1">
+          <a:solidFill>
+            <a:schemeClr val="tx2"/>
+          </a:solidFill>
+          <a:latin typeface="Comic Sans MS" pitchFamily="66" charset="0"/>
+          <a:ea typeface="+mj-ea"/>
+          <a:cs typeface="+mj-cs"/>
+        </a:defRPr>
+      </a:lvl1pPr>
+      <a:lvl2pPr algn="l" rtl="0" eaLnBrk="0" fontAlgn="base" hangingPunct="0">
+        <a:spcBef>
+          <a:spcPct val="0"/>
+        </a:spcBef>
+        <a:spcAft>
+          <a:spcPct val="0"/>
+        </a:spcAft>
+        <a:defRPr sz="4400" b="1">
+          <a:solidFill>
+            <a:schemeClr val="tx2"/>
+          </a:solidFill>
+          <a:latin typeface="Comic Sans MS" pitchFamily="66" charset="0"/>
+        </a:defRPr>
+      </a:lvl2pPr>
+      <a:lvl3pPr algn="l" rtl="0" eaLnBrk="0" fontAlgn="base" hangingPunct="0">
+        <a:spcBef>
+          <a:spcPct val="0"/>
+        </a:spcBef>
+        <a:spcAft>
+          <a:spcPct val="0"/>
+        </a:spcAft>
+        <a:defRPr sz="4400" b="1">
+          <a:solidFill>
+            <a:schemeClr val="tx2"/>
+          </a:solidFill>
+          <a:latin typeface="Comic Sans MS" pitchFamily="66" charset="0"/>
+        </a:defRPr>
+      </a:lvl3pPr>
+      <a:lvl4pPr algn="l" rtl="0" eaLnBrk="0" fontAlgn="base" hangingPunct="0">
+        <a:spcBef>
+          <a:spcPct val="0"/>
+        </a:spcBef>
+        <a:spcAft>
+          <a:spcPct val="0"/>
+        </a:spcAft>
+        <a:defRPr sz="4400" b="1">
+          <a:solidFill>
+            <a:schemeClr val="tx2"/>
+          </a:solidFill>
+          <a:latin typeface="Comic Sans MS" pitchFamily="66" charset="0"/>
+        </a:defRPr>
+      </a:lvl4pPr>
+      <a:lvl5pPr algn="l" rtl="0" eaLnBrk="0" fontAlgn="base" hangingPunct="0">
+        <a:spcBef>
+          <a:spcPct val="0"/>
+        </a:spcBef>
+        <a:spcAft>
+          <a:spcPct val="0"/>
+        </a:spcAft>
+        <a:defRPr sz="4400" b="1">
+          <a:solidFill>
+            <a:schemeClr val="tx2"/>
+          </a:solidFill>
+          <a:latin typeface="Comic Sans MS" pitchFamily="66" charset="0"/>
+        </a:defRPr>
+      </a:lvl5pPr>
+      <a:lvl6pPr marL="457200" algn="l" rtl="0" fontAlgn="base">
+        <a:spcBef>
+          <a:spcPct val="0"/>
+        </a:spcBef>
+        <a:spcAft>
+          <a:spcPct val="0"/>
+        </a:spcAft>
+        <a:defRPr sz="4400" b="1">
+          <a:solidFill>
+            <a:schemeClr val="tx2"/>
+          </a:solidFill>
+          <a:latin typeface="Times New Roman" pitchFamily="18" charset="0"/>
+        </a:defRPr>
+      </a:lvl6pPr>
+      <a:lvl7pPr marL="914400" algn="l" rtl="0" fontAlgn="base">
+        <a:spcBef>
+          <a:spcPct val="0"/>
+        </a:spcBef>
+        <a:spcAft>
+          <a:spcPct val="0"/>
+        </a:spcAft>
+        <a:defRPr sz="4400" b="1">
+          <a:solidFill>
+            <a:schemeClr val="tx2"/>
+          </a:solidFill>
+          <a:latin typeface="Times New Roman" pitchFamily="18" charset="0"/>
+        </a:defRPr>
+      </a:lvl7pPr>
+      <a:lvl8pPr marL="1371600" algn="l" rtl="0" fontAlgn="base">
+        <a:spcBef>
+          <a:spcPct val="0"/>
+        </a:spcBef>
+        <a:spcAft>
+          <a:spcPct val="0"/>
+        </a:spcAft>
+        <a:defRPr sz="4400" b="1">
+          <a:solidFill>
+            <a:schemeClr val="tx2"/>
+          </a:solidFill>
+          <a:latin typeface="Times New Roman" pitchFamily="18" charset="0"/>
+        </a:defRPr>
+      </a:lvl8pPr>
+      <a:lvl9pPr marL="1828800" algn="l" rtl="0" fontAlgn="base">
+        <a:spcBef>
+          <a:spcPct val="0"/>
+        </a:spcBef>
+        <a:spcAft>
+          <a:spcPct val="0"/>
+        </a:spcAft>
+        <a:defRPr sz="4400" b="1">
+          <a:solidFill>
+            <a:schemeClr val="tx2"/>
+          </a:solidFill>
+          <a:latin typeface="Times New Roman" pitchFamily="18" charset="0"/>
+        </a:defRPr>
+      </a:lvl9pPr>
+    </p:titleStyle>
+    <p:bodyStyle>
+      <a:lvl1pPr marL="342900" indent="-342900" algn="l" rtl="0" eaLnBrk="0" fontAlgn="base" hangingPunct="0">
+        <a:spcBef>
+          <a:spcPct val="20000"/>
+        </a:spcBef>
+        <a:spcAft>
+          <a:spcPct val="0"/>
+        </a:spcAft>
+        <a:buNone/>
+        <a:defRPr sz="3600">
+          <a:solidFill>
+            <a:schemeClr val="tx1"/>
+          </a:solidFill>
+          <a:latin typeface="Comic Sans MS" pitchFamily="66" charset="0"/>
+          <a:ea typeface="+mn-ea"/>
+          <a:cs typeface="+mn-cs"/>
+        </a:defRPr>
+      </a:lvl1pPr>
+      <a:lvl2pPr marL="742950" indent="-285750" algn="l" rtl="0" eaLnBrk="0" fontAlgn="base" hangingPunct="0">
+        <a:spcBef>
+          <a:spcPct val="20000"/>
+        </a:spcBef>
+        <a:spcAft>
+          <a:spcPct val="0"/>
+        </a:spcAft>
+        <a:buChar char="–"/>
+        <a:defRPr sz="3200">
+          <a:solidFill>
+            <a:schemeClr val="tx1"/>
+          </a:solidFill>
+          <a:latin typeface="Comic Sans MS" pitchFamily="66" charset="0"/>
+        </a:defRPr>
+      </a:lvl2pPr>
+      <a:lvl3pPr marL="1143000" indent="-228600" algn="l" rtl="0" eaLnBrk="0" fontAlgn="base" hangingPunct="0">
+        <a:spcBef>
+          <a:spcPct val="20000"/>
+        </a:spcBef>
+        <a:spcAft>
+          <a:spcPct val="0"/>
+        </a:spcAft>
+        <a:buChar char="•"/>
+        <a:defRPr sz="3200">
+          <a:solidFill>
+            <a:schemeClr val="tx1"/>
+          </a:solidFill>
+          <a:latin typeface="Comic Sans MS" pitchFamily="66" charset="0"/>
+        </a:defRPr>
+      </a:lvl3pPr>
+      <a:lvl4pPr marL="1600200" indent="-228600" algn="l" rtl="0" eaLnBrk="0" fontAlgn="base" hangingPunct="0">
+        <a:spcBef>
+          <a:spcPct val="20000"/>
+        </a:spcBef>
+        <a:spcAft>
+          <a:spcPct val="0"/>
+        </a:spcAft>
+        <a:buChar char="–"/>
+        <a:defRPr sz="2800">
+          <a:solidFill>
+            <a:schemeClr val="tx1"/>
+          </a:solidFill>
+          <a:latin typeface="Comic Sans MS" pitchFamily="66" charset="0"/>
+        </a:defRPr>
+      </a:lvl4pPr>
+      <a:lvl5pPr marL="2057400" indent="-228600" algn="l" rtl="0" eaLnBrk="0" fontAlgn="base" hangingPunct="0">
+        <a:spcBef>
+          <a:spcPct val="20000"/>
+        </a:spcBef>
+        <a:spcAft>
+          <a:spcPct val="0"/>
+        </a:spcAft>
+        <a:buChar char="»"/>
+        <a:defRPr sz="2800">
+          <a:solidFill>
+            <a:schemeClr val="tx1"/>
+          </a:solidFill>
+          <a:latin typeface="Comic Sans MS" pitchFamily="66" charset="0"/>
+        </a:defRPr>
+      </a:lvl5pPr>
+      <a:lvl6pPr marL="2514600" indent="-228600" algn="l" rtl="0" fontAlgn="base">
+        <a:spcBef>
+          <a:spcPct val="20000"/>
+        </a:spcBef>
+        <a:spcAft>
+          <a:spcPct val="0"/>
+        </a:spcAft>
+        <a:buChar char="»"/>
+        <a:defRPr sz="2800">
+          <a:solidFill>
+            <a:schemeClr val="tx1"/>
+          </a:solidFill>
+          <a:latin typeface="+mn-lt"/>
+        </a:defRPr>
+      </a:lvl6pPr>
+      <a:lvl7pPr marL="2971800" indent="-228600" algn="l" rtl="0" fontAlgn="base">
+        <a:spcBef>
+          <a:spcPct val="20000"/>
+        </a:spcBef>
+        <a:spcAft>
+          <a:spcPct val="0"/>
+        </a:spcAft>
+        <a:buChar char="»"/>
+        <a:defRPr sz="2800">
+          <a:solidFill>
+            <a:schemeClr val="tx1"/>
+          </a:solidFill>
+          <a:latin typeface="+mn-lt"/>
+        </a:defRPr>
+      </a:lvl7pPr>
+      <a:lvl8pPr marL="3429000" indent="-228600" algn="l" rtl="0" fontAlgn="base">
+        <a:spcBef>
+          <a:spcPct val="20000"/>
+        </a:spcBef>
+        <a:spcAft>
+          <a:spcPct val="0"/>
+        </a:spcAft>
+        <a:buChar char="»"/>
+        <a:defRPr sz="2800">
+          <a:solidFill>
+            <a:schemeClr val="tx1"/>
+          </a:solidFill>
+          <a:latin typeface="+mn-lt"/>
+        </a:defRPr>
+      </a:lvl8pPr>
+      <a:lvl9pPr marL="3886200" indent="-228600" algn="l" rtl="0" fontAlgn="base">
+        <a:spcBef>
+          <a:spcPct val="20000"/>
+        </a:spcBef>
+        <a:spcAft>
+          <a:spcPct val="0"/>
+        </a:spcAft>
+        <a:buChar char="»"/>
+        <a:defRPr sz="2800">
+          <a:solidFill>
+            <a:schemeClr val="tx1"/>
+          </a:solidFill>
+          <a:latin typeface="+mn-lt"/>
+        </a:defRPr>
+      </a:lvl9pPr>
+    </p:bodyStyle>
+    <p:otherStyle>
+      <a:defPPr>
+        <a:defRPr lang="en-US"/>
+      </a:defPPr>
+      <a:lvl1pPr marL="0" algn="l" defTabSz="914400" rtl="0" eaLnBrk="1" latinLnBrk="0" hangingPunct="1">
+        <a:defRPr sz="1800" kern="1200">
+          <a:solidFill>
+            <a:schemeClr val="tx1"/>
+          </a:solidFill>
+          <a:latin typeface="+mn-lt"/>
+          <a:ea typeface="+mn-ea"/>
+          <a:cs typeface="+mn-cs"/>
+        </a:defRPr>
+      </a:lvl1pPr>
+      <a:lvl2pPr marL="457200" algn="l" defTabSz="914400" rtl="0" eaLnBrk="1" latinLnBrk="0" hangingPunct="1">
+        <a:defRPr sz="1800" kern="1200">
+          <a:solidFill>
+            <a:schemeClr val="tx1"/>
+          </a:solidFill>
+          <a:latin typeface="+mn-lt"/>
+          <a:ea typeface="+mn-ea"/>
+          <a:cs typeface="+mn-cs"/>
+        </a:defRPr>
+      </a:lvl2pPr>
+      <a:lvl3pPr marL="914400" algn="l" defTabSz="914400" rtl="0" eaLnBrk="1" latinLnBrk="0" hangingPunct="1">
+        <a:defRPr sz="1800" kern="1200">
+          <a:solidFill>
+            <a:schemeClr val="tx1"/>
+          </a:solidFill>
+          <a:latin typeface="+mn-lt"/>
+          <a:ea typeface="+mn-ea"/>
+          <a:cs typeface="+mn-cs"/>
+        </a:defRPr>
+      </a:lvl3pPr>
+      <a:lvl4pPr marL="1371600" algn="l" defTabSz="914400" rtl="0" eaLnBrk="1" latinLnBrk="0" hangingPunct="1">
+        <a:defRPr sz="1800" kern="1200">
+          <a:solidFill>
+            <a:schemeClr val="tx1"/>
+          </a:solidFill>
+          <a:latin typeface="+mn-lt"/>
+          <a:ea typeface="+mn-ea"/>
+          <a:cs typeface="+mn-cs"/>
+        </a:defRPr>
+      </a:lvl4pPr>
+      <a:lvl5pPr marL="1828800" algn="l" defTabSz="914400" rtl="0" eaLnBrk="1" latinLnBrk="0" hangingPunct="1">
+        <a:defRPr sz="1800" kern="1200">
+          <a:solidFill>
+            <a:schemeClr val="tx1"/>
+          </a:solidFill>
+          <a:latin typeface="+mn-lt"/>
+          <a:ea typeface="+mn-ea"/>
+          <a:cs typeface="+mn-cs"/>
+        </a:defRPr>
+      </a:lvl5pPr>
+      <a:lvl6pPr marL="2286000" algn="l" defTabSz="914400" rtl="0" eaLnBrk="1" latinLnBrk="0" hangingPunct="1">
+        <a:defRPr sz="1800" kern="1200">
+          <a:solidFill>
+            <a:schemeClr val="tx1"/>
+          </a:solidFill>
+          <a:latin typeface="+mn-lt"/>
+          <a:ea typeface="+mn-ea"/>
+          <a:cs typeface="+mn-cs"/>
+        </a:defRPr>
+      </a:lvl6pPr>
+      <a:lvl7pPr marL="2743200" algn="l" defTabSz="914400" rtl="0" eaLnBrk="1" latinLnBrk="0" hangingPunct="1">
+        <a:defRPr sz="1800" kern="1200">
+          <a:solidFill>
+            <a:schemeClr val="tx1"/>
+          </a:solidFill>
+          <a:latin typeface="+mn-lt"/>
+          <a:ea typeface="+mn-ea"/>
+          <a:cs typeface="+mn-cs"/>
+        </a:defRPr>
+      </a:lvl7pPr>
+      <a:lvl8pPr marL="3200400" algn="l" defTabSz="914400" rtl="0" eaLnBrk="1" latinLnBrk="0" hangingPunct="1">
+        <a:defRPr sz="1800" kern="1200">
+          <a:solidFill>
+            <a:schemeClr val="tx1"/>
+          </a:solidFill>
+          <a:latin typeface="+mn-lt"/>
+          <a:ea typeface="+mn-ea"/>
+          <a:cs typeface="+mn-cs"/>
+        </a:defRPr>
+      </a:lvl8pPr>
+      <a:lvl9pPr marL="3657600" algn="l" defTabSz="914400" rtl="0" eaLnBrk="1" latinLnBrk="0" hangingPunct="1">
+        <a:defRPr sz="1800" kern="1200">
+          <a:solidFill>
+            <a:schemeClr val="tx1"/>
+          </a:solidFill>
+          <a:latin typeface="+mn-lt"/>
+          <a:ea typeface="+mn-ea"/>
+          <a:cs typeface="+mn-cs"/>
+        </a:defRPr>
+      </a:lvl9pPr>
+    </p:otherStyle>
+  </p:txStyles>
+</p:sldMaster>
+</file>
+
 <file path=ppt/slides/slide1.xml><?xml version="1.0" encoding="utf-8"?>
 <p:sld xmlns:a="http://schemas.openxmlformats.org/drawingml/2006/main" xmlns:r="http://schemas.openxmlformats.org/officeDocument/2006/relationships" xmlns:p="http://schemas.openxmlformats.org/presentationml/2006/main">
   <p:cSld>
@@ -6415,8 +9106,8 @@
         </p:nvSpPr>
         <p:spPr>
           <a:xfrm>
-            <a:off x="7432324" y="6553200"/>
-            <a:ext cx="1711677" cy="276999"/>
+            <a:off x="7651210" y="6553200"/>
+            <a:ext cx="1492791" cy="276999"/>
           </a:xfrm>
           <a:noFill/>
         </p:spPr>
@@ -6426,7 +9117,7 @@
           <a:p>
             <a:r>
               <a:rPr lang="en-US" dirty="0" smtClean="0"/>
-              <a:t>propositional logic I.</a:t>
+              <a:t>propositional ops.</a:t>
             </a:r>
             <a:fld id="{0150943C-9303-41DF-A6FA-7E32D6C5D18E}" type="slidenum">
               <a:rPr lang="en-US" smtClean="0"/>
@@ -6442,14 +9133,1608 @@
   <p:clrMapOvr>
     <a:masterClrMapping/>
   </p:clrMapOvr>
-  <mc:AlternateContent xmlns:mc="http://schemas.openxmlformats.org/markup-compatibility/2006">
-    <mc:Choice xmlns:p14="http://schemas.microsoft.com/office/powerpoint/2010/main" Requires="p14">
+  <mc:AlternateContent xmlns:mc="http://schemas.openxmlformats.org/markup-compatibility/2006" xmlns:p14="http://schemas.microsoft.com/office/powerpoint/2010/main">
+    <mc:Choice Requires="p14">
       <p:transition p14:dur="0" advClick="0"/>
     </mc:Choice>
-    <mc:Fallback>
+    <mc:Fallback xmlns="">
       <p:transition xmlns:p14="http://schemas.microsoft.com/office/powerpoint/2010/main" advClick="0"/>
     </mc:Fallback>
   </mc:AlternateContent>
+  <p:timing>
+    <p:tnLst>
+      <p:par>
+        <p:cTn xmlns:p14="http://schemas.microsoft.com/office/powerpoint/2010/main" id="1" dur="indefinite" restart="never" nodeType="tmRoot"/>
+      </p:par>
+    </p:tnLst>
+  </p:timing>
+</p:sld>
+</file>
+
+<file path=ppt/slides/slide10.xml><?xml version="1.0" encoding="utf-8"?>
+<p:sld xmlns:a="http://schemas.openxmlformats.org/drawingml/2006/main" xmlns:r="http://schemas.openxmlformats.org/officeDocument/2006/relationships" xmlns:p="http://schemas.openxmlformats.org/presentationml/2006/main">
+  <p:cSld>
+    <p:spTree>
+      <p:nvGrpSpPr>
+        <p:cNvPr id="1" name=""/>
+        <p:cNvGrpSpPr/>
+        <p:nvPr/>
+      </p:nvGrpSpPr>
+      <p:grpSpPr>
+        <a:xfrm>
+          <a:off x="0" y="0"/>
+          <a:ext cx="0" cy="0"/>
+          <a:chOff x="0" y="0"/>
+          <a:chExt cx="0" cy="0"/>
+        </a:xfrm>
+      </p:grpSpPr>
+      <p:sp>
+        <p:nvSpPr>
+          <p:cNvPr id="6" name="Slide Number Placeholder 2"/>
+          <p:cNvSpPr>
+            <a:spLocks noGrp="1"/>
+          </p:cNvSpPr>
+          <p:nvPr>
+            <p:ph type="sldNum" sz="quarter" idx="10"/>
+          </p:nvPr>
+        </p:nvSpPr>
+        <p:spPr>
+          <a:xfrm>
+            <a:off x="7557284" y="6553200"/>
+            <a:ext cx="1586717" cy="276999"/>
+          </a:xfrm>
+          <a:noFill/>
+        </p:spPr>
+        <p:txBody>
+          <a:bodyPr/>
+          <a:lstStyle/>
+          <a:p>
+            <a:r>
+              <a:rPr lang="en-US" dirty="0" smtClean="0">
+                <a:solidFill>
+                  <a:srgbClr val="000000"/>
+                </a:solidFill>
+              </a:rPr>
+              <a:t>propositional ops.</a:t>
+            </a:r>
+            <a:fld id="{0150943C-9303-41DF-A6FA-7E32D6C5D18E}" type="slidenum">
+              <a:rPr lang="en-US" smtClean="0">
+                <a:solidFill>
+                  <a:srgbClr val="000000"/>
+                </a:solidFill>
+              </a:rPr>
+              <a:pPr/>
+              <a:t>10</a:t>
+            </a:fld>
+            <a:endParaRPr lang="en-US" dirty="0" smtClean="0">
+              <a:solidFill>
+                <a:srgbClr val="000000"/>
+              </a:solidFill>
+            </a:endParaRPr>
+          </a:p>
+        </p:txBody>
+      </p:sp>
+      <p:sp>
+        <p:nvSpPr>
+          <p:cNvPr id="7" name="Title 1"/>
+          <p:cNvSpPr>
+            <a:spLocks noGrp="1"/>
+          </p:cNvSpPr>
+          <p:nvPr>
+            <p:ph type="title"/>
+          </p:nvPr>
+        </p:nvSpPr>
+        <p:spPr>
+          <a:xfrm>
+            <a:off x="2401623" y="276412"/>
+            <a:ext cx="4354015" cy="951886"/>
+          </a:xfrm>
+        </p:spPr>
+        <p:txBody>
+          <a:bodyPr/>
+          <a:lstStyle/>
+          <a:p>
+            <a:r>
+              <a:rPr lang="en-US" sz="4000" dirty="0" smtClean="0"/>
+              <a:t>Digital Logic</a:t>
+            </a:r>
+            <a:endParaRPr lang="en-US" sz="4000" dirty="0"/>
+          </a:p>
+        </p:txBody>
+      </p:sp>
+      <p:graphicFrame>
+        <p:nvGraphicFramePr>
+          <p:cNvPr id="8" name="Object 7"/>
+          <p:cNvGraphicFramePr>
+            <a:graphicFrameLocks noChangeAspect="1"/>
+          </p:cNvGraphicFramePr>
+          <p:nvPr>
+            <p:extLst>
+              <p:ext uri="{D42A27DB-BD31-4B8C-83A1-F6EECF244321}">
+                <p14:modId xmlns:p14="http://schemas.microsoft.com/office/powerpoint/2010/main" val="2489319875"/>
+              </p:ext>
+            </p:extLst>
+          </p:nvPr>
+        </p:nvGraphicFramePr>
+        <p:xfrm>
+          <a:off x="3494088" y="1304925"/>
+          <a:ext cx="3286125" cy="4240213"/>
+        </p:xfrm>
+        <a:graphic>
+          <a:graphicData uri="http://schemas.openxmlformats.org/presentationml/2006/ole">
+            <mc:AlternateContent xmlns:mc="http://schemas.openxmlformats.org/markup-compatibility/2006">
+              <mc:Choice xmlns:v="urn:schemas-microsoft-com:vml" Requires="v">
+                <p:oleObj spid="_x0000_s239619" name="Equation" r:id="rId4" imgW="876300" imgH="1130300" progId="Equation.DSMT4">
+                  <p:embed/>
+                </p:oleObj>
+              </mc:Choice>
+              <mc:Fallback>
+                <p:oleObj name="Equation" r:id="rId4" imgW="876300" imgH="1130300" progId="Equation.DSMT4">
+                  <p:embed/>
+                  <p:pic>
+                    <p:nvPicPr>
+                      <p:cNvPr id="0" name=""/>
+                      <p:cNvPicPr>
+                        <a:picLocks noChangeAspect="1" noChangeArrowheads="1"/>
+                      </p:cNvPicPr>
+                      <p:nvPr/>
+                    </p:nvPicPr>
+                    <p:blipFill>
+                      <a:blip r:embed="rId5"/>
+                      <a:srcRect/>
+                      <a:stretch>
+                        <a:fillRect/>
+                      </a:stretch>
+                    </p:blipFill>
+                    <p:spPr bwMode="auto">
+                      <a:xfrm>
+                        <a:off x="3494088" y="1304925"/>
+                        <a:ext cx="3286125" cy="4240213"/>
+                      </a:xfrm>
+                      <a:prstGeom prst="rect">
+                        <a:avLst/>
+                      </a:prstGeom>
+                      <a:noFill/>
+                      <a:extLst>
+                        <a:ext uri="{909E8E84-426E-40dd-AFC4-6F175D3DCCD1}">
+                          <a14:hiddenFill xmlns:a14="http://schemas.microsoft.com/office/drawing/2010/main">
+                            <a:solidFill>
+                              <a:srgbClr val="FFFFFF"/>
+                            </a:solidFill>
+                          </a14:hiddenFill>
+                        </a:ext>
+                      </a:extLst>
+                    </p:spPr>
+                  </p:pic>
+                </p:oleObj>
+              </mc:Fallback>
+            </mc:AlternateContent>
+          </a:graphicData>
+        </a:graphic>
+      </p:graphicFrame>
+    </p:spTree>
+    <p:extLst>
+      <p:ext uri="{BB962C8B-B14F-4D97-AF65-F5344CB8AC3E}">
+        <p14:creationId xmlns:p14="http://schemas.microsoft.com/office/powerpoint/2010/main" val="3736245093"/>
+      </p:ext>
+    </p:extLst>
+  </p:cSld>
+  <p:clrMapOvr>
+    <a:masterClrMapping/>
+  </p:clrMapOvr>
+  <p:transition xmlns:p14="http://schemas.microsoft.com/office/powerpoint/2010/main" spd="slow" advClick="0">
+    <p:fade/>
+  </p:transition>
+  <p:timing>
+    <p:tnLst>
+      <p:par>
+        <p:cTn xmlns:p14="http://schemas.microsoft.com/office/powerpoint/2010/main" id="1" dur="indefinite" restart="never" nodeType="tmRoot"/>
+      </p:par>
+    </p:tnLst>
+  </p:timing>
+</p:sld>
+</file>
+
+<file path=ppt/slides/slide11.xml><?xml version="1.0" encoding="utf-8"?>
+<p:sld xmlns:a="http://schemas.openxmlformats.org/drawingml/2006/main" xmlns:r="http://schemas.openxmlformats.org/officeDocument/2006/relationships" xmlns:p="http://schemas.openxmlformats.org/presentationml/2006/main">
+  <p:cSld>
+    <p:spTree>
+      <p:nvGrpSpPr>
+        <p:cNvPr id="1" name=""/>
+        <p:cNvGrpSpPr/>
+        <p:nvPr/>
+      </p:nvGrpSpPr>
+      <p:grpSpPr>
+        <a:xfrm>
+          <a:off x="0" y="0"/>
+          <a:ext cx="0" cy="0"/>
+          <a:chOff x="0" y="0"/>
+          <a:chExt cx="0" cy="0"/>
+        </a:xfrm>
+      </p:grpSpPr>
+      <p:pic>
+        <p:nvPicPr>
+          <p:cNvPr id="287748" name="Picture 4"/>
+          <p:cNvPicPr>
+            <a:picLocks noChangeAspect="1" noChangeArrowheads="1"/>
+          </p:cNvPicPr>
+          <p:nvPr/>
+        </p:nvPicPr>
+        <p:blipFill>
+          <a:blip r:embed="rId4"/>
+          <a:srcRect/>
+          <a:stretch>
+            <a:fillRect/>
+          </a:stretch>
+        </p:blipFill>
+        <p:spPr bwMode="auto">
+          <a:xfrm>
+            <a:off x="3024187" y="3436938"/>
+            <a:ext cx="3095625" cy="2000250"/>
+          </a:xfrm>
+          <a:prstGeom prst="rect">
+            <a:avLst/>
+          </a:prstGeom>
+          <a:noFill/>
+          <a:ln w="9525">
+            <a:noFill/>
+            <a:miter lim="800000"/>
+            <a:headEnd/>
+            <a:tailEnd/>
+          </a:ln>
+          <a:effectLst/>
+        </p:spPr>
+      </p:pic>
+      <p:sp>
+        <p:nvSpPr>
+          <p:cNvPr id="15" name="Rectangle 14"/>
+          <p:cNvSpPr/>
+          <p:nvPr/>
+        </p:nvSpPr>
+        <p:spPr>
+          <a:xfrm>
+            <a:off x="3630706" y="3436938"/>
+            <a:ext cx="1963270" cy="2143591"/>
+          </a:xfrm>
+          <a:prstGeom prst="rect">
+            <a:avLst/>
+          </a:prstGeom>
+          <a:noFill/>
+          <a:ln>
+            <a:solidFill>
+              <a:schemeClr val="tx2"/>
+            </a:solidFill>
+            <a:prstDash val="sysDash"/>
+          </a:ln>
+        </p:spPr>
+        <p:style>
+          <a:lnRef idx="2">
+            <a:schemeClr val="accent1">
+              <a:shade val="50000"/>
+            </a:schemeClr>
+          </a:lnRef>
+          <a:fillRef idx="1">
+            <a:schemeClr val="accent1"/>
+          </a:fillRef>
+          <a:effectRef idx="0">
+            <a:schemeClr val="accent1"/>
+          </a:effectRef>
+          <a:fontRef idx="minor">
+            <a:schemeClr val="lt1"/>
+          </a:fontRef>
+        </p:style>
+        <p:txBody>
+          <a:bodyPr rtlCol="0" anchor="ctr"/>
+          <a:lstStyle/>
+          <a:p>
+            <a:endParaRPr lang="en-US">
+              <a:solidFill>
+                <a:srgbClr val="FFFFFF"/>
+              </a:solidFill>
+              <a:latin typeface="Times New Roman"/>
+            </a:endParaRPr>
+          </a:p>
+        </p:txBody>
+      </p:sp>
+      <p:sp>
+        <p:nvSpPr>
+          <p:cNvPr id="16" name="TextBox 15"/>
+          <p:cNvSpPr txBox="1"/>
+          <p:nvPr/>
+        </p:nvSpPr>
+        <p:spPr>
+          <a:xfrm>
+            <a:off x="3477790" y="5782235"/>
+            <a:ext cx="2188420" cy="584775"/>
+          </a:xfrm>
+          <a:prstGeom prst="rect">
+            <a:avLst/>
+          </a:prstGeom>
+          <a:noFill/>
+        </p:spPr>
+        <p:txBody>
+          <a:bodyPr wrap="none" rtlCol="0">
+            <a:spAutoFit/>
+          </a:bodyPr>
+          <a:lstStyle/>
+          <a:p>
+            <a:r>
+              <a:rPr lang="en-US" dirty="0" smtClean="0">
+                <a:solidFill>
+                  <a:srgbClr val="000000"/>
+                </a:solidFill>
+                <a:latin typeface="Comic Sans MS" pitchFamily="66" charset="0"/>
+              </a:rPr>
+              <a:t>half adder</a:t>
+            </a:r>
+            <a:endParaRPr lang="en-US" dirty="0">
+              <a:solidFill>
+                <a:srgbClr val="000000"/>
+              </a:solidFill>
+              <a:latin typeface="Comic Sans MS" pitchFamily="66" charset="0"/>
+            </a:endParaRPr>
+          </a:p>
+        </p:txBody>
+      </p:sp>
+      <p:sp>
+        <p:nvSpPr>
+          <p:cNvPr id="17" name="TextBox 16"/>
+          <p:cNvSpPr txBox="1"/>
+          <p:nvPr/>
+        </p:nvSpPr>
+        <p:spPr>
+          <a:xfrm>
+            <a:off x="4572000" y="6306671"/>
+            <a:ext cx="4216219" cy="276999"/>
+          </a:xfrm>
+          <a:prstGeom prst="rect">
+            <a:avLst/>
+          </a:prstGeom>
+          <a:noFill/>
+        </p:spPr>
+        <p:txBody>
+          <a:bodyPr wrap="none" rtlCol="0">
+            <a:spAutoFit/>
+          </a:bodyPr>
+          <a:lstStyle/>
+          <a:p>
+            <a:r>
+              <a:rPr lang="en-US" sz="1200" dirty="0" smtClean="0">
+                <a:solidFill>
+                  <a:srgbClr val="000000"/>
+                </a:solidFill>
+              </a:rPr>
+              <a:t>from </a:t>
+            </a:r>
+            <a:r>
+              <a:rPr lang="en-US" sz="1000" dirty="0" smtClean="0">
+                <a:solidFill>
+                  <a:srgbClr val="000000"/>
+                </a:solidFill>
+                <a:latin typeface="Courier New" pitchFamily="49" charset="0"/>
+                <a:cs typeface="Courier New" pitchFamily="49" charset="0"/>
+              </a:rPr>
+              <a:t>http://en.wikipedia.org/wiki/Adder_(electronics)</a:t>
+            </a:r>
+            <a:endParaRPr lang="en-US" sz="1000" dirty="0">
+              <a:solidFill>
+                <a:srgbClr val="000000"/>
+              </a:solidFill>
+              <a:latin typeface="Courier New" pitchFamily="49" charset="0"/>
+              <a:cs typeface="Courier New" pitchFamily="49" charset="0"/>
+            </a:endParaRPr>
+          </a:p>
+        </p:txBody>
+      </p:sp>
+      <p:sp>
+        <p:nvSpPr>
+          <p:cNvPr id="10" name="Slide Number Placeholder 2"/>
+          <p:cNvSpPr>
+            <a:spLocks noGrp="1"/>
+          </p:cNvSpPr>
+          <p:nvPr>
+            <p:ph type="sldNum" sz="quarter" idx="10"/>
+          </p:nvPr>
+        </p:nvSpPr>
+        <p:spPr>
+          <a:xfrm>
+            <a:off x="7581930" y="6553200"/>
+            <a:ext cx="1562071" cy="276999"/>
+          </a:xfrm>
+          <a:noFill/>
+        </p:spPr>
+        <p:txBody>
+          <a:bodyPr/>
+          <a:lstStyle/>
+          <a:p>
+            <a:r>
+              <a:rPr lang="en-US" dirty="0" smtClean="0">
+                <a:solidFill>
+                  <a:srgbClr val="000000"/>
+                </a:solidFill>
+              </a:rPr>
+              <a:t>propositional ops.</a:t>
+            </a:r>
+            <a:fld id="{0150943C-9303-41DF-A6FA-7E32D6C5D18E}" type="slidenum">
+              <a:rPr lang="en-US" smtClean="0">
+                <a:solidFill>
+                  <a:srgbClr val="000000"/>
+                </a:solidFill>
+              </a:rPr>
+              <a:pPr/>
+              <a:t>11</a:t>
+            </a:fld>
+            <a:endParaRPr lang="en-US" dirty="0" smtClean="0">
+              <a:solidFill>
+                <a:srgbClr val="000000"/>
+              </a:solidFill>
+            </a:endParaRPr>
+          </a:p>
+        </p:txBody>
+      </p:sp>
+      <p:sp>
+        <p:nvSpPr>
+          <p:cNvPr id="13" name="Title 1"/>
+          <p:cNvSpPr>
+            <a:spLocks noGrp="1"/>
+          </p:cNvSpPr>
+          <p:nvPr>
+            <p:ph type="title"/>
+          </p:nvPr>
+        </p:nvSpPr>
+        <p:spPr>
+          <a:xfrm>
+            <a:off x="1678539" y="239328"/>
+            <a:ext cx="6785252" cy="1021487"/>
+          </a:xfrm>
+        </p:spPr>
+        <p:txBody>
+          <a:bodyPr/>
+          <a:lstStyle/>
+          <a:p>
+            <a:r>
+              <a:rPr lang="en-US" sz="4000" dirty="0" smtClean="0"/>
+              <a:t>Application:  Digital Logic</a:t>
+            </a:r>
+            <a:endParaRPr lang="en-US" sz="4000" dirty="0"/>
+          </a:p>
+        </p:txBody>
+      </p:sp>
+      <p:graphicFrame>
+        <p:nvGraphicFramePr>
+          <p:cNvPr id="9" name="Object 8"/>
+          <p:cNvGraphicFramePr>
+            <a:graphicFrameLocks noChangeAspect="1"/>
+          </p:cNvGraphicFramePr>
+          <p:nvPr>
+            <p:extLst>
+              <p:ext uri="{D42A27DB-BD31-4B8C-83A1-F6EECF244321}">
+                <p14:modId xmlns:p14="http://schemas.microsoft.com/office/powerpoint/2010/main" val="905005455"/>
+              </p:ext>
+            </p:extLst>
+          </p:nvPr>
+        </p:nvGraphicFramePr>
+        <p:xfrm>
+          <a:off x="2447925" y="1244600"/>
+          <a:ext cx="4300538" cy="1860550"/>
+        </p:xfrm>
+        <a:graphic>
+          <a:graphicData uri="http://schemas.openxmlformats.org/presentationml/2006/ole">
+            <mc:AlternateContent xmlns:mc="http://schemas.openxmlformats.org/markup-compatibility/2006">
+              <mc:Choice xmlns:v="urn:schemas-microsoft-com:vml" Requires="v">
+                <p:oleObj spid="_x0000_s240643" name="Equation" r:id="rId5" imgW="2349500" imgH="1016000" progId="Equation.DSMT4">
+                  <p:embed/>
+                </p:oleObj>
+              </mc:Choice>
+              <mc:Fallback>
+                <p:oleObj name="Equation" r:id="rId5" imgW="2349500" imgH="1016000" progId="Equation.DSMT4">
+                  <p:embed/>
+                  <p:pic>
+                    <p:nvPicPr>
+                      <p:cNvPr id="0" name=""/>
+                      <p:cNvPicPr>
+                        <a:picLocks noChangeAspect="1" noChangeArrowheads="1"/>
+                      </p:cNvPicPr>
+                      <p:nvPr/>
+                    </p:nvPicPr>
+                    <p:blipFill>
+                      <a:blip r:embed="rId6"/>
+                      <a:srcRect/>
+                      <a:stretch>
+                        <a:fillRect/>
+                      </a:stretch>
+                    </p:blipFill>
+                    <p:spPr bwMode="auto">
+                      <a:xfrm>
+                        <a:off x="2447925" y="1244600"/>
+                        <a:ext cx="4300538" cy="1860550"/>
+                      </a:xfrm>
+                      <a:prstGeom prst="rect">
+                        <a:avLst/>
+                      </a:prstGeom>
+                      <a:noFill/>
+                      <a:extLst>
+                        <a:ext uri="{909E8E84-426E-40dd-AFC4-6F175D3DCCD1}">
+                          <a14:hiddenFill xmlns:a14="http://schemas.microsoft.com/office/drawing/2010/main">
+                            <a:solidFill>
+                              <a:srgbClr val="FFFFFF"/>
+                            </a:solidFill>
+                          </a14:hiddenFill>
+                        </a:ext>
+                      </a:extLst>
+                    </p:spPr>
+                  </p:pic>
+                </p:oleObj>
+              </mc:Fallback>
+            </mc:AlternateContent>
+          </a:graphicData>
+        </a:graphic>
+      </p:graphicFrame>
+    </p:spTree>
+    <p:extLst>
+      <p:ext uri="{BB962C8B-B14F-4D97-AF65-F5344CB8AC3E}">
+        <p14:creationId xmlns:p14="http://schemas.microsoft.com/office/powerpoint/2010/main" val="2099275475"/>
+      </p:ext>
+    </p:extLst>
+  </p:cSld>
+  <p:clrMapOvr>
+    <a:masterClrMapping/>
+  </p:clrMapOvr>
+  <p:transition xmlns:p14="http://schemas.microsoft.com/office/powerpoint/2010/main" spd="slow" advClick="0">
+    <p:fade/>
+  </p:transition>
+  <p:timing>
+    <p:tnLst>
+      <p:par>
+        <p:cTn xmlns:p14="http://schemas.microsoft.com/office/powerpoint/2010/main" id="1" dur="indefinite" restart="never" nodeType="tmRoot"/>
+      </p:par>
+    </p:tnLst>
+  </p:timing>
+</p:sld>
+</file>
+
+<file path=ppt/slides/slide12.xml><?xml version="1.0" encoding="utf-8"?>
+<p:sld xmlns:a="http://schemas.openxmlformats.org/drawingml/2006/main" xmlns:r="http://schemas.openxmlformats.org/officeDocument/2006/relationships" xmlns:p="http://schemas.openxmlformats.org/presentationml/2006/main">
+  <p:cSld>
+    <p:spTree>
+      <p:nvGrpSpPr>
+        <p:cNvPr id="1" name=""/>
+        <p:cNvGrpSpPr/>
+        <p:nvPr/>
+      </p:nvGrpSpPr>
+      <p:grpSpPr>
+        <a:xfrm>
+          <a:off x="0" y="0"/>
+          <a:ext cx="0" cy="0"/>
+          <a:chOff x="0" y="0"/>
+          <a:chExt cx="0" cy="0"/>
+        </a:xfrm>
+      </p:grpSpPr>
+      <p:sp>
+        <p:nvSpPr>
+          <p:cNvPr id="8" name="Rectangle 7"/>
+          <p:cNvSpPr/>
+          <p:nvPr/>
+        </p:nvSpPr>
+        <p:spPr>
+          <a:xfrm>
+            <a:off x="4572000" y="3514170"/>
+            <a:ext cx="1317812" cy="1344705"/>
+          </a:xfrm>
+          <a:prstGeom prst="rect">
+            <a:avLst/>
+          </a:prstGeom>
+          <a:noFill/>
+          <a:ln>
+            <a:solidFill>
+              <a:schemeClr val="tx2"/>
+            </a:solidFill>
+            <a:prstDash val="sysDash"/>
+          </a:ln>
+        </p:spPr>
+        <p:style>
+          <a:lnRef idx="2">
+            <a:schemeClr val="accent1">
+              <a:shade val="50000"/>
+            </a:schemeClr>
+          </a:lnRef>
+          <a:fillRef idx="1">
+            <a:schemeClr val="accent1"/>
+          </a:fillRef>
+          <a:effectRef idx="0">
+            <a:schemeClr val="accent1"/>
+          </a:effectRef>
+          <a:fontRef idx="minor">
+            <a:schemeClr val="lt1"/>
+          </a:fontRef>
+        </p:style>
+        <p:txBody>
+          <a:bodyPr rtlCol="0" anchor="ctr"/>
+          <a:lstStyle/>
+          <a:p>
+            <a:endParaRPr lang="en-US" sz="2800">
+              <a:solidFill>
+                <a:srgbClr val="FFFFFF"/>
+              </a:solidFill>
+              <a:latin typeface="Times New Roman"/>
+            </a:endParaRPr>
+          </a:p>
+        </p:txBody>
+      </p:sp>
+      <p:grpSp>
+        <p:nvGrpSpPr>
+          <p:cNvPr id="2" name="Group 50"/>
+          <p:cNvGrpSpPr/>
+          <p:nvPr/>
+        </p:nvGrpSpPr>
+        <p:grpSpPr>
+          <a:xfrm>
+            <a:off x="914399" y="4007228"/>
+            <a:ext cx="2299448" cy="1358152"/>
+            <a:chOff x="914399" y="3872758"/>
+            <a:chExt cx="2299448" cy="1358152"/>
+          </a:xfrm>
+        </p:grpSpPr>
+        <p:sp>
+          <p:nvSpPr>
+            <p:cNvPr id="15" name="Rectangle 14"/>
+            <p:cNvSpPr/>
+            <p:nvPr/>
+          </p:nvSpPr>
+          <p:spPr>
+            <a:xfrm>
+              <a:off x="1896035" y="3886205"/>
+              <a:ext cx="1317812" cy="1344705"/>
+            </a:xfrm>
+            <a:prstGeom prst="rect">
+              <a:avLst/>
+            </a:prstGeom>
+            <a:noFill/>
+            <a:ln>
+              <a:solidFill>
+                <a:schemeClr val="tx2"/>
+              </a:solidFill>
+              <a:prstDash val="sysDash"/>
+            </a:ln>
+          </p:spPr>
+          <p:style>
+            <a:lnRef idx="2">
+              <a:schemeClr val="accent1">
+                <a:shade val="50000"/>
+              </a:schemeClr>
+            </a:lnRef>
+            <a:fillRef idx="1">
+              <a:schemeClr val="accent1"/>
+            </a:fillRef>
+            <a:effectRef idx="0">
+              <a:schemeClr val="accent1"/>
+            </a:effectRef>
+            <a:fontRef idx="minor">
+              <a:schemeClr val="lt1"/>
+            </a:fontRef>
+          </p:style>
+          <p:txBody>
+            <a:bodyPr rtlCol="0" anchor="ctr"/>
+            <a:lstStyle/>
+            <a:p>
+              <a:endParaRPr lang="en-US" sz="2800">
+                <a:solidFill>
+                  <a:srgbClr val="FFFFFF"/>
+                </a:solidFill>
+                <a:latin typeface="Times New Roman"/>
+              </a:endParaRPr>
+            </a:p>
+          </p:txBody>
+        </p:sp>
+        <p:grpSp>
+          <p:nvGrpSpPr>
+            <p:cNvPr id="3" name="Group 17"/>
+            <p:cNvGrpSpPr/>
+            <p:nvPr/>
+          </p:nvGrpSpPr>
+          <p:grpSpPr>
+            <a:xfrm>
+              <a:off x="914399" y="3872758"/>
+              <a:ext cx="968189" cy="523220"/>
+              <a:chOff x="914399" y="4975412"/>
+              <a:chExt cx="968189" cy="523220"/>
+            </a:xfrm>
+          </p:grpSpPr>
+          <p:cxnSp>
+            <p:nvCxnSpPr>
+              <p:cNvPr id="13" name="Straight Arrow Connector 12"/>
+              <p:cNvCxnSpPr/>
+              <p:nvPr/>
+            </p:nvCxnSpPr>
+            <p:spPr>
+              <a:xfrm>
+                <a:off x="1290918" y="5230906"/>
+                <a:ext cx="591670" cy="1588"/>
+              </a:xfrm>
+              <a:prstGeom prst="straightConnector1">
+                <a:avLst/>
+              </a:prstGeom>
+              <a:ln w="25400">
+                <a:solidFill>
+                  <a:schemeClr val="tx1"/>
+                </a:solidFill>
+                <a:tailEnd type="stealth" w="lg" len="lg"/>
+              </a:ln>
+            </p:spPr>
+            <p:style>
+              <a:lnRef idx="1">
+                <a:schemeClr val="accent1"/>
+              </a:lnRef>
+              <a:fillRef idx="0">
+                <a:schemeClr val="accent1"/>
+              </a:fillRef>
+              <a:effectRef idx="0">
+                <a:schemeClr val="accent1"/>
+              </a:effectRef>
+              <a:fontRef idx="minor">
+                <a:schemeClr val="tx1"/>
+              </a:fontRef>
+            </p:style>
+          </p:cxnSp>
+          <p:sp>
+            <p:nvSpPr>
+              <p:cNvPr id="17" name="TextBox 16"/>
+              <p:cNvSpPr txBox="1"/>
+              <p:nvPr/>
+            </p:nvSpPr>
+            <p:spPr>
+              <a:xfrm>
+                <a:off x="914399" y="4975412"/>
+                <a:ext cx="447558" cy="523220"/>
+              </a:xfrm>
+              <a:prstGeom prst="rect">
+                <a:avLst/>
+              </a:prstGeom>
+              <a:noFill/>
+            </p:spPr>
+            <p:txBody>
+              <a:bodyPr wrap="none" rtlCol="0">
+                <a:spAutoFit/>
+              </a:bodyPr>
+              <a:lstStyle/>
+              <a:p>
+                <a:r>
+                  <a:rPr lang="en-US" sz="2800" dirty="0" smtClean="0">
+                    <a:solidFill>
+                      <a:srgbClr val="000000"/>
+                    </a:solidFill>
+                    <a:latin typeface="Comic Sans MS" pitchFamily="66" charset="0"/>
+                  </a:rPr>
+                  <a:t>A</a:t>
+                </a:r>
+                <a:endParaRPr lang="en-US" sz="2800" dirty="0">
+                  <a:solidFill>
+                    <a:srgbClr val="000000"/>
+                  </a:solidFill>
+                  <a:latin typeface="Comic Sans MS" pitchFamily="66" charset="0"/>
+                </a:endParaRPr>
+              </a:p>
+            </p:txBody>
+          </p:sp>
+        </p:grpSp>
+        <p:grpSp>
+          <p:nvGrpSpPr>
+            <p:cNvPr id="4" name="Group 18"/>
+            <p:cNvGrpSpPr/>
+            <p:nvPr/>
+          </p:nvGrpSpPr>
+          <p:grpSpPr>
+            <a:xfrm>
+              <a:off x="918882" y="4616829"/>
+              <a:ext cx="968189" cy="523220"/>
+              <a:chOff x="914399" y="4988859"/>
+              <a:chExt cx="968189" cy="523220"/>
+            </a:xfrm>
+          </p:grpSpPr>
+          <p:cxnSp>
+            <p:nvCxnSpPr>
+              <p:cNvPr id="20" name="Straight Arrow Connector 19"/>
+              <p:cNvCxnSpPr/>
+              <p:nvPr/>
+            </p:nvCxnSpPr>
+            <p:spPr>
+              <a:xfrm>
+                <a:off x="1290918" y="5230906"/>
+                <a:ext cx="591670" cy="1588"/>
+              </a:xfrm>
+              <a:prstGeom prst="straightConnector1">
+                <a:avLst/>
+              </a:prstGeom>
+              <a:ln w="25400">
+                <a:solidFill>
+                  <a:schemeClr val="tx1"/>
+                </a:solidFill>
+                <a:tailEnd type="stealth" w="lg" len="lg"/>
+              </a:ln>
+            </p:spPr>
+            <p:style>
+              <a:lnRef idx="1">
+                <a:schemeClr val="accent1"/>
+              </a:lnRef>
+              <a:fillRef idx="0">
+                <a:schemeClr val="accent1"/>
+              </a:fillRef>
+              <a:effectRef idx="0">
+                <a:schemeClr val="accent1"/>
+              </a:effectRef>
+              <a:fontRef idx="minor">
+                <a:schemeClr val="tx1"/>
+              </a:fontRef>
+            </p:style>
+          </p:cxnSp>
+          <p:sp>
+            <p:nvSpPr>
+              <p:cNvPr id="21" name="TextBox 20"/>
+              <p:cNvSpPr txBox="1"/>
+              <p:nvPr/>
+            </p:nvSpPr>
+            <p:spPr>
+              <a:xfrm>
+                <a:off x="914399" y="4988859"/>
+                <a:ext cx="410690" cy="523220"/>
+              </a:xfrm>
+              <a:prstGeom prst="rect">
+                <a:avLst/>
+              </a:prstGeom>
+              <a:noFill/>
+            </p:spPr>
+            <p:txBody>
+              <a:bodyPr wrap="none" rtlCol="0">
+                <a:spAutoFit/>
+              </a:bodyPr>
+              <a:lstStyle/>
+              <a:p>
+                <a:r>
+                  <a:rPr lang="en-US" sz="2800" dirty="0" smtClean="0">
+                    <a:solidFill>
+                      <a:srgbClr val="000000"/>
+                    </a:solidFill>
+                    <a:latin typeface="Comic Sans MS" pitchFamily="66" charset="0"/>
+                  </a:rPr>
+                  <a:t>B</a:t>
+                </a:r>
+                <a:endParaRPr lang="en-US" sz="2800" dirty="0">
+                  <a:solidFill>
+                    <a:srgbClr val="000000"/>
+                  </a:solidFill>
+                  <a:latin typeface="Comic Sans MS" pitchFamily="66" charset="0"/>
+                </a:endParaRPr>
+              </a:p>
+            </p:txBody>
+          </p:sp>
+        </p:grpSp>
+      </p:grpSp>
+      <p:grpSp>
+        <p:nvGrpSpPr>
+          <p:cNvPr id="5" name="Group 21"/>
+          <p:cNvGrpSpPr/>
+          <p:nvPr/>
+        </p:nvGrpSpPr>
+        <p:grpSpPr>
+          <a:xfrm>
+            <a:off x="3546659" y="3444412"/>
+            <a:ext cx="1025341" cy="584775"/>
+            <a:chOff x="857247" y="4945995"/>
+            <a:chExt cx="1025341" cy="584775"/>
+          </a:xfrm>
+        </p:grpSpPr>
+        <p:cxnSp>
+          <p:nvCxnSpPr>
+            <p:cNvPr id="23" name="Straight Arrow Connector 22"/>
+            <p:cNvCxnSpPr/>
+            <p:nvPr/>
+          </p:nvCxnSpPr>
+          <p:spPr>
+            <a:xfrm>
+              <a:off x="1290918" y="5230906"/>
+              <a:ext cx="591670" cy="1588"/>
+            </a:xfrm>
+            <a:prstGeom prst="straightConnector1">
+              <a:avLst/>
+            </a:prstGeom>
+            <a:ln w="25400">
+              <a:solidFill>
+                <a:schemeClr val="tx1"/>
+              </a:solidFill>
+              <a:tailEnd type="stealth" w="lg" len="lg"/>
+            </a:ln>
+          </p:spPr>
+          <p:style>
+            <a:lnRef idx="1">
+              <a:schemeClr val="accent1"/>
+            </a:lnRef>
+            <a:fillRef idx="0">
+              <a:schemeClr val="accent1"/>
+            </a:fillRef>
+            <a:effectRef idx="0">
+              <a:schemeClr val="accent1"/>
+            </a:effectRef>
+            <a:fontRef idx="minor">
+              <a:schemeClr val="tx1"/>
+            </a:fontRef>
+          </p:style>
+        </p:cxnSp>
+        <p:sp>
+          <p:nvSpPr>
+            <p:cNvPr id="24" name="TextBox 23"/>
+            <p:cNvSpPr txBox="1"/>
+            <p:nvPr/>
+          </p:nvSpPr>
+          <p:spPr>
+            <a:xfrm>
+              <a:off x="857247" y="4945995"/>
+              <a:ext cx="615874" cy="584775"/>
+            </a:xfrm>
+            <a:prstGeom prst="rect">
+              <a:avLst/>
+            </a:prstGeom>
+            <a:noFill/>
+          </p:spPr>
+          <p:txBody>
+            <a:bodyPr wrap="none" rtlCol="0">
+              <a:spAutoFit/>
+            </a:bodyPr>
+            <a:lstStyle/>
+            <a:p>
+              <a:r>
+                <a:rPr lang="en-US" dirty="0" err="1" smtClean="0">
+                  <a:solidFill>
+                    <a:srgbClr val="000000"/>
+                  </a:solidFill>
+                  <a:latin typeface="Comic Sans MS" pitchFamily="66" charset="0"/>
+                </a:rPr>
+                <a:t>c</a:t>
+              </a:r>
+              <a:r>
+                <a:rPr lang="en-US" baseline="-25000" dirty="0" err="1" smtClean="0">
+                  <a:solidFill>
+                    <a:srgbClr val="000000"/>
+                  </a:solidFill>
+                  <a:latin typeface="Comic Sans MS" pitchFamily="66" charset="0"/>
+                </a:rPr>
+                <a:t>in</a:t>
+              </a:r>
+              <a:endParaRPr lang="en-US" baseline="-25000" dirty="0">
+                <a:solidFill>
+                  <a:srgbClr val="000000"/>
+                </a:solidFill>
+                <a:latin typeface="Comic Sans MS" pitchFamily="66" charset="0"/>
+              </a:endParaRPr>
+            </a:p>
+          </p:txBody>
+        </p:sp>
+      </p:grpSp>
+      <p:cxnSp>
+        <p:nvCxnSpPr>
+          <p:cNvPr id="27" name="Elbow Connector 26"/>
+          <p:cNvCxnSpPr/>
+          <p:nvPr/>
+        </p:nvCxnSpPr>
+        <p:spPr>
+          <a:xfrm flipV="1">
+            <a:off x="3200400" y="4262718"/>
+            <a:ext cx="3711388" cy="847170"/>
+          </a:xfrm>
+          <a:prstGeom prst="bentConnector3">
+            <a:avLst>
+              <a:gd name="adj1" fmla="val 91576"/>
+            </a:avLst>
+          </a:prstGeom>
+          <a:ln w="25400">
+            <a:solidFill>
+              <a:schemeClr val="tx1"/>
+            </a:solidFill>
+            <a:tailEnd type="stealth" w="lg" len="lg"/>
+          </a:ln>
+        </p:spPr>
+        <p:style>
+          <a:lnRef idx="1">
+            <a:schemeClr val="accent1"/>
+          </a:lnRef>
+          <a:fillRef idx="0">
+            <a:schemeClr val="accent1"/>
+          </a:fillRef>
+          <a:effectRef idx="0">
+            <a:schemeClr val="accent1"/>
+          </a:effectRef>
+          <a:fontRef idx="minor">
+            <a:schemeClr val="tx1"/>
+          </a:fontRef>
+        </p:style>
+      </p:cxnSp>
+      <p:cxnSp>
+        <p:nvCxnSpPr>
+          <p:cNvPr id="30" name="Elbow Connector 29"/>
+          <p:cNvCxnSpPr/>
+          <p:nvPr/>
+        </p:nvCxnSpPr>
+        <p:spPr>
+          <a:xfrm flipV="1">
+            <a:off x="5921188" y="3886200"/>
+            <a:ext cx="963706" cy="784416"/>
+          </a:xfrm>
+          <a:prstGeom prst="bentConnector3">
+            <a:avLst>
+              <a:gd name="adj1" fmla="val 50000"/>
+            </a:avLst>
+          </a:prstGeom>
+          <a:ln w="25400">
+            <a:solidFill>
+              <a:schemeClr val="tx1"/>
+            </a:solidFill>
+            <a:tailEnd type="stealth" w="lg" len="lg"/>
+          </a:ln>
+        </p:spPr>
+        <p:style>
+          <a:lnRef idx="1">
+            <a:schemeClr val="accent1"/>
+          </a:lnRef>
+          <a:fillRef idx="0">
+            <a:schemeClr val="accent1"/>
+          </a:fillRef>
+          <a:effectRef idx="0">
+            <a:schemeClr val="accent1"/>
+          </a:effectRef>
+          <a:fontRef idx="minor">
+            <a:schemeClr val="tx1"/>
+          </a:fontRef>
+        </p:style>
+      </p:cxnSp>
+      <p:cxnSp>
+        <p:nvCxnSpPr>
+          <p:cNvPr id="33" name="Elbow Connector 32"/>
+          <p:cNvCxnSpPr/>
+          <p:nvPr/>
+        </p:nvCxnSpPr>
+        <p:spPr>
+          <a:xfrm flipV="1">
+            <a:off x="5934635" y="3267640"/>
+            <a:ext cx="2066365" cy="515471"/>
+          </a:xfrm>
+          <a:prstGeom prst="bentConnector3">
+            <a:avLst>
+              <a:gd name="adj1" fmla="val 7701"/>
+            </a:avLst>
+          </a:prstGeom>
+          <a:ln w="25400">
+            <a:solidFill>
+              <a:schemeClr val="tx1"/>
+            </a:solidFill>
+            <a:tailEnd type="stealth" w="lg" len="lg"/>
+          </a:ln>
+        </p:spPr>
+        <p:style>
+          <a:lnRef idx="1">
+            <a:schemeClr val="accent1"/>
+          </a:lnRef>
+          <a:fillRef idx="0">
+            <a:schemeClr val="accent1"/>
+          </a:fillRef>
+          <a:effectRef idx="0">
+            <a:schemeClr val="accent1"/>
+          </a:effectRef>
+          <a:fontRef idx="minor">
+            <a:schemeClr val="tx1"/>
+          </a:fontRef>
+        </p:style>
+      </p:cxnSp>
+      <p:sp>
+        <p:nvSpPr>
+          <p:cNvPr id="39" name="TextBox 38"/>
+          <p:cNvSpPr txBox="1"/>
+          <p:nvPr/>
+        </p:nvSpPr>
+        <p:spPr>
+          <a:xfrm>
+            <a:off x="8001000" y="2998699"/>
+            <a:ext cx="425116" cy="584775"/>
+          </a:xfrm>
+          <a:prstGeom prst="rect">
+            <a:avLst/>
+          </a:prstGeom>
+          <a:noFill/>
+        </p:spPr>
+        <p:txBody>
+          <a:bodyPr wrap="none" rtlCol="0">
+            <a:spAutoFit/>
+          </a:bodyPr>
+          <a:lstStyle/>
+          <a:p>
+            <a:r>
+              <a:rPr lang="en-US" dirty="0" smtClean="0">
+                <a:solidFill>
+                  <a:srgbClr val="000000"/>
+                </a:solidFill>
+                <a:latin typeface="Comic Sans MS" pitchFamily="66" charset="0"/>
+              </a:rPr>
+              <a:t>d</a:t>
+            </a:r>
+            <a:endParaRPr lang="en-US" dirty="0">
+              <a:solidFill>
+                <a:srgbClr val="000000"/>
+              </a:solidFill>
+              <a:latin typeface="Comic Sans MS" pitchFamily="66" charset="0"/>
+            </a:endParaRPr>
+          </a:p>
+        </p:txBody>
+      </p:sp>
+      <p:sp>
+        <p:nvSpPr>
+          <p:cNvPr id="40" name="TextBox 39"/>
+          <p:cNvSpPr txBox="1"/>
+          <p:nvPr/>
+        </p:nvSpPr>
+        <p:spPr>
+          <a:xfrm rot="10800000" flipV="1">
+            <a:off x="8032373" y="3777688"/>
+            <a:ext cx="854452" cy="594286"/>
+          </a:xfrm>
+          <a:prstGeom prst="rect">
+            <a:avLst/>
+          </a:prstGeom>
+          <a:noFill/>
+        </p:spPr>
+        <p:txBody>
+          <a:bodyPr wrap="square" rtlCol="0">
+            <a:spAutoFit/>
+          </a:bodyPr>
+          <a:lstStyle/>
+          <a:p>
+            <a:r>
+              <a:rPr lang="en-US" dirty="0" err="1" smtClean="0">
+                <a:solidFill>
+                  <a:srgbClr val="000000"/>
+                </a:solidFill>
+                <a:latin typeface="Comic Sans MS" pitchFamily="66" charset="0"/>
+              </a:rPr>
+              <a:t>c</a:t>
+            </a:r>
+            <a:r>
+              <a:rPr lang="en-US" baseline="-25000" dirty="0" err="1" smtClean="0">
+                <a:solidFill>
+                  <a:srgbClr val="000000"/>
+                </a:solidFill>
+                <a:latin typeface="Comic Sans MS" pitchFamily="66" charset="0"/>
+              </a:rPr>
+              <a:t>out</a:t>
+            </a:r>
+            <a:endParaRPr lang="en-US" baseline="-25000" dirty="0">
+              <a:solidFill>
+                <a:srgbClr val="000000"/>
+              </a:solidFill>
+              <a:latin typeface="Comic Sans MS" pitchFamily="66" charset="0"/>
+            </a:endParaRPr>
+          </a:p>
+        </p:txBody>
+      </p:sp>
+      <p:sp>
+        <p:nvSpPr>
+          <p:cNvPr id="42" name="Flowchart: Stored Data 41"/>
+          <p:cNvSpPr/>
+          <p:nvPr/>
+        </p:nvSpPr>
+        <p:spPr>
+          <a:xfrm rot="10800000">
+            <a:off x="6844553" y="3751733"/>
+            <a:ext cx="793376" cy="658902"/>
+          </a:xfrm>
+          <a:prstGeom prst="flowChartOnlineStorage">
+            <a:avLst/>
+          </a:prstGeom>
+          <a:noFill/>
+          <a:ln>
+            <a:solidFill>
+              <a:schemeClr val="tx1"/>
+            </a:solidFill>
+          </a:ln>
+        </p:spPr>
+        <p:style>
+          <a:lnRef idx="2">
+            <a:schemeClr val="accent1">
+              <a:shade val="50000"/>
+            </a:schemeClr>
+          </a:lnRef>
+          <a:fillRef idx="1">
+            <a:schemeClr val="accent1"/>
+          </a:fillRef>
+          <a:effectRef idx="0">
+            <a:schemeClr val="accent1"/>
+          </a:effectRef>
+          <a:fontRef idx="minor">
+            <a:schemeClr val="lt1"/>
+          </a:fontRef>
+        </p:style>
+        <p:txBody>
+          <a:bodyPr rtlCol="0" anchor="ctr"/>
+          <a:lstStyle/>
+          <a:p>
+            <a:endParaRPr lang="en-US" sz="2800">
+              <a:solidFill>
+                <a:srgbClr val="FFFFFF"/>
+              </a:solidFill>
+              <a:latin typeface="Times New Roman"/>
+            </a:endParaRPr>
+          </a:p>
+        </p:txBody>
+      </p:sp>
+      <p:cxnSp>
+        <p:nvCxnSpPr>
+          <p:cNvPr id="44" name="Straight Arrow Connector 43"/>
+          <p:cNvCxnSpPr>
+            <a:stCxn id="42" idx="1"/>
+            <a:endCxn id="40" idx="3"/>
+          </p:cNvCxnSpPr>
+          <p:nvPr/>
+        </p:nvCxnSpPr>
+        <p:spPr>
+          <a:xfrm flipV="1">
+            <a:off x="7637929" y="4074831"/>
+            <a:ext cx="394444" cy="6353"/>
+          </a:xfrm>
+          <a:prstGeom prst="straightConnector1">
+            <a:avLst/>
+          </a:prstGeom>
+          <a:ln w="25400">
+            <a:solidFill>
+              <a:schemeClr val="tx1"/>
+            </a:solidFill>
+            <a:tailEnd type="stealth" w="lg" len="lg"/>
+          </a:ln>
+        </p:spPr>
+        <p:style>
+          <a:lnRef idx="1">
+            <a:schemeClr val="accent1"/>
+          </a:lnRef>
+          <a:fillRef idx="0">
+            <a:schemeClr val="accent1"/>
+          </a:fillRef>
+          <a:effectRef idx="0">
+            <a:schemeClr val="accent1"/>
+          </a:effectRef>
+          <a:fontRef idx="minor">
+            <a:schemeClr val="tx1"/>
+          </a:fontRef>
+        </p:style>
+      </p:cxnSp>
+      <p:sp>
+        <p:nvSpPr>
+          <p:cNvPr id="47" name="TextBox 46"/>
+          <p:cNvSpPr txBox="1"/>
+          <p:nvPr/>
+        </p:nvSpPr>
+        <p:spPr>
+          <a:xfrm>
+            <a:off x="3477790" y="5782235"/>
+            <a:ext cx="2066591" cy="584775"/>
+          </a:xfrm>
+          <a:prstGeom prst="rect">
+            <a:avLst/>
+          </a:prstGeom>
+          <a:noFill/>
+        </p:spPr>
+        <p:txBody>
+          <a:bodyPr wrap="none" rtlCol="0">
+            <a:spAutoFit/>
+          </a:bodyPr>
+          <a:lstStyle/>
+          <a:p>
+            <a:r>
+              <a:rPr lang="en-US" dirty="0" smtClean="0">
+                <a:solidFill>
+                  <a:srgbClr val="000000"/>
+                </a:solidFill>
+                <a:latin typeface="Comic Sans MS" pitchFamily="66" charset="0"/>
+              </a:rPr>
+              <a:t>full adder</a:t>
+            </a:r>
+            <a:endParaRPr lang="en-US" dirty="0">
+              <a:solidFill>
+                <a:srgbClr val="000000"/>
+              </a:solidFill>
+              <a:latin typeface="Comic Sans MS" pitchFamily="66" charset="0"/>
+            </a:endParaRPr>
+          </a:p>
+        </p:txBody>
+      </p:sp>
+      <p:cxnSp>
+        <p:nvCxnSpPr>
+          <p:cNvPr id="55" name="Straight Arrow Connector 54"/>
+          <p:cNvCxnSpPr/>
+          <p:nvPr/>
+        </p:nvCxnSpPr>
+        <p:spPr>
+          <a:xfrm>
+            <a:off x="3213847" y="4410635"/>
+            <a:ext cx="1358153" cy="1588"/>
+          </a:xfrm>
+          <a:prstGeom prst="straightConnector1">
+            <a:avLst/>
+          </a:prstGeom>
+          <a:ln w="25400">
+            <a:solidFill>
+              <a:schemeClr val="tx1"/>
+            </a:solidFill>
+            <a:tailEnd type="stealth" w="lg" len="lg"/>
+          </a:ln>
+        </p:spPr>
+        <p:style>
+          <a:lnRef idx="1">
+            <a:schemeClr val="accent1"/>
+          </a:lnRef>
+          <a:fillRef idx="0">
+            <a:schemeClr val="accent1"/>
+          </a:fillRef>
+          <a:effectRef idx="0">
+            <a:schemeClr val="accent1"/>
+          </a:effectRef>
+          <a:fontRef idx="minor">
+            <a:schemeClr val="tx1"/>
+          </a:fontRef>
+        </p:style>
+      </p:cxnSp>
+      <p:sp>
+        <p:nvSpPr>
+          <p:cNvPr id="28" name="TextBox 27"/>
+          <p:cNvSpPr txBox="1"/>
+          <p:nvPr/>
+        </p:nvSpPr>
+        <p:spPr>
+          <a:xfrm rot="10800000" flipV="1">
+            <a:off x="3755655" y="4301985"/>
+            <a:ext cx="444869" cy="584775"/>
+          </a:xfrm>
+          <a:prstGeom prst="rect">
+            <a:avLst/>
+          </a:prstGeom>
+          <a:noFill/>
+        </p:spPr>
+        <p:txBody>
+          <a:bodyPr wrap="square" rtlCol="0">
+            <a:spAutoFit/>
+          </a:bodyPr>
+          <a:lstStyle/>
+          <a:p>
+            <a:r>
+              <a:rPr lang="en-US" dirty="0" smtClean="0">
+                <a:solidFill>
+                  <a:srgbClr val="000000"/>
+                </a:solidFill>
+                <a:latin typeface="Comic Sans MS" pitchFamily="66" charset="0"/>
+              </a:rPr>
+              <a:t>s</a:t>
+            </a:r>
+            <a:endParaRPr lang="en-US" baseline="-25000" dirty="0">
+              <a:solidFill>
+                <a:srgbClr val="000000"/>
+              </a:solidFill>
+              <a:latin typeface="Comic Sans MS" pitchFamily="66" charset="0"/>
+            </a:endParaRPr>
+          </a:p>
+        </p:txBody>
+      </p:sp>
+      <p:sp>
+        <p:nvSpPr>
+          <p:cNvPr id="29" name="TextBox 28"/>
+          <p:cNvSpPr txBox="1"/>
+          <p:nvPr/>
+        </p:nvSpPr>
+        <p:spPr>
+          <a:xfrm rot="10800000" flipV="1">
+            <a:off x="3779469" y="4989570"/>
+            <a:ext cx="444876" cy="584775"/>
+          </a:xfrm>
+          <a:prstGeom prst="rect">
+            <a:avLst/>
+          </a:prstGeom>
+          <a:noFill/>
+        </p:spPr>
+        <p:txBody>
+          <a:bodyPr wrap="square" rtlCol="0">
+            <a:spAutoFit/>
+          </a:bodyPr>
+          <a:lstStyle/>
+          <a:p>
+            <a:r>
+              <a:rPr lang="en-US" dirty="0" smtClean="0">
+                <a:solidFill>
+                  <a:srgbClr val="000000"/>
+                </a:solidFill>
+                <a:latin typeface="Comic Sans MS" pitchFamily="66" charset="0"/>
+              </a:rPr>
+              <a:t>c</a:t>
+            </a:r>
+            <a:endParaRPr lang="en-US" baseline="-25000" dirty="0">
+              <a:solidFill>
+                <a:srgbClr val="000000"/>
+              </a:solidFill>
+              <a:latin typeface="Comic Sans MS" pitchFamily="66" charset="0"/>
+            </a:endParaRPr>
+          </a:p>
+        </p:txBody>
+      </p:sp>
+      <p:sp>
+        <p:nvSpPr>
+          <p:cNvPr id="31" name="Slide Number Placeholder 2"/>
+          <p:cNvSpPr txBox="1">
+            <a:spLocks/>
+          </p:cNvSpPr>
+          <p:nvPr/>
+        </p:nvSpPr>
+        <p:spPr bwMode="auto">
+          <a:xfrm>
+            <a:off x="7502691" y="6540057"/>
+            <a:ext cx="1586717" cy="276999"/>
+          </a:xfrm>
+          <a:prstGeom prst="rect">
+            <a:avLst/>
+          </a:prstGeom>
+          <a:noFill/>
+          <a:ln w="9525">
+            <a:noFill/>
+            <a:miter lim="800000"/>
+            <a:headEnd/>
+            <a:tailEnd/>
+          </a:ln>
+          <a:effectLst/>
+        </p:spPr>
+        <p:txBody>
+          <a:bodyPr vert="horz" wrap="none" lIns="91440" tIns="45720" rIns="91440" bIns="45720" numCol="1" anchor="t" anchorCtr="0" compatLnSpc="1">
+            <a:prstTxWarp prst="textNoShape">
+              <a:avLst/>
+            </a:prstTxWarp>
+            <a:spAutoFit/>
+          </a:bodyPr>
+          <a:lstStyle/>
+          <a:p>
+            <a:pPr algn="r">
+              <a:defRPr/>
+            </a:pPr>
+            <a:r>
+              <a:rPr lang="en-US" sz="1200" dirty="0" smtClean="0">
+                <a:solidFill>
+                  <a:srgbClr val="000000"/>
+                </a:solidFill>
+                <a:latin typeface="Comic Sans MS" pitchFamily="66" charset="0"/>
+              </a:rPr>
+              <a:t>propositional ops.</a:t>
+            </a:r>
+            <a:fld id="{0150943C-9303-41DF-A6FA-7E32D6C5D18E}" type="slidenum">
+              <a:rPr lang="en-US" sz="1200" smtClean="0">
+                <a:solidFill>
+                  <a:srgbClr val="000000"/>
+                </a:solidFill>
+                <a:latin typeface="Comic Sans MS" pitchFamily="66" charset="0"/>
+              </a:rPr>
+              <a:pPr algn="r">
+                <a:defRPr/>
+              </a:pPr>
+              <a:t>12</a:t>
+            </a:fld>
+            <a:endParaRPr lang="en-US" sz="1200" dirty="0" smtClean="0">
+              <a:solidFill>
+                <a:srgbClr val="000000"/>
+              </a:solidFill>
+              <a:latin typeface="Comic Sans MS" pitchFamily="66" charset="0"/>
+            </a:endParaRPr>
+          </a:p>
+        </p:txBody>
+      </p:sp>
+      <p:sp>
+        <p:nvSpPr>
+          <p:cNvPr id="35" name="Title 1"/>
+          <p:cNvSpPr>
+            <a:spLocks noGrp="1"/>
+          </p:cNvSpPr>
+          <p:nvPr>
+            <p:ph type="title"/>
+          </p:nvPr>
+        </p:nvSpPr>
+        <p:spPr>
+          <a:xfrm>
+            <a:off x="2401623" y="276412"/>
+            <a:ext cx="4354015" cy="951886"/>
+          </a:xfrm>
+        </p:spPr>
+        <p:txBody>
+          <a:bodyPr/>
+          <a:lstStyle/>
+          <a:p>
+            <a:r>
+              <a:rPr lang="en-US" sz="4000" dirty="0" smtClean="0"/>
+              <a:t>Digital Logic</a:t>
+            </a:r>
+            <a:endParaRPr lang="en-US" sz="4000" dirty="0"/>
+          </a:p>
+        </p:txBody>
+      </p:sp>
+      <p:graphicFrame>
+        <p:nvGraphicFramePr>
+          <p:cNvPr id="32" name="Object 31"/>
+          <p:cNvGraphicFramePr>
+            <a:graphicFrameLocks noChangeAspect="1"/>
+          </p:cNvGraphicFramePr>
+          <p:nvPr>
+            <p:extLst>
+              <p:ext uri="{D42A27DB-BD31-4B8C-83A1-F6EECF244321}">
+                <p14:modId xmlns:p14="http://schemas.microsoft.com/office/powerpoint/2010/main" val="2049086165"/>
+              </p:ext>
+            </p:extLst>
+          </p:nvPr>
+        </p:nvGraphicFramePr>
+        <p:xfrm>
+          <a:off x="1941513" y="1076325"/>
+          <a:ext cx="5303837" cy="1814513"/>
+        </p:xfrm>
+        <a:graphic>
+          <a:graphicData uri="http://schemas.openxmlformats.org/presentationml/2006/ole">
+            <mc:AlternateContent xmlns:mc="http://schemas.openxmlformats.org/markup-compatibility/2006">
+              <mc:Choice xmlns:v="urn:schemas-microsoft-com:vml" Requires="v">
+                <p:oleObj spid="_x0000_s241667" name="Equation" r:id="rId4" imgW="3784600" imgH="1295400" progId="Equation.DSMT4">
+                  <p:embed/>
+                </p:oleObj>
+              </mc:Choice>
+              <mc:Fallback>
+                <p:oleObj name="Equation" r:id="rId4" imgW="3784600" imgH="1295400" progId="Equation.DSMT4">
+                  <p:embed/>
+                  <p:pic>
+                    <p:nvPicPr>
+                      <p:cNvPr id="0" name=""/>
+                      <p:cNvPicPr>
+                        <a:picLocks noChangeAspect="1" noChangeArrowheads="1"/>
+                      </p:cNvPicPr>
+                      <p:nvPr/>
+                    </p:nvPicPr>
+                    <p:blipFill>
+                      <a:blip r:embed="rId5"/>
+                      <a:srcRect/>
+                      <a:stretch>
+                        <a:fillRect/>
+                      </a:stretch>
+                    </p:blipFill>
+                    <p:spPr bwMode="auto">
+                      <a:xfrm>
+                        <a:off x="1941513" y="1076325"/>
+                        <a:ext cx="5303837" cy="1814513"/>
+                      </a:xfrm>
+                      <a:prstGeom prst="rect">
+                        <a:avLst/>
+                      </a:prstGeom>
+                      <a:noFill/>
+                      <a:extLst>
+                        <a:ext uri="{909E8E84-426E-40dd-AFC4-6F175D3DCCD1}">
+                          <a14:hiddenFill xmlns:a14="http://schemas.microsoft.com/office/drawing/2010/main">
+                            <a:solidFill>
+                              <a:srgbClr val="FFFFFF"/>
+                            </a:solidFill>
+                          </a14:hiddenFill>
+                        </a:ext>
+                      </a:extLst>
+                    </p:spPr>
+                  </p:pic>
+                </p:oleObj>
+              </mc:Fallback>
+            </mc:AlternateContent>
+          </a:graphicData>
+        </a:graphic>
+      </p:graphicFrame>
+    </p:spTree>
+    <p:extLst>
+      <p:ext uri="{BB962C8B-B14F-4D97-AF65-F5344CB8AC3E}">
+        <p14:creationId xmlns:p14="http://schemas.microsoft.com/office/powerpoint/2010/main" val="1660427188"/>
+      </p:ext>
+    </p:extLst>
+  </p:cSld>
+  <p:clrMapOvr>
+    <a:masterClrMapping/>
+  </p:clrMapOvr>
+  <p:transition xmlns:p14="http://schemas.microsoft.com/office/powerpoint/2010/main" spd="slow" advClick="0">
+    <p:fade/>
+  </p:transition>
   <p:timing>
     <p:tnLst>
       <p:par>
@@ -6685,8 +10970,8 @@
         </p:nvSpPr>
         <p:spPr>
           <a:xfrm>
-            <a:off x="7407678" y="6553200"/>
-            <a:ext cx="1736323" cy="276999"/>
+            <a:off x="7626563" y="6553200"/>
+            <a:ext cx="1517438" cy="276999"/>
           </a:xfrm>
         </p:spPr>
         <p:txBody>
@@ -6695,7 +10980,7 @@
           <a:p>
             <a:r>
               <a:rPr lang="en-US" dirty="0" smtClean="0"/>
-              <a:t>propositional logic I.</a:t>
+              <a:t>propositional ops.</a:t>
             </a:r>
             <a:fld id="{3251DA95-B240-47FE-901D-B78FC8E8E532}" type="slidenum">
               <a:rPr lang="en-US" smtClean="0"/>
@@ -6984,13 +11269,13 @@
   <p:clrMapOvr>
     <a:masterClrMapping/>
   </p:clrMapOvr>
-  <mc:AlternateContent xmlns:mc="http://schemas.openxmlformats.org/markup-compatibility/2006">
-    <mc:Choice xmlns:p14="http://schemas.microsoft.com/office/powerpoint/2010/main" Requires="p14">
+  <mc:AlternateContent xmlns:mc="http://schemas.openxmlformats.org/markup-compatibility/2006" xmlns:p14="http://schemas.microsoft.com/office/powerpoint/2010/main">
+    <mc:Choice Requires="p14">
       <p:transition spd="slow" p14:dur="800" advClick="0">
         <p:fade thruBlk="1"/>
       </p:transition>
     </mc:Choice>
-    <mc:Fallback>
+    <mc:Fallback xmlns="">
       <p:transition xmlns:p14="http://schemas.microsoft.com/office/powerpoint/2010/main" spd="slow" advClick="0">
         <p:fade thruBlk="1"/>
       </p:transition>
@@ -7510,7 +11795,7 @@
           <a:graphicData uri="http://schemas.openxmlformats.org/presentationml/2006/ole">
             <mc:AlternateContent xmlns:mc="http://schemas.openxmlformats.org/markup-compatibility/2006">
               <mc:Choice xmlns:v="urn:schemas-microsoft-com:vml" Requires="v">
-                <p:oleObj spid="_x0000_s236665" name="Equation" r:id="rId5" imgW="1346040" imgH="215640" progId="Equation.DSMT4">
+                <p:oleObj spid="_x0000_s236675" name="Equation" r:id="rId5" imgW="1346040" imgH="215640" progId="Equation.DSMT4">
                   <p:embed/>
                 </p:oleObj>
               </mc:Choice>
@@ -7580,7 +11865,7 @@
           <a:graphicData uri="http://schemas.openxmlformats.org/presentationml/2006/ole">
             <mc:AlternateContent xmlns:mc="http://schemas.openxmlformats.org/markup-compatibility/2006">
               <mc:Choice xmlns:v="urn:schemas-microsoft-com:vml" Requires="v">
-                <p:oleObj spid="_x0000_s236666" name="Equation" r:id="rId7" imgW="1333500" imgH="228600" progId="Equation.DSMT4">
+                <p:oleObj spid="_x0000_s236676" name="Equation" r:id="rId7" imgW="1333500" imgH="228600" progId="Equation.DSMT4">
                   <p:embed/>
                 </p:oleObj>
               </mc:Choice>
@@ -7786,8 +12071,8 @@
         </p:nvSpPr>
         <p:spPr>
           <a:xfrm>
-            <a:off x="7407678" y="6553200"/>
-            <a:ext cx="1736323" cy="276999"/>
+            <a:off x="7626563" y="6553200"/>
+            <a:ext cx="1517438" cy="276999"/>
           </a:xfrm>
         </p:spPr>
         <p:txBody>
@@ -7796,7 +12081,7 @@
           <a:p>
             <a:r>
               <a:rPr lang="en-US" dirty="0" smtClean="0"/>
-              <a:t>propositional logic I.</a:t>
+              <a:t>propositional ops.</a:t>
             </a:r>
             <a:fld id="{3251DA95-B240-47FE-901D-B78FC8E8E532}" type="slidenum">
               <a:rPr lang="en-US" smtClean="0"/>
@@ -8074,7 +12359,7 @@
           <a:graphicData uri="http://schemas.openxmlformats.org/presentationml/2006/ole">
             <mc:AlternateContent xmlns:mc="http://schemas.openxmlformats.org/markup-compatibility/2006">
               <mc:Choice xmlns:v="urn:schemas-microsoft-com:vml" Requires="v">
-                <p:oleObj spid="_x0000_s234619" name="Equation" r:id="rId5" imgW="1422360" imgH="215640" progId="Equation.DSMT4">
+                <p:oleObj spid="_x0000_s234629" name="Equation" r:id="rId5" imgW="1422360" imgH="215640" progId="Equation.DSMT4">
                   <p:embed/>
                 </p:oleObj>
               </mc:Choice>
@@ -8144,7 +12429,7 @@
           <a:graphicData uri="http://schemas.openxmlformats.org/presentationml/2006/ole">
             <mc:AlternateContent xmlns:mc="http://schemas.openxmlformats.org/markup-compatibility/2006">
               <mc:Choice xmlns:v="urn:schemas-microsoft-com:vml" Requires="v">
-                <p:oleObj spid="_x0000_s234620" name="Equation" r:id="rId7" imgW="1409700" imgH="228600" progId="Equation.DSMT4">
+                <p:oleObj spid="_x0000_s234630" name="Equation" r:id="rId7" imgW="1409700" imgH="228600" progId="Equation.DSMT4">
                   <p:embed/>
                 </p:oleObj>
               </mc:Choice>
@@ -8339,8 +12624,8 @@
         </p:nvSpPr>
         <p:spPr>
           <a:xfrm>
-            <a:off x="7407678" y="6553200"/>
-            <a:ext cx="1736323" cy="276999"/>
+            <a:off x="7626563" y="6553200"/>
+            <a:ext cx="1517438" cy="276999"/>
           </a:xfrm>
         </p:spPr>
         <p:txBody>
@@ -8349,7 +12634,7 @@
           <a:p>
             <a:r>
               <a:rPr lang="en-US" dirty="0" smtClean="0"/>
-              <a:t>propositional logic I.</a:t>
+              <a:t>propositional ops.</a:t>
             </a:r>
             <a:fld id="{3251DA95-B240-47FE-901D-B78FC8E8E532}" type="slidenum">
               <a:rPr lang="en-US" smtClean="0"/>
@@ -8368,13 +12653,13 @@
   <p:clrMapOvr>
     <a:masterClrMapping/>
   </p:clrMapOvr>
-  <mc:AlternateContent xmlns:mc="http://schemas.openxmlformats.org/markup-compatibility/2006">
-    <mc:Choice xmlns:p14="http://schemas.microsoft.com/office/powerpoint/2010/main" Requires="p14">
+  <mc:AlternateContent xmlns:mc="http://schemas.openxmlformats.org/markup-compatibility/2006" xmlns:p14="http://schemas.microsoft.com/office/powerpoint/2010/main">
+    <mc:Choice Requires="p14">
       <p:transition spd="slow" p14:dur="800" advClick="0">
         <p:fade/>
       </p:transition>
     </mc:Choice>
-    <mc:Fallback>
+    <mc:Fallback xmlns="">
       <p:transition xmlns:p14="http://schemas.microsoft.com/office/powerpoint/2010/main" spd="slow" advClick="0">
         <p:fade/>
       </p:transition>
@@ -9854,8 +14139,8 @@
         </p:nvSpPr>
         <p:spPr>
           <a:xfrm>
-            <a:off x="7407679" y="6553200"/>
-            <a:ext cx="1736323" cy="276999"/>
+            <a:off x="7626564" y="6553200"/>
+            <a:ext cx="1517438" cy="276999"/>
           </a:xfrm>
           <a:noFill/>
         </p:spPr>
@@ -9865,7 +14150,7 @@
           <a:p>
             <a:r>
               <a:rPr lang="en-US" dirty="0" smtClean="0"/>
-              <a:t>propositional logic I.</a:t>
+              <a:t>propositional ops.</a:t>
             </a:r>
             <a:fld id="{0150943C-9303-41DF-A6FA-7E32D6C5D18E}" type="slidenum">
               <a:rPr lang="en-US" smtClean="0"/>
@@ -11591,8 +15876,8 @@
         </p:nvSpPr>
         <p:spPr>
           <a:xfrm>
-            <a:off x="7407678" y="6553200"/>
-            <a:ext cx="1736323" cy="276999"/>
+            <a:off x="7626563" y="6553200"/>
+            <a:ext cx="1517438" cy="276999"/>
           </a:xfrm>
           <a:noFill/>
         </p:spPr>
@@ -11602,7 +15887,7 @@
           <a:p>
             <a:r>
               <a:rPr lang="en-US" dirty="0" smtClean="0"/>
-              <a:t>propositional logic I.</a:t>
+              <a:t>propositional ops.</a:t>
             </a:r>
             <a:fld id="{0150943C-9303-41DF-A6FA-7E32D6C5D18E}" type="slidenum">
               <a:rPr lang="en-US" smtClean="0"/>
@@ -11618,13 +15903,13 @@
   <p:clrMapOvr>
     <a:masterClrMapping/>
   </p:clrMapOvr>
-  <mc:AlternateContent xmlns:mc="http://schemas.openxmlformats.org/markup-compatibility/2006">
-    <mc:Choice xmlns:p14="http://schemas.microsoft.com/office/powerpoint/2010/main" Requires="p14">
+  <mc:AlternateContent xmlns:mc="http://schemas.openxmlformats.org/markup-compatibility/2006" xmlns:p14="http://schemas.microsoft.com/office/powerpoint/2010/main">
+    <mc:Choice Requires="p14">
       <p:transition spd="slow" p14:dur="800" advClick="0">
         <p:fade thruBlk="1"/>
       </p:transition>
     </mc:Choice>
-    <mc:Fallback>
+    <mc:Fallback xmlns="">
       <p:transition xmlns:p14="http://schemas.microsoft.com/office/powerpoint/2010/main" spd="slow" advClick="0">
         <p:fade thruBlk="1"/>
       </p:transition>
@@ -12992,8 +17277,8 @@
         </p:nvSpPr>
         <p:spPr>
           <a:xfrm>
-            <a:off x="7407628" y="6553200"/>
-            <a:ext cx="1736373" cy="276999"/>
+            <a:off x="7625637" y="6553200"/>
+            <a:ext cx="1518364" cy="276999"/>
           </a:xfrm>
           <a:noFill/>
         </p:spPr>
@@ -13003,7 +17288,7 @@
           <a:p>
             <a:r>
               <a:rPr lang="en-US" dirty="0" smtClean="0"/>
-              <a:t>propositional logic I.</a:t>
+              <a:t>propositional ops.</a:t>
             </a:r>
             <a:fld id="{0150943C-9303-41DF-A6FA-7E32D6C5D18E}" type="slidenum">
               <a:rPr lang="en-US" smtClean="0"/>
@@ -13173,13 +17458,13 @@
   <p:clrMapOvr>
     <a:masterClrMapping/>
   </p:clrMapOvr>
-  <mc:AlternateContent xmlns:mc="http://schemas.openxmlformats.org/markup-compatibility/2006">
-    <mc:Choice xmlns:p14="http://schemas.microsoft.com/office/powerpoint/2010/main" Requires="p14">
+  <mc:AlternateContent xmlns:mc="http://schemas.openxmlformats.org/markup-compatibility/2006" xmlns:p14="http://schemas.microsoft.com/office/powerpoint/2010/main">
+    <mc:Choice Requires="p14">
       <p:transition spd="slow" p14:dur="800" advClick="0">
         <p:fade thruBlk="1"/>
       </p:transition>
     </mc:Choice>
-    <mc:Fallback>
+    <mc:Fallback xmlns="">
       <p:transition xmlns:p14="http://schemas.microsoft.com/office/powerpoint/2010/main" spd="slow" advClick="0">
         <p:fade thruBlk="1"/>
       </p:transition>
@@ -14104,8 +18389,8 @@
         </p:nvSpPr>
         <p:spPr>
           <a:xfrm>
-            <a:off x="7407678" y="6553200"/>
-            <a:ext cx="1736323" cy="276999"/>
+            <a:off x="7626563" y="6553200"/>
+            <a:ext cx="1517438" cy="276999"/>
           </a:xfrm>
           <a:noFill/>
         </p:spPr>
@@ -14115,7 +18400,7 @@
           <a:p>
             <a:r>
               <a:rPr lang="en-US" dirty="0" smtClean="0"/>
-              <a:t>propositional logic I.</a:t>
+              <a:t>propositional ops.</a:t>
             </a:r>
             <a:fld id="{0150943C-9303-41DF-A6FA-7E32D6C5D18E}" type="slidenum">
               <a:rPr lang="en-US" smtClean="0"/>
@@ -14131,13 +18416,13 @@
   <p:clrMapOvr>
     <a:masterClrMapping/>
   </p:clrMapOvr>
-  <mc:AlternateContent xmlns:mc="http://schemas.openxmlformats.org/markup-compatibility/2006">
-    <mc:Choice xmlns:p14="http://schemas.microsoft.com/office/powerpoint/2010/main" Requires="p14">
+  <mc:AlternateContent xmlns:mc="http://schemas.openxmlformats.org/markup-compatibility/2006" xmlns:p14="http://schemas.microsoft.com/office/powerpoint/2010/main">
+    <mc:Choice Requires="p14">
       <p:transition spd="slow" p14:dur="800" advClick="0">
         <p:fade thruBlk="1"/>
       </p:transition>
     </mc:Choice>
-    <mc:Fallback>
+    <mc:Fallback xmlns="">
       <p:transition xmlns:p14="http://schemas.microsoft.com/office/powerpoint/2010/main" spd="slow" advClick="0">
         <p:fade thruBlk="1"/>
       </p:transition>
@@ -14333,6 +18618,338 @@
     <p:bldLst>
       <p:bldP spid="24" grpId="0"/>
     </p:bldLst>
+  </p:timing>
+</p:sld>
+</file>
+
+<file path=ppt/slides/slide9.xml><?xml version="1.0" encoding="utf-8"?>
+<p:sld xmlns:a="http://schemas.openxmlformats.org/drawingml/2006/main" xmlns:r="http://schemas.openxmlformats.org/officeDocument/2006/relationships" xmlns:p="http://schemas.openxmlformats.org/presentationml/2006/main">
+  <p:cSld>
+    <p:spTree>
+      <p:nvGrpSpPr>
+        <p:cNvPr id="1" name=""/>
+        <p:cNvGrpSpPr/>
+        <p:nvPr/>
+      </p:nvGrpSpPr>
+      <p:grpSpPr>
+        <a:xfrm>
+          <a:off x="0" y="0"/>
+          <a:ext cx="0" cy="0"/>
+          <a:chOff x="0" y="0"/>
+          <a:chExt cx="0" cy="0"/>
+        </a:xfrm>
+      </p:grpSpPr>
+      <p:sp>
+        <p:nvSpPr>
+          <p:cNvPr id="2" name="Title 1"/>
+          <p:cNvSpPr>
+            <a:spLocks noGrp="1"/>
+          </p:cNvSpPr>
+          <p:nvPr>
+            <p:ph type="title"/>
+          </p:nvPr>
+        </p:nvSpPr>
+        <p:spPr>
+          <a:xfrm>
+            <a:off x="1457070" y="304800"/>
+            <a:ext cx="7543800" cy="1143000"/>
+          </a:xfrm>
+        </p:spPr>
+        <p:txBody>
+          <a:bodyPr/>
+          <a:lstStyle/>
+          <a:p>
+            <a:r>
+              <a:rPr lang="en-US" sz="4000" dirty="0" smtClean="0"/>
+              <a:t>Other Applications</a:t>
+            </a:r>
+            <a:endParaRPr lang="en-US" sz="4000" dirty="0"/>
+          </a:p>
+        </p:txBody>
+      </p:sp>
+      <p:sp>
+        <p:nvSpPr>
+          <p:cNvPr id="7" name="TextBox 6"/>
+          <p:cNvSpPr txBox="1"/>
+          <p:nvPr/>
+        </p:nvSpPr>
+        <p:spPr>
+          <a:xfrm>
+            <a:off x="178039" y="3858422"/>
+            <a:ext cx="8781571" cy="1508105"/>
+          </a:xfrm>
+          <a:prstGeom prst="rect">
+            <a:avLst/>
+          </a:prstGeom>
+          <a:noFill/>
+        </p:spPr>
+        <p:txBody>
+          <a:bodyPr wrap="none" rtlCol="0">
+            <a:spAutoFit/>
+          </a:bodyPr>
+          <a:lstStyle/>
+          <a:p>
+            <a:r>
+              <a:rPr lang="en-US" sz="3600" b="1" dirty="0" smtClean="0">
+                <a:solidFill>
+                  <a:srgbClr val="000000"/>
+                </a:solidFill>
+                <a:latin typeface="Courier New" pitchFamily="49" charset="0"/>
+                <a:cs typeface="Courier New" pitchFamily="49" charset="0"/>
+              </a:rPr>
+              <a:t>if ((x&gt;0) || (x </a:t>
+            </a:r>
+            <a:r>
+              <a:rPr lang="en-US" sz="3600" b="1" dirty="0" smtClean="0">
+                <a:solidFill>
+                  <a:srgbClr val="000000"/>
+                </a:solidFill>
+                <a:latin typeface="Courier New" pitchFamily="49" charset="0"/>
+                <a:cs typeface="Courier New" pitchFamily="49" charset="0"/>
+                <a:sym typeface="Euclid Symbol"/>
+              </a:rPr>
+              <a:t>&lt;= </a:t>
+            </a:r>
+            <a:r>
+              <a:rPr lang="en-US" sz="3600" b="1" dirty="0" smtClean="0">
+                <a:solidFill>
+                  <a:srgbClr val="000000"/>
+                </a:solidFill>
+                <a:latin typeface="Courier New" pitchFamily="49" charset="0"/>
+                <a:cs typeface="Courier New" pitchFamily="49" charset="0"/>
+              </a:rPr>
+              <a:t>0 &amp;&amp; y&gt;100))</a:t>
+            </a:r>
+          </a:p>
+          <a:p>
+            <a:r>
+              <a:rPr lang="en-US" sz="2800" b="1" dirty="0" smtClean="0">
+                <a:solidFill>
+                  <a:srgbClr val="000000"/>
+                </a:solidFill>
+                <a:latin typeface="Comic Sans MS" pitchFamily="66" charset="0"/>
+                <a:sym typeface="Euclid Extra"/>
+              </a:rPr>
+              <a:t></a:t>
+            </a:r>
+          </a:p>
+          <a:p>
+            <a:r>
+              <a:rPr lang="en-US" sz="2800" b="1" dirty="0" smtClean="0">
+                <a:solidFill>
+                  <a:srgbClr val="000000"/>
+                </a:solidFill>
+                <a:latin typeface="Comic Sans MS" pitchFamily="66" charset="0"/>
+                <a:sym typeface="Euclid Extra"/>
+              </a:rPr>
+              <a:t>(more code)</a:t>
+            </a:r>
+            <a:endParaRPr lang="en-US" sz="2800" b="1" dirty="0">
+              <a:solidFill>
+                <a:srgbClr val="000000"/>
+              </a:solidFill>
+              <a:latin typeface="Comic Sans MS" pitchFamily="66" charset="0"/>
+            </a:endParaRPr>
+          </a:p>
+        </p:txBody>
+      </p:sp>
+      <p:sp>
+        <p:nvSpPr>
+          <p:cNvPr id="6" name="Slide Number Placeholder 2"/>
+          <p:cNvSpPr>
+            <a:spLocks noGrp="1"/>
+          </p:cNvSpPr>
+          <p:nvPr>
+            <p:ph type="sldNum" sz="quarter" idx="10"/>
+          </p:nvPr>
+        </p:nvSpPr>
+        <p:spPr>
+          <a:xfrm>
+            <a:off x="7626563" y="6553200"/>
+            <a:ext cx="1517438" cy="276999"/>
+          </a:xfrm>
+        </p:spPr>
+        <p:txBody>
+          <a:bodyPr/>
+          <a:lstStyle/>
+          <a:p>
+            <a:r>
+              <a:rPr lang="en-US" dirty="0" smtClean="0">
+                <a:solidFill>
+                  <a:srgbClr val="000000"/>
+                </a:solidFill>
+              </a:rPr>
+              <a:t>propositional ops.</a:t>
+            </a:r>
+            <a:fld id="{3251DA95-B240-47FE-901D-B78FC8E8E532}" type="slidenum">
+              <a:rPr lang="en-US" smtClean="0">
+                <a:solidFill>
+                  <a:srgbClr val="000000"/>
+                </a:solidFill>
+              </a:rPr>
+              <a:pPr/>
+              <a:t>9</a:t>
+            </a:fld>
+            <a:endParaRPr lang="en-US" dirty="0">
+              <a:solidFill>
+                <a:srgbClr val="000000"/>
+              </a:solidFill>
+            </a:endParaRPr>
+          </a:p>
+        </p:txBody>
+      </p:sp>
+      <p:sp>
+        <p:nvSpPr>
+          <p:cNvPr id="5" name="TextBox 4"/>
+          <p:cNvSpPr txBox="1"/>
+          <p:nvPr/>
+        </p:nvSpPr>
+        <p:spPr>
+          <a:xfrm>
+            <a:off x="2898829" y="3183430"/>
+            <a:ext cx="915635" cy="707886"/>
+          </a:xfrm>
+          <a:prstGeom prst="rect">
+            <a:avLst/>
+          </a:prstGeom>
+          <a:noFill/>
+        </p:spPr>
+        <p:txBody>
+          <a:bodyPr wrap="none" rtlCol="0">
+            <a:spAutoFit/>
+          </a:bodyPr>
+          <a:lstStyle/>
+          <a:p>
+            <a:r>
+              <a:rPr lang="en-US" sz="4000" dirty="0" smtClean="0">
+                <a:solidFill>
+                  <a:srgbClr val="CCCCFF">
+                    <a:lumMod val="50000"/>
+                  </a:srgbClr>
+                </a:solidFill>
+                <a:latin typeface="Comic Sans MS" pitchFamily="66" charset="0"/>
+              </a:rPr>
+              <a:t>OR</a:t>
+            </a:r>
+            <a:endParaRPr lang="en-US" sz="4000" dirty="0">
+              <a:solidFill>
+                <a:srgbClr val="CCCCFF">
+                  <a:lumMod val="50000"/>
+                </a:srgbClr>
+              </a:solidFill>
+              <a:latin typeface="Comic Sans MS" pitchFamily="66" charset="0"/>
+            </a:endParaRPr>
+          </a:p>
+        </p:txBody>
+      </p:sp>
+      <p:sp>
+        <p:nvSpPr>
+          <p:cNvPr id="8" name="TextBox 7"/>
+          <p:cNvSpPr txBox="1"/>
+          <p:nvPr/>
+        </p:nvSpPr>
+        <p:spPr>
+          <a:xfrm>
+            <a:off x="5636836" y="3206324"/>
+            <a:ext cx="1338829" cy="707886"/>
+          </a:xfrm>
+          <a:prstGeom prst="rect">
+            <a:avLst/>
+          </a:prstGeom>
+          <a:noFill/>
+        </p:spPr>
+        <p:txBody>
+          <a:bodyPr wrap="none" rtlCol="0">
+            <a:spAutoFit/>
+          </a:bodyPr>
+          <a:lstStyle/>
+          <a:p>
+            <a:r>
+              <a:rPr lang="en-US" sz="4000" dirty="0" smtClean="0">
+                <a:solidFill>
+                  <a:srgbClr val="CCCCFF">
+                    <a:lumMod val="50000"/>
+                  </a:srgbClr>
+                </a:solidFill>
+                <a:latin typeface="Comic Sans MS" pitchFamily="66" charset="0"/>
+              </a:rPr>
+              <a:t>AND</a:t>
+            </a:r>
+            <a:endParaRPr lang="en-US" sz="4000" dirty="0">
+              <a:solidFill>
+                <a:srgbClr val="CCCCFF">
+                  <a:lumMod val="50000"/>
+                </a:srgbClr>
+              </a:solidFill>
+              <a:latin typeface="Comic Sans MS" pitchFamily="66" charset="0"/>
+            </a:endParaRPr>
+          </a:p>
+        </p:txBody>
+      </p:sp>
+      <p:sp>
+        <p:nvSpPr>
+          <p:cNvPr id="9" name="TextBox 8"/>
+          <p:cNvSpPr txBox="1"/>
+          <p:nvPr/>
+        </p:nvSpPr>
+        <p:spPr>
+          <a:xfrm>
+            <a:off x="931820" y="1594561"/>
+            <a:ext cx="7464303" cy="830997"/>
+          </a:xfrm>
+          <a:prstGeom prst="rect">
+            <a:avLst/>
+          </a:prstGeom>
+          <a:noFill/>
+        </p:spPr>
+        <p:txBody>
+          <a:bodyPr wrap="none" rtlCol="0">
+            <a:spAutoFit/>
+          </a:bodyPr>
+          <a:lstStyle/>
+          <a:p>
+            <a:pPr algn="l"/>
+            <a:r>
+              <a:rPr lang="en-US" sz="4800" dirty="0" smtClean="0">
+                <a:solidFill>
+                  <a:srgbClr val="000000"/>
+                </a:solidFill>
+                <a:latin typeface="Comic Sans MS"/>
+                <a:cs typeface="Comic Sans MS"/>
+              </a:rPr>
+              <a:t>Java Logical Expressions:</a:t>
+            </a:r>
+          </a:p>
+        </p:txBody>
+      </p:sp>
+    </p:spTree>
+    <p:extLst>
+      <p:ext uri="{BB962C8B-B14F-4D97-AF65-F5344CB8AC3E}">
+        <p14:creationId xmlns:p14="http://schemas.microsoft.com/office/powerpoint/2010/main" val="4092613412"/>
+      </p:ext>
+    </p:extLst>
+  </p:cSld>
+  <p:clrMapOvr>
+    <a:masterClrMapping/>
+  </p:clrMapOvr>
+  <mc:AlternateContent xmlns:mc="http://schemas.openxmlformats.org/markup-compatibility/2006">
+    <mc:Choice xmlns:p14="http://schemas.microsoft.com/office/powerpoint/2010/main" Requires="p14">
+      <p:transition spd="slow" p14:dur="1100" advClick="0">
+        <p:fade thruBlk="1"/>
+      </p:transition>
+    </mc:Choice>
+    <mc:Fallback>
+      <p:transition xmlns:p14="http://schemas.microsoft.com/office/powerpoint/2010/main" spd="slow" advClick="0">
+        <p:fade thruBlk="1"/>
+      </p:transition>
+    </mc:Fallback>
+  </mc:AlternateContent>
+  <p:timing>
+    <p:tnLst>
+      <p:par>
+        <p:cTn xmlns:p14="http://schemas.microsoft.com/office/powerpoint/2010/main" id="1" dur="indefinite" restart="never" nodeType="tmRoot"/>
+      </p:par>
+    </p:tnLst>
   </p:timing>
 </p:sld>
 </file>
@@ -15751,6 +20368,700 @@
 </file>
 
 <file path=ppt/theme/theme3.xml><?xml version="1.0" encoding="utf-8"?>
+<a:theme xmlns:a="http://schemas.openxmlformats.org/drawingml/2006/main" name="2_6.042 Lecture Template">
+  <a:themeElements>
+    <a:clrScheme name="">
+      <a:dk1>
+        <a:srgbClr val="000000"/>
+      </a:dk1>
+      <a:lt1>
+        <a:srgbClr val="FFFFFF"/>
+      </a:lt1>
+      <a:dk2>
+        <a:srgbClr val="000000"/>
+      </a:dk2>
+      <a:lt2>
+        <a:srgbClr val="808080"/>
+      </a:lt2>
+      <a:accent1>
+        <a:srgbClr val="CCCCFF"/>
+      </a:accent1>
+      <a:accent2>
+        <a:srgbClr val="CC0000"/>
+      </a:accent2>
+      <a:accent3>
+        <a:srgbClr val="FFFFFF"/>
+      </a:accent3>
+      <a:accent4>
+        <a:srgbClr val="000000"/>
+      </a:accent4>
+      <a:accent5>
+        <a:srgbClr val="E2E2FF"/>
+      </a:accent5>
+      <a:accent6>
+        <a:srgbClr val="B90000"/>
+      </a:accent6>
+      <a:hlink>
+        <a:srgbClr val="CC0000"/>
+      </a:hlink>
+      <a:folHlink>
+        <a:srgbClr val="009999"/>
+      </a:folHlink>
+    </a:clrScheme>
+    <a:fontScheme name="6.042 Lecture Template">
+      <a:majorFont>
+        <a:latin typeface="Times New Roman"/>
+        <a:ea typeface=""/>
+        <a:cs typeface=""/>
+      </a:majorFont>
+      <a:minorFont>
+        <a:latin typeface="Times New Roman"/>
+        <a:ea typeface=""/>
+        <a:cs typeface=""/>
+      </a:minorFont>
+    </a:fontScheme>
+    <a:fmtScheme name="Office">
+      <a:fillStyleLst>
+        <a:solidFill>
+          <a:schemeClr val="phClr"/>
+        </a:solidFill>
+        <a:gradFill rotWithShape="1">
+          <a:gsLst>
+            <a:gs pos="0">
+              <a:schemeClr val="phClr">
+                <a:tint val="50000"/>
+                <a:satMod val="300000"/>
+              </a:schemeClr>
+            </a:gs>
+            <a:gs pos="35000">
+              <a:schemeClr val="phClr">
+                <a:tint val="37000"/>
+                <a:satMod val="300000"/>
+              </a:schemeClr>
+            </a:gs>
+            <a:gs pos="100000">
+              <a:schemeClr val="phClr">
+                <a:tint val="15000"/>
+                <a:satMod val="350000"/>
+              </a:schemeClr>
+            </a:gs>
+          </a:gsLst>
+          <a:lin ang="16200000" scaled="1"/>
+        </a:gradFill>
+        <a:gradFill rotWithShape="1">
+          <a:gsLst>
+            <a:gs pos="0">
+              <a:schemeClr val="phClr">
+                <a:shade val="51000"/>
+                <a:satMod val="130000"/>
+              </a:schemeClr>
+            </a:gs>
+            <a:gs pos="80000">
+              <a:schemeClr val="phClr">
+                <a:shade val="93000"/>
+                <a:satMod val="130000"/>
+              </a:schemeClr>
+            </a:gs>
+            <a:gs pos="100000">
+              <a:schemeClr val="phClr">
+                <a:shade val="94000"/>
+                <a:satMod val="135000"/>
+              </a:schemeClr>
+            </a:gs>
+          </a:gsLst>
+          <a:lin ang="16200000" scaled="0"/>
+        </a:gradFill>
+      </a:fillStyleLst>
+      <a:lnStyleLst>
+        <a:ln w="9525" cap="flat" cmpd="sng" algn="ctr">
+          <a:solidFill>
+            <a:schemeClr val="phClr">
+              <a:shade val="95000"/>
+              <a:satMod val="105000"/>
+            </a:schemeClr>
+          </a:solidFill>
+          <a:prstDash val="solid"/>
+        </a:ln>
+        <a:ln w="25400" cap="flat" cmpd="sng" algn="ctr">
+          <a:solidFill>
+            <a:schemeClr val="phClr"/>
+          </a:solidFill>
+          <a:prstDash val="solid"/>
+        </a:ln>
+        <a:ln w="38100" cap="flat" cmpd="sng" algn="ctr">
+          <a:solidFill>
+            <a:schemeClr val="phClr"/>
+          </a:solidFill>
+          <a:prstDash val="solid"/>
+        </a:ln>
+      </a:lnStyleLst>
+      <a:effectStyleLst>
+        <a:effectStyle>
+          <a:effectLst>
+            <a:outerShdw blurRad="40000" dist="20000" dir="5400000" rotWithShape="0">
+              <a:srgbClr val="000000">
+                <a:alpha val="38000"/>
+              </a:srgbClr>
+            </a:outerShdw>
+          </a:effectLst>
+        </a:effectStyle>
+        <a:effectStyle>
+          <a:effectLst>
+            <a:outerShdw blurRad="40000" dist="23000" dir="5400000" rotWithShape="0">
+              <a:srgbClr val="000000">
+                <a:alpha val="35000"/>
+              </a:srgbClr>
+            </a:outerShdw>
+          </a:effectLst>
+        </a:effectStyle>
+        <a:effectStyle>
+          <a:effectLst>
+            <a:outerShdw blurRad="40000" dist="23000" dir="5400000" rotWithShape="0">
+              <a:srgbClr val="000000">
+                <a:alpha val="35000"/>
+              </a:srgbClr>
+            </a:outerShdw>
+          </a:effectLst>
+          <a:scene3d>
+            <a:camera prst="orthographicFront">
+              <a:rot lat="0" lon="0" rev="0"/>
+            </a:camera>
+            <a:lightRig rig="threePt" dir="t">
+              <a:rot lat="0" lon="0" rev="1200000"/>
+            </a:lightRig>
+          </a:scene3d>
+          <a:sp3d>
+            <a:bevelT w="63500" h="25400"/>
+          </a:sp3d>
+        </a:effectStyle>
+      </a:effectStyleLst>
+      <a:bgFillStyleLst>
+        <a:solidFill>
+          <a:schemeClr val="phClr"/>
+        </a:solidFill>
+        <a:gradFill rotWithShape="1">
+          <a:gsLst>
+            <a:gs pos="0">
+              <a:schemeClr val="phClr">
+                <a:tint val="40000"/>
+                <a:satMod val="350000"/>
+              </a:schemeClr>
+            </a:gs>
+            <a:gs pos="40000">
+              <a:schemeClr val="phClr">
+                <a:tint val="45000"/>
+                <a:shade val="99000"/>
+                <a:satMod val="350000"/>
+              </a:schemeClr>
+            </a:gs>
+            <a:gs pos="100000">
+              <a:schemeClr val="phClr">
+                <a:shade val="20000"/>
+                <a:satMod val="255000"/>
+              </a:schemeClr>
+            </a:gs>
+          </a:gsLst>
+          <a:path path="circle">
+            <a:fillToRect l="50000" t="-80000" r="50000" b="180000"/>
+          </a:path>
+        </a:gradFill>
+        <a:gradFill rotWithShape="1">
+          <a:gsLst>
+            <a:gs pos="0">
+              <a:schemeClr val="phClr">
+                <a:tint val="80000"/>
+                <a:satMod val="300000"/>
+              </a:schemeClr>
+            </a:gs>
+            <a:gs pos="100000">
+              <a:schemeClr val="phClr">
+                <a:shade val="30000"/>
+                <a:satMod val="200000"/>
+              </a:schemeClr>
+            </a:gs>
+          </a:gsLst>
+          <a:path path="circle">
+            <a:fillToRect l="50000" t="50000" r="50000" b="50000"/>
+          </a:path>
+        </a:gradFill>
+      </a:bgFillStyleLst>
+    </a:fmtScheme>
+  </a:themeElements>
+  <a:objectDefaults>
+    <a:spDef>
+      <a:spPr bwMode="auto">
+        <a:xfrm>
+          <a:off x="0" y="0"/>
+          <a:ext cx="1" cy="1"/>
+        </a:xfrm>
+        <a:custGeom>
+          <a:avLst/>
+          <a:gdLst/>
+          <a:ahLst/>
+          <a:cxnLst/>
+          <a:rect l="0" t="0" r="0" b="0"/>
+          <a:pathLst/>
+        </a:custGeom>
+        <a:solidFill>
+          <a:schemeClr val="accent1"/>
+        </a:solidFill>
+        <a:ln w="9525" cap="flat" cmpd="sng" algn="ctr">
+          <a:solidFill>
+            <a:schemeClr val="tx1"/>
+          </a:solidFill>
+          <a:prstDash val="solid"/>
+          <a:round/>
+          <a:headEnd type="none" w="med" len="med"/>
+          <a:tailEnd type="none" w="med" len="med"/>
+        </a:ln>
+        <a:effectLst/>
+      </a:spPr>
+      <a:bodyPr vert="horz" wrap="none" lIns="91440" tIns="45720" rIns="91440" bIns="45720" numCol="1" anchor="ctr" anchorCtr="0" compatLnSpc="1">
+        <a:prstTxWarp prst="textNoShape">
+          <a:avLst/>
+        </a:prstTxWarp>
+      </a:bodyPr>
+      <a:lstStyle>
+        <a:defPPr marL="0" marR="0" indent="0" algn="ctr" defTabSz="914400" rtl="0" eaLnBrk="1" fontAlgn="base" latinLnBrk="0" hangingPunct="1">
+          <a:lnSpc>
+            <a:spcPct val="100000"/>
+          </a:lnSpc>
+          <a:spcBef>
+            <a:spcPct val="0"/>
+          </a:spcBef>
+          <a:spcAft>
+            <a:spcPct val="0"/>
+          </a:spcAft>
+          <a:buClrTx/>
+          <a:buSzTx/>
+          <a:buFontTx/>
+          <a:buNone/>
+          <a:tabLst/>
+          <a:defRPr kumimoji="0" lang="en-US" sz="3200" b="0" i="0" u="none" strike="noStrike" cap="none" normalizeH="0" baseline="0" smtClean="0">
+            <a:ln>
+              <a:noFill/>
+            </a:ln>
+            <a:solidFill>
+              <a:schemeClr val="tx1"/>
+            </a:solidFill>
+            <a:effectLst/>
+            <a:latin typeface="Times New Roman" pitchFamily="18" charset="0"/>
+          </a:defRPr>
+        </a:defPPr>
+      </a:lstStyle>
+    </a:spDef>
+    <a:lnDef>
+      <a:spPr bwMode="auto">
+        <a:xfrm>
+          <a:off x="0" y="0"/>
+          <a:ext cx="1" cy="1"/>
+        </a:xfrm>
+        <a:custGeom>
+          <a:avLst/>
+          <a:gdLst/>
+          <a:ahLst/>
+          <a:cxnLst/>
+          <a:rect l="0" t="0" r="0" b="0"/>
+          <a:pathLst/>
+        </a:custGeom>
+        <a:solidFill>
+          <a:schemeClr val="accent1"/>
+        </a:solidFill>
+        <a:ln w="9525" cap="flat" cmpd="sng" algn="ctr">
+          <a:solidFill>
+            <a:schemeClr val="tx1"/>
+          </a:solidFill>
+          <a:prstDash val="solid"/>
+          <a:round/>
+          <a:headEnd type="none" w="med" len="med"/>
+          <a:tailEnd type="none" w="med" len="med"/>
+        </a:ln>
+        <a:effectLst/>
+      </a:spPr>
+      <a:bodyPr vert="horz" wrap="none" lIns="91440" tIns="45720" rIns="91440" bIns="45720" numCol="1" anchor="ctr" anchorCtr="0" compatLnSpc="1">
+        <a:prstTxWarp prst="textNoShape">
+          <a:avLst/>
+        </a:prstTxWarp>
+      </a:bodyPr>
+      <a:lstStyle>
+        <a:defPPr marL="0" marR="0" indent="0" algn="ctr" defTabSz="914400" rtl="0" eaLnBrk="1" fontAlgn="base" latinLnBrk="0" hangingPunct="1">
+          <a:lnSpc>
+            <a:spcPct val="100000"/>
+          </a:lnSpc>
+          <a:spcBef>
+            <a:spcPct val="0"/>
+          </a:spcBef>
+          <a:spcAft>
+            <a:spcPct val="0"/>
+          </a:spcAft>
+          <a:buClrTx/>
+          <a:buSzTx/>
+          <a:buFontTx/>
+          <a:buNone/>
+          <a:tabLst/>
+          <a:defRPr kumimoji="0" lang="en-US" sz="3200" b="0" i="0" u="none" strike="noStrike" cap="none" normalizeH="0" baseline="0" smtClean="0">
+            <a:ln>
+              <a:noFill/>
+            </a:ln>
+            <a:solidFill>
+              <a:schemeClr val="tx1"/>
+            </a:solidFill>
+            <a:effectLst/>
+            <a:latin typeface="Times New Roman" pitchFamily="18" charset="0"/>
+          </a:defRPr>
+        </a:defPPr>
+      </a:lstStyle>
+    </a:lnDef>
+    <a:txDef>
+      <a:spPr>
+        <a:noFill/>
+      </a:spPr>
+      <a:bodyPr wrap="none" rtlCol="0">
+        <a:spAutoFit/>
+      </a:bodyPr>
+      <a:lstStyle>
+        <a:defPPr algn="l">
+          <a:defRPr sz="5400" dirty="0" smtClean="0">
+            <a:latin typeface="Comic Sans MS" pitchFamily="66" charset="0"/>
+          </a:defRPr>
+        </a:defPPr>
+      </a:lstStyle>
+    </a:txDef>
+  </a:objectDefaults>
+  <a:extraClrSchemeLst>
+    <a:extraClrScheme>
+      <a:clrScheme name="6.042 Lecture Template 1">
+        <a:dk1>
+          <a:srgbClr val="000000"/>
+        </a:dk1>
+        <a:lt1>
+          <a:srgbClr val="FFFFFF"/>
+        </a:lt1>
+        <a:dk2>
+          <a:srgbClr val="0000FF"/>
+        </a:dk2>
+        <a:lt2>
+          <a:srgbClr val="FFFF00"/>
+        </a:lt2>
+        <a:accent1>
+          <a:srgbClr val="FF9900"/>
+        </a:accent1>
+        <a:accent2>
+          <a:srgbClr val="00FFFF"/>
+        </a:accent2>
+        <a:accent3>
+          <a:srgbClr val="AAAAFF"/>
+        </a:accent3>
+        <a:accent4>
+          <a:srgbClr val="DADADA"/>
+        </a:accent4>
+        <a:accent5>
+          <a:srgbClr val="FFCAAA"/>
+        </a:accent5>
+        <a:accent6>
+          <a:srgbClr val="00E7E7"/>
+        </a:accent6>
+        <a:hlink>
+          <a:srgbClr val="FF0000"/>
+        </a:hlink>
+        <a:folHlink>
+          <a:srgbClr val="969696"/>
+        </a:folHlink>
+      </a:clrScheme>
+      <a:clrMap bg1="dk2" tx1="lt1" bg2="dk1" tx2="lt2" accent1="accent1" accent2="accent2" accent3="accent3" accent4="accent4" accent5="accent5" accent6="accent6" hlink="hlink" folHlink="folHlink"/>
+    </a:extraClrScheme>
+    <a:extraClrScheme>
+      <a:clrScheme name="6.042 Lecture Template 2">
+        <a:dk1>
+          <a:srgbClr val="000000"/>
+        </a:dk1>
+        <a:lt1>
+          <a:srgbClr val="FFFFFF"/>
+        </a:lt1>
+        <a:dk2>
+          <a:srgbClr val="000000"/>
+        </a:dk2>
+        <a:lt2>
+          <a:srgbClr val="808080"/>
+        </a:lt2>
+        <a:accent1>
+          <a:srgbClr val="00CC99"/>
+        </a:accent1>
+        <a:accent2>
+          <a:srgbClr val="3333CC"/>
+        </a:accent2>
+        <a:accent3>
+          <a:srgbClr val="FFFFFF"/>
+        </a:accent3>
+        <a:accent4>
+          <a:srgbClr val="000000"/>
+        </a:accent4>
+        <a:accent5>
+          <a:srgbClr val="AAE2CA"/>
+        </a:accent5>
+        <a:accent6>
+          <a:srgbClr val="2D2DB9"/>
+        </a:accent6>
+        <a:hlink>
+          <a:srgbClr val="CCCCFF"/>
+        </a:hlink>
+        <a:folHlink>
+          <a:srgbClr val="B2B2B2"/>
+        </a:folHlink>
+      </a:clrScheme>
+      <a:clrMap bg1="lt1" tx1="dk1" bg2="lt2" tx2="dk2" accent1="accent1" accent2="accent2" accent3="accent3" accent4="accent4" accent5="accent5" accent6="accent6" hlink="hlink" folHlink="folHlink"/>
+    </a:extraClrScheme>
+    <a:extraClrScheme>
+      <a:clrScheme name="6.042 Lecture Template 3">
+        <a:dk1>
+          <a:srgbClr val="000000"/>
+        </a:dk1>
+        <a:lt1>
+          <a:srgbClr val="FFFFFF"/>
+        </a:lt1>
+        <a:dk2>
+          <a:srgbClr val="000000"/>
+        </a:dk2>
+        <a:lt2>
+          <a:srgbClr val="333333"/>
+        </a:lt2>
+        <a:accent1>
+          <a:srgbClr val="DDDDDD"/>
+        </a:accent1>
+        <a:accent2>
+          <a:srgbClr val="808080"/>
+        </a:accent2>
+        <a:accent3>
+          <a:srgbClr val="FFFFFF"/>
+        </a:accent3>
+        <a:accent4>
+          <a:srgbClr val="000000"/>
+        </a:accent4>
+        <a:accent5>
+          <a:srgbClr val="EBEBEB"/>
+        </a:accent5>
+        <a:accent6>
+          <a:srgbClr val="737373"/>
+        </a:accent6>
+        <a:hlink>
+          <a:srgbClr val="4D4D4D"/>
+        </a:hlink>
+        <a:folHlink>
+          <a:srgbClr val="EAEAEA"/>
+        </a:folHlink>
+      </a:clrScheme>
+      <a:clrMap bg1="lt1" tx1="dk1" bg2="lt2" tx2="dk2" accent1="accent1" accent2="accent2" accent3="accent3" accent4="accent4" accent5="accent5" accent6="accent6" hlink="hlink" folHlink="folHlink"/>
+    </a:extraClrScheme>
+    <a:extraClrScheme>
+      <a:clrScheme name="6.042 Lecture Template 4">
+        <a:dk1>
+          <a:srgbClr val="000000"/>
+        </a:dk1>
+        <a:lt1>
+          <a:srgbClr val="FFFFCC"/>
+        </a:lt1>
+        <a:dk2>
+          <a:srgbClr val="808000"/>
+        </a:dk2>
+        <a:lt2>
+          <a:srgbClr val="666633"/>
+        </a:lt2>
+        <a:accent1>
+          <a:srgbClr val="339933"/>
+        </a:accent1>
+        <a:accent2>
+          <a:srgbClr val="800000"/>
+        </a:accent2>
+        <a:accent3>
+          <a:srgbClr val="FFFFE2"/>
+        </a:accent3>
+        <a:accent4>
+          <a:srgbClr val="000000"/>
+        </a:accent4>
+        <a:accent5>
+          <a:srgbClr val="ADCAAD"/>
+        </a:accent5>
+        <a:accent6>
+          <a:srgbClr val="730000"/>
+        </a:accent6>
+        <a:hlink>
+          <a:srgbClr val="0033CC"/>
+        </a:hlink>
+        <a:folHlink>
+          <a:srgbClr val="FFCC66"/>
+        </a:folHlink>
+      </a:clrScheme>
+      <a:clrMap bg1="lt1" tx1="dk1" bg2="lt2" tx2="dk2" accent1="accent1" accent2="accent2" accent3="accent3" accent4="accent4" accent5="accent5" accent6="accent6" hlink="hlink" folHlink="folHlink"/>
+    </a:extraClrScheme>
+    <a:extraClrScheme>
+      <a:clrScheme name="6.042 Lecture Template 5">
+        <a:dk1>
+          <a:srgbClr val="000000"/>
+        </a:dk1>
+        <a:lt1>
+          <a:srgbClr val="FFFFFF"/>
+        </a:lt1>
+        <a:dk2>
+          <a:srgbClr val="000000"/>
+        </a:dk2>
+        <a:lt2>
+          <a:srgbClr val="808080"/>
+        </a:lt2>
+        <a:accent1>
+          <a:srgbClr val="FFCC66"/>
+        </a:accent1>
+        <a:accent2>
+          <a:srgbClr val="0000FF"/>
+        </a:accent2>
+        <a:accent3>
+          <a:srgbClr val="FFFFFF"/>
+        </a:accent3>
+        <a:accent4>
+          <a:srgbClr val="000000"/>
+        </a:accent4>
+        <a:accent5>
+          <a:srgbClr val="FFE2B8"/>
+        </a:accent5>
+        <a:accent6>
+          <a:srgbClr val="0000E7"/>
+        </a:accent6>
+        <a:hlink>
+          <a:srgbClr val="CC00CC"/>
+        </a:hlink>
+        <a:folHlink>
+          <a:srgbClr val="C0C0C0"/>
+        </a:folHlink>
+      </a:clrScheme>
+      <a:clrMap bg1="lt1" tx1="dk1" bg2="lt2" tx2="dk2" accent1="accent1" accent2="accent2" accent3="accent3" accent4="accent4" accent5="accent5" accent6="accent6" hlink="hlink" folHlink="folHlink"/>
+    </a:extraClrScheme>
+    <a:extraClrScheme>
+      <a:clrScheme name="6.042 Lecture Template 6">
+        <a:dk1>
+          <a:srgbClr val="000000"/>
+        </a:dk1>
+        <a:lt1>
+          <a:srgbClr val="FFFFFF"/>
+        </a:lt1>
+        <a:dk2>
+          <a:srgbClr val="000000"/>
+        </a:dk2>
+        <a:lt2>
+          <a:srgbClr val="808080"/>
+        </a:lt2>
+        <a:accent1>
+          <a:srgbClr val="C0C0C0"/>
+        </a:accent1>
+        <a:accent2>
+          <a:srgbClr val="0066FF"/>
+        </a:accent2>
+        <a:accent3>
+          <a:srgbClr val="FFFFFF"/>
+        </a:accent3>
+        <a:accent4>
+          <a:srgbClr val="000000"/>
+        </a:accent4>
+        <a:accent5>
+          <a:srgbClr val="DCDCDC"/>
+        </a:accent5>
+        <a:accent6>
+          <a:srgbClr val="005CE7"/>
+        </a:accent6>
+        <a:hlink>
+          <a:srgbClr val="FF0000"/>
+        </a:hlink>
+        <a:folHlink>
+          <a:srgbClr val="009900"/>
+        </a:folHlink>
+      </a:clrScheme>
+      <a:clrMap bg1="lt1" tx1="dk1" bg2="lt2" tx2="dk2" accent1="accent1" accent2="accent2" accent3="accent3" accent4="accent4" accent5="accent5" accent6="accent6" hlink="hlink" folHlink="folHlink"/>
+    </a:extraClrScheme>
+    <a:extraClrScheme>
+      <a:clrScheme name="6.042 Lecture Template 7">
+        <a:dk1>
+          <a:srgbClr val="000000"/>
+        </a:dk1>
+        <a:lt1>
+          <a:srgbClr val="FFFFFF"/>
+        </a:lt1>
+        <a:dk2>
+          <a:srgbClr val="000000"/>
+        </a:dk2>
+        <a:lt2>
+          <a:srgbClr val="808080"/>
+        </a:lt2>
+        <a:accent1>
+          <a:srgbClr val="3399FF"/>
+        </a:accent1>
+        <a:accent2>
+          <a:srgbClr val="99FFCC"/>
+        </a:accent2>
+        <a:accent3>
+          <a:srgbClr val="FFFFFF"/>
+        </a:accent3>
+        <a:accent4>
+          <a:srgbClr val="000000"/>
+        </a:accent4>
+        <a:accent5>
+          <a:srgbClr val="ADCAFF"/>
+        </a:accent5>
+        <a:accent6>
+          <a:srgbClr val="8AE7B9"/>
+        </a:accent6>
+        <a:hlink>
+          <a:srgbClr val="CC00CC"/>
+        </a:hlink>
+        <a:folHlink>
+          <a:srgbClr val="B2B2B2"/>
+        </a:folHlink>
+      </a:clrScheme>
+      <a:clrMap bg1="lt1" tx1="dk1" bg2="lt2" tx2="dk2" accent1="accent1" accent2="accent2" accent3="accent3" accent4="accent4" accent5="accent5" accent6="accent6" hlink="hlink" folHlink="folHlink"/>
+    </a:extraClrScheme>
+    <a:extraClrScheme>
+      <a:clrScheme name="6.042 Lecture Template 8">
+        <a:dk1>
+          <a:srgbClr val="000000"/>
+        </a:dk1>
+        <a:lt1>
+          <a:srgbClr val="FFFFFF"/>
+        </a:lt1>
+        <a:dk2>
+          <a:srgbClr val="000000"/>
+        </a:dk2>
+        <a:lt2>
+          <a:srgbClr val="808080"/>
+        </a:lt2>
+        <a:accent1>
+          <a:srgbClr val="009999"/>
+        </a:accent1>
+        <a:accent2>
+          <a:srgbClr val="CC0000"/>
+        </a:accent2>
+        <a:accent3>
+          <a:srgbClr val="FFFFFF"/>
+        </a:accent3>
+        <a:accent4>
+          <a:srgbClr val="000000"/>
+        </a:accent4>
+        <a:accent5>
+          <a:srgbClr val="AACACA"/>
+        </a:accent5>
+        <a:accent6>
+          <a:srgbClr val="B90000"/>
+        </a:accent6>
+        <a:hlink>
+          <a:srgbClr val="CCCCFF"/>
+        </a:hlink>
+        <a:folHlink>
+          <a:srgbClr val="B2B2B2"/>
+        </a:folHlink>
+      </a:clrScheme>
+      <a:clrMap bg1="lt1" tx1="dk1" bg2="lt2" tx2="dk2" accent1="accent1" accent2="accent2" accent3="accent3" accent4="accent4" accent5="accent5" accent6="accent6" hlink="hlink" folHlink="folHlink"/>
+    </a:extraClrScheme>
+  </a:extraClrSchemeLst>
+</a:theme>
+</file>
+
+<file path=ppt/theme/theme4.xml><?xml version="1.0" encoding="utf-8"?>
 <a:theme xmlns:a="http://schemas.openxmlformats.org/drawingml/2006/main" name="Office Theme">
   <a:themeElements>
     <a:clrScheme name="">
@@ -16033,7 +21344,7 @@
 </a:theme>
 </file>
 
-<file path=ppt/theme/theme4.xml><?xml version="1.0" encoding="utf-8"?>
+<file path=ppt/theme/theme5.xml><?xml version="1.0" encoding="utf-8"?>
 <a:theme xmlns:a="http://schemas.openxmlformats.org/drawingml/2006/main" name="Office Theme">
   <a:themeElements>
     <a:clrScheme name="">

--- a/spring14/slidesS14/propositional-operators.pptx
+++ b/spring14/slidesS14/propositional-operators.pptx
@@ -2011,11 +2011,7 @@
             </a:pPr>
             <a:r>
               <a:rPr lang="en-US" dirty="0" smtClean="0"/>
-              <a:t>propositional ops.</a:t>
-            </a:r>
-            <a:r>
-              <a:rPr lang="en-US" dirty="0" smtClean="0"/>
-              <a:t>.</a:t>
+              <a:t>propositional ops..</a:t>
             </a:r>
             <a:fld id="{C3C9801B-391E-452B-A4C3-BC5EC51A0BC7}" type="slidenum">
               <a:rPr lang="en-US" smtClean="0"/>
@@ -4045,11 +4041,7 @@
             </a:pPr>
             <a:r>
               <a:rPr lang="en-US" dirty="0" smtClean="0"/>
-              <a:t>propositional ops.</a:t>
-            </a:r>
-            <a:r>
-              <a:rPr lang="en-US" dirty="0" smtClean="0"/>
-              <a:t>.</a:t>
+              <a:t>propositional ops..</a:t>
             </a:r>
             <a:fld id="{A528ADE2-B74F-4D9D-8D04-FB5D781EAB51}" type="slidenum">
               <a:rPr lang="en-US" smtClean="0"/>
@@ -4224,15 +4216,7 @@
                   <a:srgbClr val="000000"/>
                 </a:solidFill>
               </a:rPr>
-              <a:t>propositional ops.</a:t>
-            </a:r>
-            <a:r>
-              <a:rPr lang="en-US" dirty="0" smtClean="0">
-                <a:solidFill>
-                  <a:srgbClr val="000000"/>
-                </a:solidFill>
-              </a:rPr>
-              <a:t>.</a:t>
+              <a:t>propositional ops..</a:t>
             </a:r>
             <a:fld id="{C3C9801B-391E-452B-A4C3-BC5EC51A0BC7}" type="slidenum">
               <a:rPr lang="en-US" smtClean="0">
@@ -4402,15 +4386,7 @@
                   <a:srgbClr val="000000"/>
                 </a:solidFill>
               </a:rPr>
-              <a:t>propositional ops.</a:t>
-            </a:r>
-            <a:r>
-              <a:rPr lang="en-US" dirty="0" smtClean="0">
-                <a:solidFill>
-                  <a:srgbClr val="000000"/>
-                </a:solidFill>
-              </a:rPr>
-              <a:t>.</a:t>
+              <a:t>propositional ops..</a:t>
             </a:r>
             <a:fld id="{A528ADE2-B74F-4D9D-8D04-FB5D781EAB51}" type="slidenum">
               <a:rPr lang="en-US" smtClean="0">
@@ -4602,15 +4578,7 @@
                   <a:srgbClr val="000000"/>
                 </a:solidFill>
               </a:rPr>
-              <a:t>propositional ops.</a:t>
-            </a:r>
-            <a:r>
-              <a:rPr lang="en-US" dirty="0" smtClean="0">
-                <a:solidFill>
-                  <a:srgbClr val="000000"/>
-                </a:solidFill>
-              </a:rPr>
-              <a:t>.</a:t>
+              <a:t>propositional ops..</a:t>
             </a:r>
             <a:fld id="{B3A503E6-B8FE-4B0A-9976-9CA65DFEA87E}" type="slidenum">
               <a:rPr lang="en-US" smtClean="0">
@@ -4820,15 +4788,7 @@
                   <a:srgbClr val="000000"/>
                 </a:solidFill>
               </a:rPr>
-              <a:t>propositional ops.</a:t>
-            </a:r>
-            <a:r>
-              <a:rPr lang="en-US" dirty="0" smtClean="0">
-                <a:solidFill>
-                  <a:srgbClr val="000000"/>
-                </a:solidFill>
-              </a:rPr>
-              <a:t>.</a:t>
+              <a:t>propositional ops..</a:t>
             </a:r>
             <a:fld id="{7D4651B8-09C8-4A4D-BE8E-31B6C97A420D}" type="slidenum">
               <a:rPr lang="en-US" smtClean="0">
@@ -5082,15 +5042,7 @@
                   <a:srgbClr val="000000"/>
                 </a:solidFill>
               </a:rPr>
-              <a:t>propositional ops.</a:t>
-            </a:r>
-            <a:r>
-              <a:rPr lang="en-US" dirty="0" smtClean="0">
-                <a:solidFill>
-                  <a:srgbClr val="000000"/>
-                </a:solidFill>
-              </a:rPr>
-              <a:t>.</a:t>
+              <a:t>propositional ops..</a:t>
             </a:r>
             <a:fld id="{85BC747C-4E6E-462A-A001-3C1CA56269DD}" type="slidenum">
               <a:rPr lang="en-US" smtClean="0">
@@ -5320,15 +5272,7 @@
                   <a:srgbClr val="000000"/>
                 </a:solidFill>
               </a:rPr>
-              <a:t>propositional ops.</a:t>
-            </a:r>
-            <a:r>
-              <a:rPr lang="en-US" dirty="0" smtClean="0">
-                <a:solidFill>
-                  <a:srgbClr val="000000"/>
-                </a:solidFill>
-              </a:rPr>
-              <a:t>.</a:t>
+              <a:t>propositional ops..</a:t>
             </a:r>
             <a:fld id="{B7856ECB-7BA5-4EA4-A170-7A96316AE30B}" type="slidenum">
               <a:rPr lang="en-US" smtClean="0">
@@ -5805,11 +5749,7 @@
             </a:pPr>
             <a:r>
               <a:rPr lang="en-US" dirty="0" smtClean="0"/>
-              <a:t>propositional ops.</a:t>
-            </a:r>
-            <a:r>
-              <a:rPr lang="en-US" dirty="0" smtClean="0"/>
-              <a:t>.</a:t>
+              <a:t>propositional ops..</a:t>
             </a:r>
             <a:fld id="{B3A503E6-B8FE-4B0A-9976-9CA65DFEA87E}" type="slidenum">
               <a:rPr lang="en-US" smtClean="0"/>
@@ -5914,11 +5854,7 @@
             </a:pPr>
             <a:r>
               <a:rPr lang="en-US" dirty="0" smtClean="0"/>
-              <a:t>propositional ops.</a:t>
-            </a:r>
-            <a:r>
-              <a:rPr lang="en-US" dirty="0" smtClean="0"/>
-              <a:t>.</a:t>
+              <a:t>propositional ops..</a:t>
             </a:r>
             <a:fld id="{DB6F0ED6-FEF5-4C9C-B1CC-29B47EC66FAA}" type="slidenum">
               <a:rPr lang="en-US" smtClean="0"/>
@@ -5989,11 +5925,7 @@
             </a:pPr>
             <a:r>
               <a:rPr lang="en-US" dirty="0" smtClean="0"/>
-              <a:t>propositional ops.</a:t>
-            </a:r>
-            <a:r>
-              <a:rPr lang="en-US" dirty="0" smtClean="0"/>
-              <a:t>.</a:t>
+              <a:t>propositional ops..</a:t>
             </a:r>
             <a:fld id="{7D4651B8-09C8-4A4D-BE8E-31B6C97A420D}" type="slidenum">
               <a:rPr lang="en-US" smtClean="0"/>
@@ -6230,11 +6162,7 @@
             </a:pPr>
             <a:r>
               <a:rPr lang="en-US" dirty="0" smtClean="0"/>
-              <a:t>propositional ops.</a:t>
-            </a:r>
-            <a:r>
-              <a:rPr lang="en-US" dirty="0" smtClean="0"/>
-              <a:t>.</a:t>
+              <a:t>propositional ops..</a:t>
             </a:r>
             <a:fld id="{85BC747C-4E6E-462A-A001-3C1CA56269DD}" type="slidenum">
               <a:rPr lang="en-US" smtClean="0"/>
@@ -6447,11 +6375,7 @@
             </a:pPr>
             <a:r>
               <a:rPr lang="en-US" dirty="0" smtClean="0"/>
-              <a:t>propositional ops.</a:t>
-            </a:r>
-            <a:r>
-              <a:rPr lang="en-US" dirty="0" smtClean="0"/>
-              <a:t>.</a:t>
+              <a:t>propositional ops..</a:t>
             </a:r>
             <a:fld id="{B7856ECB-7BA5-4EA4-A170-7A96316AE30B}" type="slidenum">
               <a:rPr lang="en-US" smtClean="0"/>
@@ -7068,11 +6992,7 @@
             </a:pPr>
             <a:r>
               <a:rPr lang="en-US" dirty="0" smtClean="0"/>
-              <a:t>propositional ops </a:t>
-            </a:r>
-            <a:r>
-              <a:rPr lang="en-US" dirty="0" smtClean="0"/>
-              <a:t>I.</a:t>
+              <a:t>propositional ops I.</a:t>
             </a:r>
             <a:fld id="{EBFB97A3-F52F-4FD6-B1AC-522A20C95467}" type="slidenum">
               <a:rPr lang="en-US" smtClean="0"/>
@@ -7155,13 +7075,25 @@
               <a:rPr lang="en-US" sz="1100" baseline="0" dirty="0" smtClean="0">
                 <a:latin typeface="Comic Sans MS" pitchFamily="66" charset="0"/>
               </a:rPr>
-              <a:t>February 12</a:t>
+              <a:t>February </a:t>
+            </a:r>
+            <a:r>
+              <a:rPr lang="en-US" sz="1100" baseline="0" dirty="0" smtClean="0">
+                <a:latin typeface="Comic Sans MS" pitchFamily="66" charset="0"/>
+              </a:rPr>
+              <a:t>14</a:t>
             </a:r>
             <a:r>
               <a:rPr lang="en-US" sz="1100" dirty="0" smtClean="0">
                 <a:latin typeface="Comic Sans MS" pitchFamily="66" charset="0"/>
               </a:rPr>
-              <a:t>, 2014</a:t>
+              <a:t>, </a:t>
+            </a:r>
+            <a:r>
+              <a:rPr lang="en-US" sz="1100" dirty="0" smtClean="0">
+                <a:latin typeface="Comic Sans MS" pitchFamily="66" charset="0"/>
+              </a:rPr>
+              <a:t>2014</a:t>
             </a:r>
             <a:endParaRPr lang="en-US" sz="1100" dirty="0">
               <a:latin typeface="Comic Sans MS" pitchFamily="66" charset="0"/>
@@ -8562,13 +8494,31 @@
               <a:defRPr/>
             </a:pPr>
             <a:r>
-              <a:rPr lang="en-US" sz="1100" smtClean="0">
+              <a:rPr lang="en-US" sz="1100" dirty="0" smtClean="0">
                 <a:solidFill>
                   <a:srgbClr val="000000"/>
                 </a:solidFill>
                 <a:latin typeface="Comic Sans MS" pitchFamily="66" charset="0"/>
               </a:rPr>
-              <a:t>February 12, 2014</a:t>
+              <a:t>February </a:t>
+            </a:r>
+            <a:r>
+              <a:rPr lang="en-US" sz="1100" dirty="0" smtClean="0">
+                <a:solidFill>
+                  <a:srgbClr val="000000"/>
+                </a:solidFill>
+                <a:latin typeface="Comic Sans MS" pitchFamily="66" charset="0"/>
+              </a:rPr>
+              <a:t>14, </a:t>
+            </a:r>
+            <a:r>
+              <a:rPr lang="en-US" sz="1100" dirty="0" smtClean="0">
+                <a:solidFill>
+                  <a:srgbClr val="000000"/>
+                </a:solidFill>
+                <a:latin typeface="Comic Sans MS" pitchFamily="66" charset="0"/>
+              </a:rPr>
+              <a:t>2014</a:t>
             </a:r>
             <a:endParaRPr lang="en-US" sz="1100" dirty="0">
               <a:solidFill>
@@ -9264,7 +9214,7 @@
           <a:graphicData uri="http://schemas.openxmlformats.org/presentationml/2006/ole">
             <mc:AlternateContent xmlns:mc="http://schemas.openxmlformats.org/markup-compatibility/2006">
               <mc:Choice xmlns:v="urn:schemas-microsoft-com:vml" Requires="v">
-                <p:oleObj spid="_x0000_s239619" name="Equation" r:id="rId4" imgW="876300" imgH="1130300" progId="Equation.DSMT4">
+                <p:oleObj spid="_x0000_s239622" name="Equation" r:id="rId4" imgW="876300" imgH="1130300" progId="Equation.DSMT4">
                   <p:embed/>
                 </p:oleObj>
               </mc:Choice>
@@ -9622,7 +9572,7 @@
           <a:graphicData uri="http://schemas.openxmlformats.org/presentationml/2006/ole">
             <mc:AlternateContent xmlns:mc="http://schemas.openxmlformats.org/markup-compatibility/2006">
               <mc:Choice xmlns:v="urn:schemas-microsoft-com:vml" Requires="v">
-                <p:oleObj spid="_x0000_s240643" name="Equation" r:id="rId5" imgW="2349500" imgH="1016000" progId="Equation.DSMT4">
+                <p:oleObj spid="_x0000_s240646" name="Equation" r:id="rId5" imgW="2349500" imgH="1016000" progId="Equation.DSMT4">
                   <p:embed/>
                 </p:oleObj>
               </mc:Choice>
@@ -10674,7 +10624,7 @@
           <a:graphicData uri="http://schemas.openxmlformats.org/presentationml/2006/ole">
             <mc:AlternateContent xmlns:mc="http://schemas.openxmlformats.org/markup-compatibility/2006">
               <mc:Choice xmlns:v="urn:schemas-microsoft-com:vml" Requires="v">
-                <p:oleObj spid="_x0000_s241667" name="Equation" r:id="rId4" imgW="3784600" imgH="1295400" progId="Equation.DSMT4">
+                <p:oleObj spid="_x0000_s241670" name="Equation" r:id="rId4" imgW="3784600" imgH="1295400" progId="Equation.DSMT4">
                   <p:embed/>
                 </p:oleObj>
               </mc:Choice>
@@ -11795,7 +11745,7 @@
           <a:graphicData uri="http://schemas.openxmlformats.org/presentationml/2006/ole">
             <mc:AlternateContent xmlns:mc="http://schemas.openxmlformats.org/markup-compatibility/2006">
               <mc:Choice xmlns:v="urn:schemas-microsoft-com:vml" Requires="v">
-                <p:oleObj spid="_x0000_s236675" name="Equation" r:id="rId5" imgW="1346040" imgH="215640" progId="Equation.DSMT4">
+                <p:oleObj spid="_x0000_s236680" name="Equation" r:id="rId5" imgW="1346040" imgH="215640" progId="Equation.DSMT4">
                   <p:embed/>
                 </p:oleObj>
               </mc:Choice>
@@ -11865,7 +11815,7 @@
           <a:graphicData uri="http://schemas.openxmlformats.org/presentationml/2006/ole">
             <mc:AlternateContent xmlns:mc="http://schemas.openxmlformats.org/markup-compatibility/2006">
               <mc:Choice xmlns:v="urn:schemas-microsoft-com:vml" Requires="v">
-                <p:oleObj spid="_x0000_s236676" name="Equation" r:id="rId7" imgW="1333500" imgH="228600" progId="Equation.DSMT4">
+                <p:oleObj spid="_x0000_s236681" name="Equation" r:id="rId7" imgW="1333500" imgH="228600" progId="Equation.DSMT4">
                   <p:embed/>
                 </p:oleObj>
               </mc:Choice>
@@ -12359,7 +12309,7 @@
           <a:graphicData uri="http://schemas.openxmlformats.org/presentationml/2006/ole">
             <mc:AlternateContent xmlns:mc="http://schemas.openxmlformats.org/markup-compatibility/2006">
               <mc:Choice xmlns:v="urn:schemas-microsoft-com:vml" Requires="v">
-                <p:oleObj spid="_x0000_s234629" name="Equation" r:id="rId5" imgW="1422360" imgH="215640" progId="Equation.DSMT4">
+                <p:oleObj spid="_x0000_s234634" name="Equation" r:id="rId5" imgW="1422360" imgH="215640" progId="Equation.DSMT4">
                   <p:embed/>
                 </p:oleObj>
               </mc:Choice>
@@ -12429,7 +12379,7 @@
           <a:graphicData uri="http://schemas.openxmlformats.org/presentationml/2006/ole">
             <mc:AlternateContent xmlns:mc="http://schemas.openxmlformats.org/markup-compatibility/2006">
               <mc:Choice xmlns:v="urn:schemas-microsoft-com:vml" Requires="v">
-                <p:oleObj spid="_x0000_s234630" name="Equation" r:id="rId7" imgW="1409700" imgH="228600" progId="Equation.DSMT4">
+                <p:oleObj spid="_x0000_s234635" name="Equation" r:id="rId7" imgW="1409700" imgH="228600" progId="Equation.DSMT4">
                   <p:embed/>
                 </p:oleObj>
               </mc:Choice>
@@ -18932,13 +18882,13 @@
   <p:clrMapOvr>
     <a:masterClrMapping/>
   </p:clrMapOvr>
-  <mc:AlternateContent xmlns:mc="http://schemas.openxmlformats.org/markup-compatibility/2006">
-    <mc:Choice xmlns:p14="http://schemas.microsoft.com/office/powerpoint/2010/main" Requires="p14">
+  <mc:AlternateContent xmlns:mc="http://schemas.openxmlformats.org/markup-compatibility/2006" xmlns:p14="http://schemas.microsoft.com/office/powerpoint/2010/main">
+    <mc:Choice Requires="p14">
       <p:transition spd="slow" p14:dur="1100" advClick="0">
         <p:fade thruBlk="1"/>
       </p:transition>
     </mc:Choice>
-    <mc:Fallback>
+    <mc:Fallback xmlns="">
       <p:transition xmlns:p14="http://schemas.microsoft.com/office/powerpoint/2010/main" spd="slow" advClick="0">
         <p:fade thruBlk="1"/>
       </p:transition>

--- a/spring14/slidesS14/propositional-operators.pptx
+++ b/spring14/slidesS14/propositional-operators.pptx
@@ -7075,25 +7075,13 @@
               <a:rPr lang="en-US" sz="1100" baseline="0" dirty="0" smtClean="0">
                 <a:latin typeface="Comic Sans MS" pitchFamily="66" charset="0"/>
               </a:rPr>
-              <a:t>February </a:t>
-            </a:r>
-            <a:r>
-              <a:rPr lang="en-US" sz="1100" baseline="0" dirty="0" smtClean="0">
-                <a:latin typeface="Comic Sans MS" pitchFamily="66" charset="0"/>
-              </a:rPr>
-              <a:t>14</a:t>
+              <a:t>February 14</a:t>
             </a:r>
             <a:r>
               <a:rPr lang="en-US" sz="1100" dirty="0" smtClean="0">
                 <a:latin typeface="Comic Sans MS" pitchFamily="66" charset="0"/>
               </a:rPr>
-              <a:t>, </a:t>
-            </a:r>
-            <a:r>
-              <a:rPr lang="en-US" sz="1100" dirty="0" smtClean="0">
-                <a:latin typeface="Comic Sans MS" pitchFamily="66" charset="0"/>
-              </a:rPr>
-              <a:t>2014</a:t>
+              <a:t>, 2014</a:t>
             </a:r>
             <a:endParaRPr lang="en-US" sz="1100" dirty="0">
               <a:latin typeface="Comic Sans MS" pitchFamily="66" charset="0"/>
@@ -8500,25 +8488,7 @@
                 </a:solidFill>
                 <a:latin typeface="Comic Sans MS" pitchFamily="66" charset="0"/>
               </a:rPr>
-              <a:t>February </a:t>
-            </a:r>
-            <a:r>
-              <a:rPr lang="en-US" sz="1100" dirty="0" smtClean="0">
-                <a:solidFill>
-                  <a:srgbClr val="000000"/>
-                </a:solidFill>
-                <a:latin typeface="Comic Sans MS" pitchFamily="66" charset="0"/>
-              </a:rPr>
-              <a:t>14, </a:t>
-            </a:r>
-            <a:r>
-              <a:rPr lang="en-US" sz="1100" dirty="0" smtClean="0">
-                <a:solidFill>
-                  <a:srgbClr val="000000"/>
-                </a:solidFill>
-                <a:latin typeface="Comic Sans MS" pitchFamily="66" charset="0"/>
-              </a:rPr>
-              <a:t>2014</a:t>
+              <a:t>February 14, 2014</a:t>
             </a:r>
             <a:endParaRPr lang="en-US" sz="1100" dirty="0">
               <a:solidFill>
@@ -9214,7 +9184,7 @@
           <a:graphicData uri="http://schemas.openxmlformats.org/presentationml/2006/ole">
             <mc:AlternateContent xmlns:mc="http://schemas.openxmlformats.org/markup-compatibility/2006">
               <mc:Choice xmlns:v="urn:schemas-microsoft-com:vml" Requires="v">
-                <p:oleObj spid="_x0000_s239622" name="Equation" r:id="rId4" imgW="876300" imgH="1130300" progId="Equation.DSMT4">
+                <p:oleObj spid="_x0000_s239624" name="Equation" r:id="rId4" imgW="876300" imgH="1130300" progId="Equation.DSMT4">
                   <p:embed/>
                 </p:oleObj>
               </mc:Choice>
@@ -9572,7 +9542,7 @@
           <a:graphicData uri="http://schemas.openxmlformats.org/presentationml/2006/ole">
             <mc:AlternateContent xmlns:mc="http://schemas.openxmlformats.org/markup-compatibility/2006">
               <mc:Choice xmlns:v="urn:schemas-microsoft-com:vml" Requires="v">
-                <p:oleObj spid="_x0000_s240646" name="Equation" r:id="rId5" imgW="2349500" imgH="1016000" progId="Equation.DSMT4">
+                <p:oleObj spid="_x0000_s240648" name="Equation" r:id="rId5" imgW="2349500" imgH="1016000" progId="Equation.DSMT4">
                   <p:embed/>
                 </p:oleObj>
               </mc:Choice>
@@ -10624,7 +10594,7 @@
           <a:graphicData uri="http://schemas.openxmlformats.org/presentationml/2006/ole">
             <mc:AlternateContent xmlns:mc="http://schemas.openxmlformats.org/markup-compatibility/2006">
               <mc:Choice xmlns:v="urn:schemas-microsoft-com:vml" Requires="v">
-                <p:oleObj spid="_x0000_s241670" name="Equation" r:id="rId4" imgW="3784600" imgH="1295400" progId="Equation.DSMT4">
+                <p:oleObj spid="_x0000_s241672" name="Equation" r:id="rId4" imgW="3784600" imgH="1295400" progId="Equation.DSMT4">
                   <p:embed/>
                 </p:oleObj>
               </mc:Choice>
@@ -11745,7 +11715,7 @@
           <a:graphicData uri="http://schemas.openxmlformats.org/presentationml/2006/ole">
             <mc:AlternateContent xmlns:mc="http://schemas.openxmlformats.org/markup-compatibility/2006">
               <mc:Choice xmlns:v="urn:schemas-microsoft-com:vml" Requires="v">
-                <p:oleObj spid="_x0000_s236680" name="Equation" r:id="rId5" imgW="1346040" imgH="215640" progId="Equation.DSMT4">
+                <p:oleObj spid="_x0000_s236683" name="Equation" r:id="rId5" imgW="1346040" imgH="215640" progId="Equation.DSMT4">
                   <p:embed/>
                 </p:oleObj>
               </mc:Choice>
@@ -11815,7 +11785,7 @@
           <a:graphicData uri="http://schemas.openxmlformats.org/presentationml/2006/ole">
             <mc:AlternateContent xmlns:mc="http://schemas.openxmlformats.org/markup-compatibility/2006">
               <mc:Choice xmlns:v="urn:schemas-microsoft-com:vml" Requires="v">
-                <p:oleObj spid="_x0000_s236681" name="Equation" r:id="rId7" imgW="1333500" imgH="228600" progId="Equation.DSMT4">
+                <p:oleObj spid="_x0000_s236684" name="Equation" r:id="rId7" imgW="1333500" imgH="228600" progId="Equation.DSMT4">
                   <p:embed/>
                 </p:oleObj>
               </mc:Choice>
@@ -12309,7 +12279,7 @@
           <a:graphicData uri="http://schemas.openxmlformats.org/presentationml/2006/ole">
             <mc:AlternateContent xmlns:mc="http://schemas.openxmlformats.org/markup-compatibility/2006">
               <mc:Choice xmlns:v="urn:schemas-microsoft-com:vml" Requires="v">
-                <p:oleObj spid="_x0000_s234634" name="Equation" r:id="rId5" imgW="1422360" imgH="215640" progId="Equation.DSMT4">
+                <p:oleObj spid="_x0000_s234637" name="Equation" r:id="rId5" imgW="1422360" imgH="215640" progId="Equation.DSMT4">
                   <p:embed/>
                 </p:oleObj>
               </mc:Choice>
@@ -12379,7 +12349,7 @@
           <a:graphicData uri="http://schemas.openxmlformats.org/presentationml/2006/ole">
             <mc:AlternateContent xmlns:mc="http://schemas.openxmlformats.org/markup-compatibility/2006">
               <mc:Choice xmlns:v="urn:schemas-microsoft-com:vml" Requires="v">
-                <p:oleObj spid="_x0000_s234635" name="Equation" r:id="rId7" imgW="1409700" imgH="228600" progId="Equation.DSMT4">
+                <p:oleObj spid="_x0000_s234638" name="Equation" r:id="rId7" imgW="1409700" imgH="228600" progId="Equation.DSMT4">
                   <p:embed/>
                 </p:oleObj>
               </mc:Choice>
